--- a/slides/Module 2 - Variables, Operators, and Assignment.pptx
+++ b/slides/Module 2 - Variables, Operators, and Assignment.pptx
@@ -2,7 +2,7 @@
 <file path=ppt/presentation.xml><?xml version="1.0" encoding="utf-8"?>
 <p:presentation xmlns:a="http://schemas.openxmlformats.org/drawingml/2006/main" xmlns:r="http://schemas.openxmlformats.org/officeDocument/2006/relationships" xmlns:p="http://schemas.openxmlformats.org/presentationml/2006/main" saveSubsetFonts="1">
   <p:sldMasterIdLst>
-    <p:sldMasterId id="2147483660" r:id="rId1"/>
+    <p:sldMasterId id="2147483672" r:id="rId1"/>
   </p:sldMasterIdLst>
   <p:sldIdLst>
     <p:sldId id="256" r:id="rId2"/>
@@ -31,7 +31,7 @@
     <a:defPPr>
       <a:defRPr lang="en-US"/>
     </a:defPPr>
-    <a:lvl1pPr marL="0" algn="l" defTabSz="457200" rtl="0" eaLnBrk="1" latinLnBrk="0" hangingPunct="1">
+    <a:lvl1pPr marL="0" algn="l" defTabSz="914400" rtl="0" eaLnBrk="1" latinLnBrk="0" hangingPunct="1">
       <a:defRPr sz="1800" kern="1200">
         <a:solidFill>
           <a:schemeClr val="tx1"/>
@@ -41,7 +41,7 @@
         <a:cs typeface="+mn-cs"/>
       </a:defRPr>
     </a:lvl1pPr>
-    <a:lvl2pPr marL="457200" algn="l" defTabSz="457200" rtl="0" eaLnBrk="1" latinLnBrk="0" hangingPunct="1">
+    <a:lvl2pPr marL="457200" algn="l" defTabSz="914400" rtl="0" eaLnBrk="1" latinLnBrk="0" hangingPunct="1">
       <a:defRPr sz="1800" kern="1200">
         <a:solidFill>
           <a:schemeClr val="tx1"/>
@@ -51,7 +51,7 @@
         <a:cs typeface="+mn-cs"/>
       </a:defRPr>
     </a:lvl2pPr>
-    <a:lvl3pPr marL="914400" algn="l" defTabSz="457200" rtl="0" eaLnBrk="1" latinLnBrk="0" hangingPunct="1">
+    <a:lvl3pPr marL="914400" algn="l" defTabSz="914400" rtl="0" eaLnBrk="1" latinLnBrk="0" hangingPunct="1">
       <a:defRPr sz="1800" kern="1200">
         <a:solidFill>
           <a:schemeClr val="tx1"/>
@@ -61,7 +61,7 @@
         <a:cs typeface="+mn-cs"/>
       </a:defRPr>
     </a:lvl3pPr>
-    <a:lvl4pPr marL="1371600" algn="l" defTabSz="457200" rtl="0" eaLnBrk="1" latinLnBrk="0" hangingPunct="1">
+    <a:lvl4pPr marL="1371600" algn="l" defTabSz="914400" rtl="0" eaLnBrk="1" latinLnBrk="0" hangingPunct="1">
       <a:defRPr sz="1800" kern="1200">
         <a:solidFill>
           <a:schemeClr val="tx1"/>
@@ -71,7 +71,7 @@
         <a:cs typeface="+mn-cs"/>
       </a:defRPr>
     </a:lvl4pPr>
-    <a:lvl5pPr marL="1828800" algn="l" defTabSz="457200" rtl="0" eaLnBrk="1" latinLnBrk="0" hangingPunct="1">
+    <a:lvl5pPr marL="1828800" algn="l" defTabSz="914400" rtl="0" eaLnBrk="1" latinLnBrk="0" hangingPunct="1">
       <a:defRPr sz="1800" kern="1200">
         <a:solidFill>
           <a:schemeClr val="tx1"/>
@@ -81,7 +81,7 @@
         <a:cs typeface="+mn-cs"/>
       </a:defRPr>
     </a:lvl5pPr>
-    <a:lvl6pPr marL="2286000" algn="l" defTabSz="457200" rtl="0" eaLnBrk="1" latinLnBrk="0" hangingPunct="1">
+    <a:lvl6pPr marL="2286000" algn="l" defTabSz="914400" rtl="0" eaLnBrk="1" latinLnBrk="0" hangingPunct="1">
       <a:defRPr sz="1800" kern="1200">
         <a:solidFill>
           <a:schemeClr val="tx1"/>
@@ -91,7 +91,7 @@
         <a:cs typeface="+mn-cs"/>
       </a:defRPr>
     </a:lvl6pPr>
-    <a:lvl7pPr marL="2743200" algn="l" defTabSz="457200" rtl="0" eaLnBrk="1" latinLnBrk="0" hangingPunct="1">
+    <a:lvl7pPr marL="2743200" algn="l" defTabSz="914400" rtl="0" eaLnBrk="1" latinLnBrk="0" hangingPunct="1">
       <a:defRPr sz="1800" kern="1200">
         <a:solidFill>
           <a:schemeClr val="tx1"/>
@@ -101,7 +101,7 @@
         <a:cs typeface="+mn-cs"/>
       </a:defRPr>
     </a:lvl7pPr>
-    <a:lvl8pPr marL="3200400" algn="l" defTabSz="457200" rtl="0" eaLnBrk="1" latinLnBrk="0" hangingPunct="1">
+    <a:lvl8pPr marL="3200400" algn="l" defTabSz="914400" rtl="0" eaLnBrk="1" latinLnBrk="0" hangingPunct="1">
       <a:defRPr sz="1800" kern="1200">
         <a:solidFill>
           <a:schemeClr val="tx1"/>
@@ -111,7 +111,7 @@
         <a:cs typeface="+mn-cs"/>
       </a:defRPr>
     </a:lvl8pPr>
-    <a:lvl9pPr marL="3657600" algn="l" defTabSz="457200" rtl="0" eaLnBrk="1" latinLnBrk="0" hangingPunct="1">
+    <a:lvl9pPr marL="3657600" algn="l" defTabSz="914400" rtl="0" eaLnBrk="1" latinLnBrk="0" hangingPunct="1">
       <a:defRPr sz="1800" kern="1200">
         <a:solidFill>
           <a:schemeClr val="tx1"/>
@@ -131,7 +131,7 @@
 </file>
 
 <file path=ppt/slideLayouts/slideLayout1.xml><?xml version="1.0" encoding="utf-8"?>
-<p:sldLayout xmlns:a="http://schemas.openxmlformats.org/drawingml/2006/main" xmlns:r="http://schemas.openxmlformats.org/officeDocument/2006/relationships" xmlns:p="http://schemas.openxmlformats.org/presentationml/2006/main" showMasterSp="0" type="title" preserve="1">
+<p:sldLayout xmlns:a="http://schemas.openxmlformats.org/drawingml/2006/main" xmlns:r="http://schemas.openxmlformats.org/officeDocument/2006/relationships" xmlns:p="http://schemas.openxmlformats.org/presentationml/2006/main" type="title" preserve="1">
   <p:cSld name="Title Slide">
     <p:spTree>
       <p:nvGrpSpPr>
@@ -149,362 +149,101 @@
       </p:grpSpPr>
       <p:sp>
         <p:nvSpPr>
-          <p:cNvPr id="7" name="Rectangle 6"/>
-          <p:cNvSpPr/>
-          <p:nvPr/>
+          <p:cNvPr id="2" name="Title 1">
+            <a:extLst>
+              <a:ext uri="{FF2B5EF4-FFF2-40B4-BE49-F238E27FC236}">
+                <a16:creationId xmlns:a16="http://schemas.microsoft.com/office/drawing/2014/main" id="{E2064621-DA48-4997-BEBD-1E65678E8FC4}"/>
+              </a:ext>
+            </a:extLst>
+          </p:cNvPr>
+          <p:cNvSpPr>
+            <a:spLocks noGrp="1"/>
+          </p:cNvSpPr>
+          <p:nvPr>
+            <p:ph type="ctrTitle"/>
+          </p:nvPr>
         </p:nvSpPr>
         <p:spPr>
           <a:xfrm>
-            <a:off x="920834" y="1346946"/>
-            <a:ext cx="10222992" cy="80683"/>
+            <a:off x="1524000" y="1122363"/>
+            <a:ext cx="9144000" cy="2387600"/>
           </a:xfrm>
-          <a:prstGeom prst="rect">
-            <a:avLst/>
-          </a:prstGeom>
-          <a:blipFill dpi="0" rotWithShape="1">
-            <a:blip r:embed="rId2">
-              <a:alphaModFix amt="85000"/>
-              <a:lum bright="70000" contrast="-70000"/>
-              <a:extLst>
-                <a:ext uri="{BEBA8EAE-BF5A-486C-A8C5-ECC9F3942E4B}">
-                  <a14:imgProps xmlns:a14="http://schemas.microsoft.com/office/drawing/2010/main">
-                    <a14:imgLayer r:embed="rId3">
-                      <a14:imgEffect>
-                        <a14:sharpenSoften amount="61000"/>
-                      </a14:imgEffect>
-                    </a14:imgLayer>
-                  </a14:imgProps>
-                </a:ext>
-                <a:ext uri="{28A0092B-C50C-407E-A947-70E740481C1C}">
-                  <a14:useLocalDpi xmlns:a14="http://schemas.microsoft.com/office/drawing/2010/main" val="0"/>
-                </a:ext>
-              </a:extLst>
-            </a:blip>
-            <a:srcRect/>
-            <a:tile tx="0" ty="-762000" sx="92000" sy="89000" flip="xy" algn="ctr"/>
-          </a:blipFill>
-          <a:ln>
-            <a:noFill/>
-          </a:ln>
         </p:spPr>
-        <p:style>
-          <a:lnRef idx="2">
-            <a:schemeClr val="accent1">
-              <a:shade val="50000"/>
-            </a:schemeClr>
-          </a:lnRef>
-          <a:fillRef idx="1">
-            <a:schemeClr val="accent1"/>
-          </a:fillRef>
-          <a:effectRef idx="0">
-            <a:schemeClr val="accent1"/>
-          </a:effectRef>
-          <a:fontRef idx="minor">
-            <a:schemeClr val="lt1"/>
-          </a:fontRef>
-        </p:style>
-      </p:sp>
-      <p:sp>
-        <p:nvSpPr>
-          <p:cNvPr id="8" name="Rectangle 7"/>
-          <p:cNvSpPr/>
-          <p:nvPr/>
+        <p:txBody>
+          <a:bodyPr anchor="b"/>
+          <a:lstStyle>
+            <a:lvl1pPr algn="ctr">
+              <a:defRPr sz="6000"/>
+            </a:lvl1pPr>
+          </a:lstStyle>
+          <a:p>
+            <a:r>
+              <a:rPr lang="en-US"/>
+              <a:t>Click to edit Master title style</a:t>
+            </a:r>
+          </a:p>
+        </p:txBody>
+      </p:sp>
+      <p:sp>
+        <p:nvSpPr>
+          <p:cNvPr id="3" name="Subtitle 2">
+            <a:extLst>
+              <a:ext uri="{FF2B5EF4-FFF2-40B4-BE49-F238E27FC236}">
+                <a16:creationId xmlns:a16="http://schemas.microsoft.com/office/drawing/2014/main" id="{2AE75438-CCB8-4A86-9B4B-7963B663E27C}"/>
+              </a:ext>
+            </a:extLst>
+          </p:cNvPr>
+          <p:cNvSpPr>
+            <a:spLocks noGrp="1"/>
+          </p:cNvSpPr>
+          <p:nvPr>
+            <p:ph type="subTitle" idx="1"/>
+          </p:nvPr>
         </p:nvSpPr>
         <p:spPr>
           <a:xfrm>
-            <a:off x="920834" y="4299696"/>
-            <a:ext cx="10222992" cy="80683"/>
-          </a:xfrm>
-          <a:prstGeom prst="rect">
-            <a:avLst/>
-          </a:prstGeom>
-          <a:blipFill dpi="0" rotWithShape="1">
-            <a:blip r:embed="rId2">
-              <a:alphaModFix amt="85000"/>
-              <a:lum bright="70000" contrast="-70000"/>
-              <a:extLst>
-                <a:ext uri="{BEBA8EAE-BF5A-486C-A8C5-ECC9F3942E4B}">
-                  <a14:imgProps xmlns:a14="http://schemas.microsoft.com/office/drawing/2010/main">
-                    <a14:imgLayer r:embed="rId3">
-                      <a14:imgEffect>
-                        <a14:sharpenSoften amount="61000"/>
-                      </a14:imgEffect>
-                    </a14:imgLayer>
-                  </a14:imgProps>
-                </a:ext>
-                <a:ext uri="{28A0092B-C50C-407E-A947-70E740481C1C}">
-                  <a14:useLocalDpi xmlns:a14="http://schemas.microsoft.com/office/drawing/2010/main" val="0"/>
-                </a:ext>
-              </a:extLst>
-            </a:blip>
-            <a:srcRect/>
-            <a:tile tx="0" ty="-717550" sx="92000" sy="89000" flip="xy" algn="ctr"/>
-          </a:blipFill>
-          <a:ln>
-            <a:noFill/>
-          </a:ln>
-        </p:spPr>
-        <p:style>
-          <a:lnRef idx="2">
-            <a:schemeClr val="accent1">
-              <a:shade val="50000"/>
-            </a:schemeClr>
-          </a:lnRef>
-          <a:fillRef idx="1">
-            <a:schemeClr val="accent1"/>
-          </a:fillRef>
-          <a:effectRef idx="0">
-            <a:schemeClr val="accent1"/>
-          </a:effectRef>
-          <a:fontRef idx="minor">
-            <a:schemeClr val="lt1"/>
-          </a:fontRef>
-        </p:style>
-      </p:sp>
-      <p:sp>
-        <p:nvSpPr>
-          <p:cNvPr id="9" name="Rectangle 8"/>
-          <p:cNvSpPr/>
-          <p:nvPr/>
-        </p:nvSpPr>
-        <p:spPr>
-          <a:xfrm>
-            <a:off x="920834" y="1484779"/>
-            <a:ext cx="10222992" cy="2743200"/>
-          </a:xfrm>
-          <a:prstGeom prst="rect">
-            <a:avLst/>
-          </a:prstGeom>
-          <a:blipFill dpi="0" rotWithShape="1">
-            <a:blip r:embed="rId2">
-              <a:alphaModFix amt="85000"/>
-              <a:lum bright="70000" contrast="-70000"/>
-              <a:extLst>
-                <a:ext uri="{BEBA8EAE-BF5A-486C-A8C5-ECC9F3942E4B}">
-                  <a14:imgProps xmlns:a14="http://schemas.microsoft.com/office/drawing/2010/main">
-                    <a14:imgLayer r:embed="rId3">
-                      <a14:imgEffect>
-                        <a14:sharpenSoften amount="61000"/>
-                      </a14:imgEffect>
-                    </a14:imgLayer>
-                  </a14:imgProps>
-                </a:ext>
-                <a:ext uri="{28A0092B-C50C-407E-A947-70E740481C1C}">
-                  <a14:useLocalDpi xmlns:a14="http://schemas.microsoft.com/office/drawing/2010/main" val="0"/>
-                </a:ext>
-              </a:extLst>
-            </a:blip>
-            <a:srcRect/>
-            <a:tile tx="0" ty="-704850" sx="92000" sy="89000" flip="xy" algn="ctr"/>
-          </a:blipFill>
-          <a:ln>
-            <a:noFill/>
-          </a:ln>
-        </p:spPr>
-        <p:style>
-          <a:lnRef idx="2">
-            <a:schemeClr val="accent1">
-              <a:shade val="50000"/>
-            </a:schemeClr>
-          </a:lnRef>
-          <a:fillRef idx="1">
-            <a:schemeClr val="accent1"/>
-          </a:fillRef>
-          <a:effectRef idx="0">
-            <a:schemeClr val="accent1"/>
-          </a:effectRef>
-          <a:fontRef idx="minor">
-            <a:schemeClr val="lt1"/>
-          </a:fontRef>
-        </p:style>
-      </p:sp>
-      <p:grpSp>
-        <p:nvGrpSpPr>
-          <p:cNvPr id="10" name="Group 9"/>
-          <p:cNvGrpSpPr/>
-          <p:nvPr/>
-        </p:nvGrpSpPr>
-        <p:grpSpPr>
-          <a:xfrm>
-            <a:off x="9649215" y="4068923"/>
-            <a:ext cx="1080904" cy="1080902"/>
-            <a:chOff x="9685338" y="4460675"/>
-            <a:chExt cx="1080904" cy="1080902"/>
-          </a:xfrm>
-        </p:grpSpPr>
-        <p:sp>
-          <p:nvSpPr>
-            <p:cNvPr id="11" name="Oval 10"/>
-            <p:cNvSpPr/>
-            <p:nvPr/>
-          </p:nvSpPr>
-          <p:spPr>
-            <a:xfrm>
-              <a:off x="9685338" y="4460675"/>
-              <a:ext cx="1080904" cy="1080902"/>
-            </a:xfrm>
-            <a:prstGeom prst="ellipse">
-              <a:avLst/>
-            </a:prstGeom>
-            <a:blipFill dpi="0" rotWithShape="1">
-              <a:blip r:embed="rId4">
-                <a:duotone>
-                  <a:schemeClr val="accent1">
-                    <a:shade val="45000"/>
-                    <a:satMod val="135000"/>
-                  </a:schemeClr>
-                  <a:prstClr val="white"/>
-                </a:duotone>
-                <a:extLst>
-                  <a:ext uri="{BEBA8EAE-BF5A-486C-A8C5-ECC9F3942E4B}">
-                    <a14:imgProps xmlns:a14="http://schemas.microsoft.com/office/drawing/2010/main">
-                      <a14:imgLayer r:embed="rId5">
-                        <a14:imgEffect>
-                          <a14:saturation sat="95000"/>
-                        </a14:imgEffect>
-                      </a14:imgLayer>
-                    </a14:imgProps>
-                  </a:ext>
-                </a:extLst>
-              </a:blip>
-              <a:srcRect/>
-              <a:tile tx="0" ty="0" sx="85000" sy="85000" flip="none" algn="tl"/>
-            </a:blipFill>
-            <a:ln w="25400" cap="flat" cmpd="sng" algn="ctr">
-              <a:noFill/>
-              <a:prstDash val="solid"/>
-            </a:ln>
-            <a:effectLst/>
-          </p:spPr>
-        </p:sp>
-        <p:sp>
-          <p:nvSpPr>
-            <p:cNvPr id="12" name="Oval 11"/>
-            <p:cNvSpPr/>
-            <p:nvPr/>
-          </p:nvSpPr>
-          <p:spPr>
-            <a:xfrm>
-              <a:off x="9793429" y="4568765"/>
-              <a:ext cx="864723" cy="864722"/>
-            </a:xfrm>
-            <a:prstGeom prst="ellipse">
-              <a:avLst/>
-            </a:prstGeom>
-            <a:noFill/>
-            <a:ln w="25400" cap="flat" cmpd="sng" algn="ctr">
-              <a:solidFill>
-                <a:sysClr val="window" lastClr="FFFFFF"/>
-              </a:solidFill>
-              <a:prstDash val="solid"/>
-            </a:ln>
-            <a:effectLst/>
-          </p:spPr>
-        </p:sp>
-      </p:grpSp>
-      <p:sp>
-        <p:nvSpPr>
-          <p:cNvPr id="2" name="Title 1"/>
-          <p:cNvSpPr>
-            <a:spLocks noGrp="1"/>
-          </p:cNvSpPr>
-          <p:nvPr>
-            <p:ph type="ctrTitle"/>
-          </p:nvPr>
-        </p:nvSpPr>
-        <p:spPr>
-          <a:xfrm>
-            <a:off x="1051560" y="1432223"/>
-            <a:ext cx="9966960" cy="3035808"/>
+            <a:off x="1524000" y="3602038"/>
+            <a:ext cx="9144000" cy="1655762"/>
           </a:xfrm>
         </p:spPr>
         <p:txBody>
-          <a:bodyPr anchor="ctr">
-            <a:noAutofit/>
-          </a:bodyPr>
+          <a:bodyPr/>
           <a:lstStyle>
-            <a:lvl1pPr algn="l">
-              <a:lnSpc>
-                <a:spcPct val="80000"/>
-              </a:lnSpc>
-              <a:defRPr sz="9600" cap="all" baseline="0">
-                <a:blipFill dpi="0" rotWithShape="1">
-                  <a:blip r:embed="rId4"/>
-                  <a:srcRect/>
-                  <a:tile tx="6350" ty="-127000" sx="65000" sy="64000" flip="none" algn="tl"/>
-                </a:blipFill>
-              </a:defRPr>
-            </a:lvl1pPr>
-          </a:lstStyle>
-          <a:p>
-            <a:r>
-              <a:rPr lang="en-US"/>
-              <a:t>Click to edit Master title style</a:t>
-            </a:r>
-            <a:endParaRPr lang="en-US" dirty="0"/>
-          </a:p>
-        </p:txBody>
-      </p:sp>
-      <p:sp>
-        <p:nvSpPr>
-          <p:cNvPr id="3" name="Subtitle 2"/>
-          <p:cNvSpPr>
-            <a:spLocks noGrp="1"/>
-          </p:cNvSpPr>
-          <p:nvPr>
-            <p:ph type="subTitle" idx="1"/>
-          </p:nvPr>
-        </p:nvSpPr>
-        <p:spPr>
-          <a:xfrm>
-            <a:off x="1069848" y="4389120"/>
-            <a:ext cx="7891272" cy="1069848"/>
-          </a:xfrm>
-        </p:spPr>
-        <p:txBody>
-          <a:bodyPr>
-            <a:normAutofit/>
-          </a:bodyPr>
-          <a:lstStyle>
-            <a:lvl1pPr marL="0" indent="0" algn="l">
-              <a:buNone/>
-              <a:defRPr sz="2200">
-                <a:solidFill>
-                  <a:schemeClr val="tx1"/>
-                </a:solidFill>
-              </a:defRPr>
+            <a:lvl1pPr marL="0" indent="0" algn="ctr">
+              <a:buNone/>
+              <a:defRPr sz="2400"/>
             </a:lvl1pPr>
             <a:lvl2pPr marL="457200" indent="0" algn="ctr">
               <a:buNone/>
-              <a:defRPr sz="2200"/>
+              <a:defRPr sz="2000"/>
             </a:lvl2pPr>
             <a:lvl3pPr marL="914400" indent="0" algn="ctr">
               <a:buNone/>
-              <a:defRPr sz="2200"/>
+              <a:defRPr sz="1800"/>
             </a:lvl3pPr>
             <a:lvl4pPr marL="1371600" indent="0" algn="ctr">
               <a:buNone/>
-              <a:defRPr sz="2000"/>
+              <a:defRPr sz="1600"/>
             </a:lvl4pPr>
             <a:lvl5pPr marL="1828800" indent="0" algn="ctr">
               <a:buNone/>
-              <a:defRPr sz="2000"/>
+              <a:defRPr sz="1600"/>
             </a:lvl5pPr>
             <a:lvl6pPr marL="2286000" indent="0" algn="ctr">
               <a:buNone/>
-              <a:defRPr sz="2000"/>
+              <a:defRPr sz="1600"/>
             </a:lvl6pPr>
             <a:lvl7pPr marL="2743200" indent="0" algn="ctr">
               <a:buNone/>
-              <a:defRPr sz="2000"/>
+              <a:defRPr sz="1600"/>
             </a:lvl7pPr>
             <a:lvl8pPr marL="3200400" indent="0" algn="ctr">
               <a:buNone/>
-              <a:defRPr sz="2000"/>
+              <a:defRPr sz="1600"/>
             </a:lvl8pPr>
             <a:lvl9pPr marL="3657600" indent="0" algn="ctr">
               <a:buNone/>
-              <a:defRPr sz="2000"/>
+              <a:defRPr sz="1600"/>
             </a:lvl9pPr>
           </a:lstStyle>
           <a:p>
@@ -512,13 +251,18 @@
               <a:rPr lang="en-US"/>
               <a:t>Click to edit Master subtitle style</a:t>
             </a:r>
-            <a:endParaRPr lang="en-US" dirty="0"/>
-          </a:p>
-        </p:txBody>
-      </p:sp>
-      <p:sp>
-        <p:nvSpPr>
-          <p:cNvPr id="4" name="Date Placeholder 3"/>
+          </a:p>
+        </p:txBody>
+      </p:sp>
+      <p:sp>
+        <p:nvSpPr>
+          <p:cNvPr id="4" name="Date Placeholder 3">
+            <a:extLst>
+              <a:ext uri="{FF2B5EF4-FFF2-40B4-BE49-F238E27FC236}">
+                <a16:creationId xmlns:a16="http://schemas.microsoft.com/office/drawing/2014/main" id="{6CD3AF47-926B-4595-A5E7-E702A1DE6DA3}"/>
+              </a:ext>
+            </a:extLst>
+          </p:cNvPr>
           <p:cNvSpPr>
             <a:spLocks noGrp="1"/>
           </p:cNvSpPr>
@@ -533,7 +277,7 @@
           <a:p>
             <a:fld id="{0E8CBC1A-DE79-4C0D-AFEE-07A9E8677B20}" type="datetimeFigureOut">
               <a:rPr lang="en-US" smtClean="0"/>
-              <a:t>4/3/2023</a:t>
+              <a:t>8/1/2023</a:t>
             </a:fld>
             <a:endParaRPr lang="en-US"/>
           </a:p>
@@ -541,7 +285,13 @@
       </p:sp>
       <p:sp>
         <p:nvSpPr>
-          <p:cNvPr id="5" name="Footer Placeholder 4"/>
+          <p:cNvPr id="5" name="Footer Placeholder 4">
+            <a:extLst>
+              <a:ext uri="{FF2B5EF4-FFF2-40B4-BE49-F238E27FC236}">
+                <a16:creationId xmlns:a16="http://schemas.microsoft.com/office/drawing/2014/main" id="{3B0C72A4-E51D-4771-9D8A-5B94859A877F}"/>
+              </a:ext>
+            </a:extLst>
+          </p:cNvPr>
           <p:cNvSpPr>
             <a:spLocks noGrp="1"/>
           </p:cNvSpPr>
@@ -560,7 +310,13 @@
       </p:sp>
       <p:sp>
         <p:nvSpPr>
-          <p:cNvPr id="6" name="Slide Number Placeholder 5"/>
+          <p:cNvPr id="6" name="Slide Number Placeholder 5">
+            <a:extLst>
+              <a:ext uri="{FF2B5EF4-FFF2-40B4-BE49-F238E27FC236}">
+                <a16:creationId xmlns:a16="http://schemas.microsoft.com/office/drawing/2014/main" id="{A372C2B7-42E8-4FBA-92CC-9504538EECB4}"/>
+              </a:ext>
+            </a:extLst>
+          </p:cNvPr>
           <p:cNvSpPr>
             <a:spLocks noGrp="1"/>
           </p:cNvSpPr>
@@ -568,19 +324,10 @@
             <p:ph type="sldNum" sz="quarter" idx="12"/>
           </p:nvPr>
         </p:nvSpPr>
-        <p:spPr>
-          <a:xfrm>
-            <a:off x="9592733" y="4289334"/>
-            <a:ext cx="1193868" cy="640080"/>
-          </a:xfrm>
-        </p:spPr>
-        <p:txBody>
-          <a:bodyPr/>
-          <a:lstStyle>
-            <a:lvl1pPr>
-              <a:defRPr sz="2800"/>
-            </a:lvl1pPr>
-          </a:lstStyle>
+        <p:spPr/>
+        <p:txBody>
+          <a:bodyPr/>
+          <a:lstStyle/>
           <a:p>
             <a:fld id="{0E0C9589-D6C4-4706-A468-E2FBCE196867}" type="slidenum">
               <a:rPr lang="en-US" smtClean="0"/>
@@ -593,7 +340,7 @@
     </p:spTree>
     <p:extLst>
       <p:ext uri="{BB962C8B-B14F-4D97-AF65-F5344CB8AC3E}">
-        <p14:creationId xmlns:p14="http://schemas.microsoft.com/office/powerpoint/2010/main" val="3510634111"/>
+        <p14:creationId xmlns:p14="http://schemas.microsoft.com/office/powerpoint/2010/main" val="239313167"/>
       </p:ext>
     </p:extLst>
   </p:cSld>
@@ -622,7 +369,13 @@
       </p:grpSpPr>
       <p:sp>
         <p:nvSpPr>
-          <p:cNvPr id="2" name="Title 1"/>
+          <p:cNvPr id="2" name="Title 1">
+            <a:extLst>
+              <a:ext uri="{FF2B5EF4-FFF2-40B4-BE49-F238E27FC236}">
+                <a16:creationId xmlns:a16="http://schemas.microsoft.com/office/drawing/2014/main" id="{20339D6C-00A2-467E-9E75-7E2C81D6972C}"/>
+              </a:ext>
+            </a:extLst>
+          </p:cNvPr>
           <p:cNvSpPr>
             <a:spLocks noGrp="1"/>
           </p:cNvSpPr>
@@ -639,13 +392,18 @@
               <a:rPr lang="en-US"/>
               <a:t>Click to edit Master title style</a:t>
             </a:r>
-            <a:endParaRPr lang="en-US" dirty="0"/>
-          </a:p>
-        </p:txBody>
-      </p:sp>
-      <p:sp>
-        <p:nvSpPr>
-          <p:cNvPr id="3" name="Vertical Text Placeholder 2"/>
+          </a:p>
+        </p:txBody>
+      </p:sp>
+      <p:sp>
+        <p:nvSpPr>
+          <p:cNvPr id="3" name="Vertical Text Placeholder 2">
+            <a:extLst>
+              <a:ext uri="{FF2B5EF4-FFF2-40B4-BE49-F238E27FC236}">
+                <a16:creationId xmlns:a16="http://schemas.microsoft.com/office/drawing/2014/main" id="{90D57D7D-6063-493D-979C-E53BE8159365}"/>
+              </a:ext>
+            </a:extLst>
+          </p:cNvPr>
           <p:cNvSpPr>
             <a:spLocks noGrp="1"/>
           </p:cNvSpPr>
@@ -691,13 +449,18 @@
               <a:rPr lang="en-US"/>
               <a:t>Fifth level</a:t>
             </a:r>
-            <a:endParaRPr lang="en-US" dirty="0"/>
-          </a:p>
-        </p:txBody>
-      </p:sp>
-      <p:sp>
-        <p:nvSpPr>
-          <p:cNvPr id="4" name="Date Placeholder 3"/>
+          </a:p>
+        </p:txBody>
+      </p:sp>
+      <p:sp>
+        <p:nvSpPr>
+          <p:cNvPr id="4" name="Date Placeholder 3">
+            <a:extLst>
+              <a:ext uri="{FF2B5EF4-FFF2-40B4-BE49-F238E27FC236}">
+                <a16:creationId xmlns:a16="http://schemas.microsoft.com/office/drawing/2014/main" id="{574AE62B-06CC-475A-AD77-226C67930C80}"/>
+              </a:ext>
+            </a:extLst>
+          </p:cNvPr>
           <p:cNvSpPr>
             <a:spLocks noGrp="1"/>
           </p:cNvSpPr>
@@ -712,7 +475,7 @@
           <a:p>
             <a:fld id="{0E8CBC1A-DE79-4C0D-AFEE-07A9E8677B20}" type="datetimeFigureOut">
               <a:rPr lang="en-US" smtClean="0"/>
-              <a:t>4/3/2023</a:t>
+              <a:t>8/1/2023</a:t>
             </a:fld>
             <a:endParaRPr lang="en-US"/>
           </a:p>
@@ -720,7 +483,13 @@
       </p:sp>
       <p:sp>
         <p:nvSpPr>
-          <p:cNvPr id="5" name="Footer Placeholder 4"/>
+          <p:cNvPr id="5" name="Footer Placeholder 4">
+            <a:extLst>
+              <a:ext uri="{FF2B5EF4-FFF2-40B4-BE49-F238E27FC236}">
+                <a16:creationId xmlns:a16="http://schemas.microsoft.com/office/drawing/2014/main" id="{8307492D-B207-447D-95DC-18BC78E6F22B}"/>
+              </a:ext>
+            </a:extLst>
+          </p:cNvPr>
           <p:cNvSpPr>
             <a:spLocks noGrp="1"/>
           </p:cNvSpPr>
@@ -739,7 +508,13 @@
       </p:sp>
       <p:sp>
         <p:nvSpPr>
-          <p:cNvPr id="6" name="Slide Number Placeholder 5"/>
+          <p:cNvPr id="6" name="Slide Number Placeholder 5">
+            <a:extLst>
+              <a:ext uri="{FF2B5EF4-FFF2-40B4-BE49-F238E27FC236}">
+                <a16:creationId xmlns:a16="http://schemas.microsoft.com/office/drawing/2014/main" id="{349658CB-879F-426B-974C-764615CB3992}"/>
+              </a:ext>
+            </a:extLst>
+          </p:cNvPr>
           <p:cNvSpPr>
             <a:spLocks noGrp="1"/>
           </p:cNvSpPr>
@@ -763,7 +538,7 @@
     </p:spTree>
     <p:extLst>
       <p:ext uri="{BB962C8B-B14F-4D97-AF65-F5344CB8AC3E}">
-        <p14:creationId xmlns:p14="http://schemas.microsoft.com/office/powerpoint/2010/main" val="200100744"/>
+        <p14:creationId xmlns:p14="http://schemas.microsoft.com/office/powerpoint/2010/main" val="2681272265"/>
       </p:ext>
     </p:extLst>
   </p:cSld>
@@ -792,7 +567,13 @@
       </p:grpSpPr>
       <p:sp>
         <p:nvSpPr>
-          <p:cNvPr id="2" name="Vertical Title 1"/>
+          <p:cNvPr id="2" name="Vertical Title 1">
+            <a:extLst>
+              <a:ext uri="{FF2B5EF4-FFF2-40B4-BE49-F238E27FC236}">
+                <a16:creationId xmlns:a16="http://schemas.microsoft.com/office/drawing/2014/main" id="{80D30277-3E35-4D70-A699-BEC2A7BB966C}"/>
+              </a:ext>
+            </a:extLst>
+          </p:cNvPr>
           <p:cNvSpPr>
             <a:spLocks noGrp="1"/>
           </p:cNvSpPr>
@@ -802,8 +583,8 @@
         </p:nvSpPr>
         <p:spPr>
           <a:xfrm>
-            <a:off x="8724900" y="533400"/>
-            <a:ext cx="2552700" cy="5638800"/>
+            <a:off x="8724900" y="365125"/>
+            <a:ext cx="2628900" cy="5811838"/>
           </a:xfrm>
         </p:spPr>
         <p:txBody>
@@ -814,13 +595,18 @@
               <a:rPr lang="en-US"/>
               <a:t>Click to edit Master title style</a:t>
             </a:r>
-            <a:endParaRPr lang="en-US" dirty="0"/>
-          </a:p>
-        </p:txBody>
-      </p:sp>
-      <p:sp>
-        <p:nvSpPr>
-          <p:cNvPr id="3" name="Vertical Text Placeholder 2"/>
+          </a:p>
+        </p:txBody>
+      </p:sp>
+      <p:sp>
+        <p:nvSpPr>
+          <p:cNvPr id="3" name="Vertical Text Placeholder 2">
+            <a:extLst>
+              <a:ext uri="{FF2B5EF4-FFF2-40B4-BE49-F238E27FC236}">
+                <a16:creationId xmlns:a16="http://schemas.microsoft.com/office/drawing/2014/main" id="{5508866F-51DD-44A9-A68E-AB5126FDD566}"/>
+              </a:ext>
+            </a:extLst>
+          </p:cNvPr>
           <p:cNvSpPr>
             <a:spLocks noGrp="1"/>
           </p:cNvSpPr>
@@ -830,8 +616,8 @@
         </p:nvSpPr>
         <p:spPr>
           <a:xfrm>
-            <a:off x="1066800" y="533400"/>
-            <a:ext cx="7505700" cy="5638800"/>
+            <a:off x="838200" y="365125"/>
+            <a:ext cx="7734300" cy="5811838"/>
           </a:xfrm>
         </p:spPr>
         <p:txBody>
@@ -871,13 +657,18 @@
               <a:rPr lang="en-US"/>
               <a:t>Fifth level</a:t>
             </a:r>
-            <a:endParaRPr lang="en-US" dirty="0"/>
-          </a:p>
-        </p:txBody>
-      </p:sp>
-      <p:sp>
-        <p:nvSpPr>
-          <p:cNvPr id="4" name="Date Placeholder 3"/>
+          </a:p>
+        </p:txBody>
+      </p:sp>
+      <p:sp>
+        <p:nvSpPr>
+          <p:cNvPr id="4" name="Date Placeholder 3">
+            <a:extLst>
+              <a:ext uri="{FF2B5EF4-FFF2-40B4-BE49-F238E27FC236}">
+                <a16:creationId xmlns:a16="http://schemas.microsoft.com/office/drawing/2014/main" id="{1CCF276B-562A-448E-8681-FD9A1159C8DA}"/>
+              </a:ext>
+            </a:extLst>
+          </p:cNvPr>
           <p:cNvSpPr>
             <a:spLocks noGrp="1"/>
           </p:cNvSpPr>
@@ -892,7 +683,7 @@
           <a:p>
             <a:fld id="{0E8CBC1A-DE79-4C0D-AFEE-07A9E8677B20}" type="datetimeFigureOut">
               <a:rPr lang="en-US" smtClean="0"/>
-              <a:t>4/3/2023</a:t>
+              <a:t>8/1/2023</a:t>
             </a:fld>
             <a:endParaRPr lang="en-US"/>
           </a:p>
@@ -900,7 +691,13 @@
       </p:sp>
       <p:sp>
         <p:nvSpPr>
-          <p:cNvPr id="5" name="Footer Placeholder 4"/>
+          <p:cNvPr id="5" name="Footer Placeholder 4">
+            <a:extLst>
+              <a:ext uri="{FF2B5EF4-FFF2-40B4-BE49-F238E27FC236}">
+                <a16:creationId xmlns:a16="http://schemas.microsoft.com/office/drawing/2014/main" id="{A31B3917-C1F3-4929-9546-8B4B6B4A8BB3}"/>
+              </a:ext>
+            </a:extLst>
+          </p:cNvPr>
           <p:cNvSpPr>
             <a:spLocks noGrp="1"/>
           </p:cNvSpPr>
@@ -919,7 +716,13 @@
       </p:sp>
       <p:sp>
         <p:nvSpPr>
-          <p:cNvPr id="6" name="Slide Number Placeholder 5"/>
+          <p:cNvPr id="6" name="Slide Number Placeholder 5">
+            <a:extLst>
+              <a:ext uri="{FF2B5EF4-FFF2-40B4-BE49-F238E27FC236}">
+                <a16:creationId xmlns:a16="http://schemas.microsoft.com/office/drawing/2014/main" id="{C3BE1EFB-CCA9-45A1-BC17-ECD4682BD29E}"/>
+              </a:ext>
+            </a:extLst>
+          </p:cNvPr>
           <p:cNvSpPr>
             <a:spLocks noGrp="1"/>
           </p:cNvSpPr>
@@ -943,7 +746,7 @@
     </p:spTree>
     <p:extLst>
       <p:ext uri="{BB962C8B-B14F-4D97-AF65-F5344CB8AC3E}">
-        <p14:creationId xmlns:p14="http://schemas.microsoft.com/office/powerpoint/2010/main" val="4030282894"/>
+        <p14:creationId xmlns:p14="http://schemas.microsoft.com/office/powerpoint/2010/main" val="4052231847"/>
       </p:ext>
     </p:extLst>
   </p:cSld>
@@ -972,7 +775,13 @@
       </p:grpSpPr>
       <p:sp>
         <p:nvSpPr>
-          <p:cNvPr id="2" name="Title 1"/>
+          <p:cNvPr id="2" name="Title 1">
+            <a:extLst>
+              <a:ext uri="{FF2B5EF4-FFF2-40B4-BE49-F238E27FC236}">
+                <a16:creationId xmlns:a16="http://schemas.microsoft.com/office/drawing/2014/main" id="{4BE8BC41-003B-48BD-B886-D8C1526F4934}"/>
+              </a:ext>
+            </a:extLst>
+          </p:cNvPr>
           <p:cNvSpPr>
             <a:spLocks noGrp="1"/>
           </p:cNvSpPr>
@@ -989,13 +798,18 @@
               <a:rPr lang="en-US"/>
               <a:t>Click to edit Master title style</a:t>
             </a:r>
-            <a:endParaRPr lang="en-US" dirty="0"/>
-          </a:p>
-        </p:txBody>
-      </p:sp>
-      <p:sp>
-        <p:nvSpPr>
-          <p:cNvPr id="3" name="Content Placeholder 2"/>
+          </a:p>
+        </p:txBody>
+      </p:sp>
+      <p:sp>
+        <p:nvSpPr>
+          <p:cNvPr id="3" name="Content Placeholder 2">
+            <a:extLst>
+              <a:ext uri="{FF2B5EF4-FFF2-40B4-BE49-F238E27FC236}">
+                <a16:creationId xmlns:a16="http://schemas.microsoft.com/office/drawing/2014/main" id="{6116523A-9702-4818-8669-85AEF7358D6F}"/>
+              </a:ext>
+            </a:extLst>
+          </p:cNvPr>
           <p:cNvSpPr>
             <a:spLocks noGrp="1"/>
           </p:cNvSpPr>
@@ -1041,13 +855,18 @@
               <a:rPr lang="en-US"/>
               <a:t>Fifth level</a:t>
             </a:r>
-            <a:endParaRPr lang="en-US" dirty="0"/>
-          </a:p>
-        </p:txBody>
-      </p:sp>
-      <p:sp>
-        <p:nvSpPr>
-          <p:cNvPr id="4" name="Date Placeholder 3"/>
+          </a:p>
+        </p:txBody>
+      </p:sp>
+      <p:sp>
+        <p:nvSpPr>
+          <p:cNvPr id="4" name="Date Placeholder 3">
+            <a:extLst>
+              <a:ext uri="{FF2B5EF4-FFF2-40B4-BE49-F238E27FC236}">
+                <a16:creationId xmlns:a16="http://schemas.microsoft.com/office/drawing/2014/main" id="{8F2814B7-9D2B-4CBC-B5D4-FC57FF37B4E9}"/>
+              </a:ext>
+            </a:extLst>
+          </p:cNvPr>
           <p:cNvSpPr>
             <a:spLocks noGrp="1"/>
           </p:cNvSpPr>
@@ -1062,7 +881,7 @@
           <a:p>
             <a:fld id="{0E8CBC1A-DE79-4C0D-AFEE-07A9E8677B20}" type="datetimeFigureOut">
               <a:rPr lang="en-US" smtClean="0"/>
-              <a:t>4/3/2023</a:t>
+              <a:t>8/1/2023</a:t>
             </a:fld>
             <a:endParaRPr lang="en-US"/>
           </a:p>
@@ -1070,7 +889,13 @@
       </p:sp>
       <p:sp>
         <p:nvSpPr>
-          <p:cNvPr id="5" name="Footer Placeholder 4"/>
+          <p:cNvPr id="5" name="Footer Placeholder 4">
+            <a:extLst>
+              <a:ext uri="{FF2B5EF4-FFF2-40B4-BE49-F238E27FC236}">
+                <a16:creationId xmlns:a16="http://schemas.microsoft.com/office/drawing/2014/main" id="{DE313DB5-5053-40A5-A808-1D954C367DF1}"/>
+              </a:ext>
+            </a:extLst>
+          </p:cNvPr>
           <p:cNvSpPr>
             <a:spLocks noGrp="1"/>
           </p:cNvSpPr>
@@ -1089,7 +914,13 @@
       </p:sp>
       <p:sp>
         <p:nvSpPr>
-          <p:cNvPr id="6" name="Slide Number Placeholder 5"/>
+          <p:cNvPr id="6" name="Slide Number Placeholder 5">
+            <a:extLst>
+              <a:ext uri="{FF2B5EF4-FFF2-40B4-BE49-F238E27FC236}">
+                <a16:creationId xmlns:a16="http://schemas.microsoft.com/office/drawing/2014/main" id="{CB41EB87-336C-4564-9073-9C2D07EAF2A8}"/>
+              </a:ext>
+            </a:extLst>
+          </p:cNvPr>
           <p:cNvSpPr>
             <a:spLocks noGrp="1"/>
           </p:cNvSpPr>
@@ -1113,7 +944,7 @@
     </p:spTree>
     <p:extLst>
       <p:ext uri="{BB962C8B-B14F-4D97-AF65-F5344CB8AC3E}">
-        <p14:creationId xmlns:p14="http://schemas.microsoft.com/office/powerpoint/2010/main" val="1154201971"/>
+        <p14:creationId xmlns:p14="http://schemas.microsoft.com/office/powerpoint/2010/main" val="2042359439"/>
       </p:ext>
     </p:extLst>
   </p:cSld>
@@ -1124,7 +955,7 @@
 </file>
 
 <file path=ppt/slideLayouts/slideLayout3.xml><?xml version="1.0" encoding="utf-8"?>
-<p:sldLayout xmlns:a="http://schemas.openxmlformats.org/drawingml/2006/main" xmlns:r="http://schemas.openxmlformats.org/officeDocument/2006/relationships" xmlns:p="http://schemas.openxmlformats.org/presentationml/2006/main" showMasterSp="0" type="secHead" preserve="1">
+<p:sldLayout xmlns:a="http://schemas.openxmlformats.org/drawingml/2006/main" xmlns:r="http://schemas.openxmlformats.org/officeDocument/2006/relationships" xmlns:p="http://schemas.openxmlformats.org/presentationml/2006/main" type="secHead" preserve="1">
   <p:cSld name="Section Header">
     <p:spTree>
       <p:nvGrpSpPr>
@@ -1142,130 +973,79 @@
       </p:grpSpPr>
       <p:sp>
         <p:nvSpPr>
-          <p:cNvPr id="7" name="Rectangle 6"/>
-          <p:cNvSpPr/>
-          <p:nvPr/>
+          <p:cNvPr id="2" name="Title 1">
+            <a:extLst>
+              <a:ext uri="{FF2B5EF4-FFF2-40B4-BE49-F238E27FC236}">
+                <a16:creationId xmlns:a16="http://schemas.microsoft.com/office/drawing/2014/main" id="{6973F753-C9D6-4733-90F8-487D7A0690A9}"/>
+              </a:ext>
+            </a:extLst>
+          </p:cNvPr>
+          <p:cNvSpPr>
+            <a:spLocks noGrp="1"/>
+          </p:cNvSpPr>
+          <p:nvPr>
+            <p:ph type="title"/>
+          </p:nvPr>
         </p:nvSpPr>
         <p:spPr>
           <a:xfrm>
-            <a:off x="0" y="4917989"/>
-            <a:ext cx="12192000" cy="1940010"/>
+            <a:off x="831850" y="1709738"/>
+            <a:ext cx="10515600" cy="2852737"/>
           </a:xfrm>
-          <a:prstGeom prst="rect">
-            <a:avLst/>
-          </a:prstGeom>
-          <a:blipFill dpi="0" rotWithShape="1">
-            <a:blip r:embed="rId2">
-              <a:alphaModFix amt="85000"/>
-              <a:lum bright="70000" contrast="-70000"/>
-              <a:extLst>
-                <a:ext uri="{BEBA8EAE-BF5A-486C-A8C5-ECC9F3942E4B}">
-                  <a14:imgProps xmlns:a14="http://schemas.microsoft.com/office/drawing/2010/main">
-                    <a14:imgLayer r:embed="rId3">
-                      <a14:imgEffect>
-                        <a14:sharpenSoften amount="61000"/>
-                      </a14:imgEffect>
-                    </a14:imgLayer>
-                  </a14:imgProps>
-                </a:ext>
-                <a:ext uri="{28A0092B-C50C-407E-A947-70E740481C1C}">
-                  <a14:useLocalDpi xmlns:a14="http://schemas.microsoft.com/office/drawing/2010/main" val="0"/>
-                </a:ext>
-              </a:extLst>
-            </a:blip>
-            <a:srcRect/>
-            <a:tile tx="0" ty="-704850" sx="92000" sy="89000" flip="xy" algn="ctr"/>
-          </a:blipFill>
-          <a:ln>
-            <a:noFill/>
-          </a:ln>
         </p:spPr>
-        <p:style>
-          <a:lnRef idx="2">
-            <a:schemeClr val="accent1">
-              <a:shade val="50000"/>
-            </a:schemeClr>
-          </a:lnRef>
-          <a:fillRef idx="1">
-            <a:schemeClr val="accent1"/>
-          </a:fillRef>
-          <a:effectRef idx="0">
-            <a:schemeClr val="accent1"/>
-          </a:effectRef>
-          <a:fontRef idx="minor">
-            <a:schemeClr val="lt1"/>
-          </a:fontRef>
-        </p:style>
-      </p:sp>
-      <p:sp>
-        <p:nvSpPr>
-          <p:cNvPr id="2" name="Title 1"/>
-          <p:cNvSpPr>
-            <a:spLocks noGrp="1"/>
-          </p:cNvSpPr>
-          <p:nvPr>
-            <p:ph type="title"/>
+        <p:txBody>
+          <a:bodyPr anchor="b"/>
+          <a:lstStyle>
+            <a:lvl1pPr>
+              <a:defRPr sz="6000"/>
+            </a:lvl1pPr>
+          </a:lstStyle>
+          <a:p>
+            <a:r>
+              <a:rPr lang="en-US"/>
+              <a:t>Click to edit Master title style</a:t>
+            </a:r>
+          </a:p>
+        </p:txBody>
+      </p:sp>
+      <p:sp>
+        <p:nvSpPr>
+          <p:cNvPr id="3" name="Text Placeholder 2">
+            <a:extLst>
+              <a:ext uri="{FF2B5EF4-FFF2-40B4-BE49-F238E27FC236}">
+                <a16:creationId xmlns:a16="http://schemas.microsoft.com/office/drawing/2014/main" id="{7B13693B-FFF2-4A65-AAFC-646E3AFDDC64}"/>
+              </a:ext>
+            </a:extLst>
+          </p:cNvPr>
+          <p:cNvSpPr>
+            <a:spLocks noGrp="1"/>
+          </p:cNvSpPr>
+          <p:nvPr>
+            <p:ph type="body" idx="1"/>
           </p:nvPr>
         </p:nvSpPr>
         <p:spPr>
           <a:xfrm>
-            <a:off x="2167128" y="1225296"/>
-            <a:ext cx="9281160" cy="3520440"/>
+            <a:off x="831850" y="4589463"/>
+            <a:ext cx="10515600" cy="1500187"/>
           </a:xfrm>
         </p:spPr>
         <p:txBody>
-          <a:bodyPr anchor="ctr">
-            <a:normAutofit/>
-          </a:bodyPr>
-          <a:lstStyle>
-            <a:lvl1pPr>
-              <a:lnSpc>
-                <a:spcPct val="80000"/>
-              </a:lnSpc>
-              <a:defRPr sz="8000" b="0"/>
-            </a:lvl1pPr>
-          </a:lstStyle>
-          <a:p>
-            <a:r>
-              <a:rPr lang="en-US"/>
-              <a:t>Click to edit Master title style</a:t>
-            </a:r>
-            <a:endParaRPr lang="en-US" dirty="0"/>
-          </a:p>
-        </p:txBody>
-      </p:sp>
-      <p:sp>
-        <p:nvSpPr>
-          <p:cNvPr id="3" name="Text Placeholder 2"/>
-          <p:cNvSpPr>
-            <a:spLocks noGrp="1"/>
-          </p:cNvSpPr>
-          <p:nvPr>
-            <p:ph type="body" idx="1"/>
-          </p:nvPr>
-        </p:nvSpPr>
-        <p:spPr>
-          <a:xfrm>
-            <a:off x="2165774" y="5020056"/>
-            <a:ext cx="9052560" cy="1066800"/>
-          </a:xfrm>
-        </p:spPr>
-        <p:txBody>
-          <a:bodyPr anchor="t">
-            <a:normAutofit/>
-          </a:bodyPr>
+          <a:bodyPr/>
           <a:lstStyle>
             <a:lvl1pPr marL="0" indent="0">
               <a:buNone/>
-              <a:defRPr sz="2000">
+              <a:defRPr sz="2400">
                 <a:solidFill>
-                  <a:schemeClr val="tx1"/>
+                  <a:schemeClr val="tx1">
+                    <a:tint val="75000"/>
+                  </a:schemeClr>
                 </a:solidFill>
               </a:defRPr>
             </a:lvl1pPr>
             <a:lvl2pPr marL="457200" indent="0">
               <a:buNone/>
-              <a:defRPr sz="1800">
+              <a:defRPr sz="2000">
                 <a:solidFill>
                   <a:schemeClr val="tx1">
                     <a:tint val="75000"/>
@@ -1275,7 +1055,7 @@
             </a:lvl2pPr>
             <a:lvl3pPr marL="914400" indent="0">
               <a:buNone/>
-              <a:defRPr sz="1600">
+              <a:defRPr sz="1800">
                 <a:solidFill>
                   <a:schemeClr val="tx1">
                     <a:tint val="75000"/>
@@ -1285,7 +1065,7 @@
             </a:lvl3pPr>
             <a:lvl4pPr marL="1371600" indent="0">
               <a:buNone/>
-              <a:defRPr sz="1400">
+              <a:defRPr sz="1600">
                 <a:solidFill>
                   <a:schemeClr val="tx1">
                     <a:tint val="75000"/>
@@ -1295,7 +1075,7 @@
             </a:lvl4pPr>
             <a:lvl5pPr marL="1828800" indent="0">
               <a:buNone/>
-              <a:defRPr sz="1400">
+              <a:defRPr sz="1600">
                 <a:solidFill>
                   <a:schemeClr val="tx1">
                     <a:tint val="75000"/>
@@ -1305,7 +1085,7 @@
             </a:lvl5pPr>
             <a:lvl6pPr marL="2286000" indent="0">
               <a:buNone/>
-              <a:defRPr sz="1400">
+              <a:defRPr sz="1600">
                 <a:solidFill>
                   <a:schemeClr val="tx1">
                     <a:tint val="75000"/>
@@ -1315,7 +1095,7 @@
             </a:lvl6pPr>
             <a:lvl7pPr marL="2743200" indent="0">
               <a:buNone/>
-              <a:defRPr sz="1400">
+              <a:defRPr sz="1600">
                 <a:solidFill>
                   <a:schemeClr val="tx1">
                     <a:tint val="75000"/>
@@ -1325,7 +1105,7 @@
             </a:lvl7pPr>
             <a:lvl8pPr marL="3200400" indent="0">
               <a:buNone/>
-              <a:defRPr sz="1400">
+              <a:defRPr sz="1600">
                 <a:solidFill>
                   <a:schemeClr val="tx1">
                     <a:tint val="75000"/>
@@ -1335,7 +1115,7 @@
             </a:lvl8pPr>
             <a:lvl9pPr marL="3657600" indent="0">
               <a:buNone/>
-              <a:defRPr sz="1400">
+              <a:defRPr sz="1600">
                 <a:solidFill>
                   <a:schemeClr val="tx1">
                     <a:tint val="75000"/>
@@ -1355,7 +1135,13 @@
       </p:sp>
       <p:sp>
         <p:nvSpPr>
-          <p:cNvPr id="4" name="Date Placeholder 3"/>
+          <p:cNvPr id="4" name="Date Placeholder 3">
+            <a:extLst>
+              <a:ext uri="{FF2B5EF4-FFF2-40B4-BE49-F238E27FC236}">
+                <a16:creationId xmlns:a16="http://schemas.microsoft.com/office/drawing/2014/main" id="{3CEFE1AF-5774-4294-840D-518DA316DD26}"/>
+              </a:ext>
+            </a:extLst>
+          </p:cNvPr>
           <p:cNvSpPr>
             <a:spLocks noGrp="1"/>
           </p:cNvSpPr>
@@ -1363,19 +1149,14 @@
             <p:ph type="dt" sz="half" idx="10"/>
           </p:nvPr>
         </p:nvSpPr>
-        <p:spPr>
-          <a:xfrm>
-            <a:off x="8593667" y="6272784"/>
-            <a:ext cx="2644309" cy="365125"/>
-          </a:xfrm>
-        </p:spPr>
+        <p:spPr/>
         <p:txBody>
           <a:bodyPr/>
           <a:lstStyle/>
           <a:p>
             <a:fld id="{0E8CBC1A-DE79-4C0D-AFEE-07A9E8677B20}" type="datetimeFigureOut">
               <a:rPr lang="en-US" smtClean="0"/>
-              <a:t>4/3/2023</a:t>
+              <a:t>8/1/2023</a:t>
             </a:fld>
             <a:endParaRPr lang="en-US"/>
           </a:p>
@@ -1383,7 +1164,13 @@
       </p:sp>
       <p:sp>
         <p:nvSpPr>
-          <p:cNvPr id="5" name="Footer Placeholder 4"/>
+          <p:cNvPr id="5" name="Footer Placeholder 4">
+            <a:extLst>
+              <a:ext uri="{FF2B5EF4-FFF2-40B4-BE49-F238E27FC236}">
+                <a16:creationId xmlns:a16="http://schemas.microsoft.com/office/drawing/2014/main" id="{A3019DA2-AC9F-400C-B116-5F957BF6CFE4}"/>
+              </a:ext>
+            </a:extLst>
+          </p:cNvPr>
           <p:cNvSpPr>
             <a:spLocks noGrp="1"/>
           </p:cNvSpPr>
@@ -1391,12 +1178,7 @@
             <p:ph type="ftr" sz="quarter" idx="11"/>
           </p:nvPr>
         </p:nvSpPr>
-        <p:spPr>
-          <a:xfrm>
-            <a:off x="2182708" y="6272784"/>
-            <a:ext cx="6327648" cy="365125"/>
-          </a:xfrm>
-        </p:spPr>
+        <p:spPr/>
         <p:txBody>
           <a:bodyPr/>
           <a:lstStyle/>
@@ -1405,93 +1187,15 @@
           </a:p>
         </p:txBody>
       </p:sp>
-      <p:grpSp>
-        <p:nvGrpSpPr>
-          <p:cNvPr id="8" name="Group 7"/>
-          <p:cNvGrpSpPr/>
-          <p:nvPr/>
-        </p:nvGrpSpPr>
-        <p:grpSpPr>
-          <a:xfrm>
-            <a:off x="897399" y="2325848"/>
-            <a:ext cx="1080904" cy="1080902"/>
-            <a:chOff x="9685338" y="4460675"/>
-            <a:chExt cx="1080904" cy="1080902"/>
-          </a:xfrm>
-        </p:grpSpPr>
-        <p:sp>
-          <p:nvSpPr>
-            <p:cNvPr id="9" name="Oval 8"/>
-            <p:cNvSpPr/>
-            <p:nvPr/>
-          </p:nvSpPr>
-          <p:spPr>
-            <a:xfrm>
-              <a:off x="9685338" y="4460675"/>
-              <a:ext cx="1080904" cy="1080902"/>
-            </a:xfrm>
-            <a:prstGeom prst="ellipse">
-              <a:avLst/>
-            </a:prstGeom>
-            <a:blipFill dpi="0" rotWithShape="1">
-              <a:blip r:embed="rId4">
-                <a:duotone>
-                  <a:schemeClr val="accent1">
-                    <a:shade val="45000"/>
-                    <a:satMod val="135000"/>
-                  </a:schemeClr>
-                  <a:prstClr val="white"/>
-                </a:duotone>
-                <a:extLst>
-                  <a:ext uri="{BEBA8EAE-BF5A-486C-A8C5-ECC9F3942E4B}">
-                    <a14:imgProps xmlns:a14="http://schemas.microsoft.com/office/drawing/2010/main">
-                      <a14:imgLayer r:embed="rId5">
-                        <a14:imgEffect>
-                          <a14:saturation sat="95000"/>
-                        </a14:imgEffect>
-                      </a14:imgLayer>
-                    </a14:imgProps>
-                  </a:ext>
-                </a:extLst>
-              </a:blip>
-              <a:srcRect/>
-              <a:tile tx="0" ty="0" sx="85000" sy="85000" flip="none" algn="tl"/>
-            </a:blipFill>
-            <a:ln w="25400" cap="flat" cmpd="sng" algn="ctr">
-              <a:noFill/>
-              <a:prstDash val="solid"/>
-            </a:ln>
-            <a:effectLst/>
-          </p:spPr>
-        </p:sp>
-        <p:sp>
-          <p:nvSpPr>
-            <p:cNvPr id="10" name="Oval 9"/>
-            <p:cNvSpPr/>
-            <p:nvPr/>
-          </p:nvSpPr>
-          <p:spPr>
-            <a:xfrm>
-              <a:off x="9793429" y="4568765"/>
-              <a:ext cx="864723" cy="864722"/>
-            </a:xfrm>
-            <a:prstGeom prst="ellipse">
-              <a:avLst/>
-            </a:prstGeom>
-            <a:noFill/>
-            <a:ln w="25400" cap="flat" cmpd="sng" algn="ctr">
-              <a:solidFill>
-                <a:sysClr val="window" lastClr="FFFFFF"/>
-              </a:solidFill>
-              <a:prstDash val="solid"/>
-            </a:ln>
-            <a:effectLst/>
-          </p:spPr>
-        </p:sp>
-      </p:grpSp>
-      <p:sp>
-        <p:nvSpPr>
-          <p:cNvPr id="6" name="Slide Number Placeholder 5"/>
+      <p:sp>
+        <p:nvSpPr>
+          <p:cNvPr id="6" name="Slide Number Placeholder 5">
+            <a:extLst>
+              <a:ext uri="{FF2B5EF4-FFF2-40B4-BE49-F238E27FC236}">
+                <a16:creationId xmlns:a16="http://schemas.microsoft.com/office/drawing/2014/main" id="{BC90537F-7A1E-407C-87A4-ACD0DAF9ACFC}"/>
+              </a:ext>
+            </a:extLst>
+          </p:cNvPr>
           <p:cNvSpPr>
             <a:spLocks noGrp="1"/>
           </p:cNvSpPr>
@@ -1499,19 +1203,10 @@
             <p:ph type="sldNum" sz="quarter" idx="12"/>
           </p:nvPr>
         </p:nvSpPr>
-        <p:spPr>
-          <a:xfrm>
-            <a:off x="843702" y="2506133"/>
-            <a:ext cx="1188298" cy="720332"/>
-          </a:xfrm>
-        </p:spPr>
-        <p:txBody>
-          <a:bodyPr/>
-          <a:lstStyle>
-            <a:lvl1pPr>
-              <a:defRPr sz="2800"/>
-            </a:lvl1pPr>
-          </a:lstStyle>
+        <p:spPr/>
+        <p:txBody>
+          <a:bodyPr/>
+          <a:lstStyle/>
           <a:p>
             <a:fld id="{0E0C9589-D6C4-4706-A468-E2FBCE196867}" type="slidenum">
               <a:rPr lang="en-US" smtClean="0"/>
@@ -1524,7 +1219,7 @@
     </p:spTree>
     <p:extLst>
       <p:ext uri="{BB962C8B-B14F-4D97-AF65-F5344CB8AC3E}">
-        <p14:creationId xmlns:p14="http://schemas.microsoft.com/office/powerpoint/2010/main" val="62751506"/>
+        <p14:creationId xmlns:p14="http://schemas.microsoft.com/office/powerpoint/2010/main" val="3812272179"/>
       </p:ext>
     </p:extLst>
   </p:cSld>
@@ -1553,7 +1248,13 @@
       </p:grpSpPr>
       <p:sp>
         <p:nvSpPr>
-          <p:cNvPr id="2" name="Title 1"/>
+          <p:cNvPr id="2" name="Title 1">
+            <a:extLst>
+              <a:ext uri="{FF2B5EF4-FFF2-40B4-BE49-F238E27FC236}">
+                <a16:creationId xmlns:a16="http://schemas.microsoft.com/office/drawing/2014/main" id="{54FE2195-2899-43F4-BB10-703782985493}"/>
+              </a:ext>
+            </a:extLst>
+          </p:cNvPr>
           <p:cNvSpPr>
             <a:spLocks noGrp="1"/>
           </p:cNvSpPr>
@@ -1570,13 +1271,18 @@
               <a:rPr lang="en-US"/>
               <a:t>Click to edit Master title style</a:t>
             </a:r>
-            <a:endParaRPr lang="en-US" dirty="0"/>
-          </a:p>
-        </p:txBody>
-      </p:sp>
-      <p:sp>
-        <p:nvSpPr>
-          <p:cNvPr id="3" name="Content Placeholder 2"/>
+          </a:p>
+        </p:txBody>
+      </p:sp>
+      <p:sp>
+        <p:nvSpPr>
+          <p:cNvPr id="3" name="Content Placeholder 2">
+            <a:extLst>
+              <a:ext uri="{FF2B5EF4-FFF2-40B4-BE49-F238E27FC236}">
+                <a16:creationId xmlns:a16="http://schemas.microsoft.com/office/drawing/2014/main" id="{9E255A27-9D0D-410D-B252-E2A4886C9FEA}"/>
+              </a:ext>
+            </a:extLst>
+          </p:cNvPr>
           <p:cNvSpPr>
             <a:spLocks noGrp="1"/>
           </p:cNvSpPr>
@@ -1586,41 +1292,13 @@
         </p:nvSpPr>
         <p:spPr>
           <a:xfrm>
-            <a:off x="1069848" y="2194560"/>
-            <a:ext cx="4754880" cy="3977640"/>
+            <a:off x="838200" y="1825625"/>
+            <a:ext cx="5181600" cy="4351338"/>
           </a:xfrm>
         </p:spPr>
         <p:txBody>
           <a:bodyPr/>
-          <a:lstStyle>
-            <a:lvl1pPr>
-              <a:defRPr sz="2000"/>
-            </a:lvl1pPr>
-            <a:lvl2pPr>
-              <a:defRPr sz="1800"/>
-            </a:lvl2pPr>
-            <a:lvl3pPr>
-              <a:defRPr sz="1600"/>
-            </a:lvl3pPr>
-            <a:lvl4pPr>
-              <a:defRPr sz="1600"/>
-            </a:lvl4pPr>
-            <a:lvl5pPr>
-              <a:defRPr sz="1600"/>
-            </a:lvl5pPr>
-            <a:lvl6pPr>
-              <a:defRPr sz="1600"/>
-            </a:lvl6pPr>
-            <a:lvl7pPr>
-              <a:defRPr sz="1600"/>
-            </a:lvl7pPr>
-            <a:lvl8pPr>
-              <a:defRPr sz="1600"/>
-            </a:lvl8pPr>
-            <a:lvl9pPr>
-              <a:defRPr sz="1600"/>
-            </a:lvl9pPr>
-          </a:lstStyle>
+          <a:lstStyle/>
           <a:p>
             <a:pPr lvl="0"/>
             <a:r>
@@ -1655,13 +1333,18 @@
               <a:rPr lang="en-US"/>
               <a:t>Fifth level</a:t>
             </a:r>
-            <a:endParaRPr lang="en-US" dirty="0"/>
-          </a:p>
-        </p:txBody>
-      </p:sp>
-      <p:sp>
-        <p:nvSpPr>
-          <p:cNvPr id="4" name="Content Placeholder 3"/>
+          </a:p>
+        </p:txBody>
+      </p:sp>
+      <p:sp>
+        <p:nvSpPr>
+          <p:cNvPr id="4" name="Content Placeholder 3">
+            <a:extLst>
+              <a:ext uri="{FF2B5EF4-FFF2-40B4-BE49-F238E27FC236}">
+                <a16:creationId xmlns:a16="http://schemas.microsoft.com/office/drawing/2014/main" id="{9146A029-62C7-4BF7-9173-0F7DF96E4F64}"/>
+              </a:ext>
+            </a:extLst>
+          </p:cNvPr>
           <p:cNvSpPr>
             <a:spLocks noGrp="1"/>
           </p:cNvSpPr>
@@ -1671,41 +1354,13 @@
         </p:nvSpPr>
         <p:spPr>
           <a:xfrm>
-            <a:off x="6364224" y="2194560"/>
-            <a:ext cx="4754880" cy="3977640"/>
+            <a:off x="6172200" y="1825625"/>
+            <a:ext cx="5181600" cy="4351338"/>
           </a:xfrm>
         </p:spPr>
         <p:txBody>
           <a:bodyPr/>
-          <a:lstStyle>
-            <a:lvl1pPr>
-              <a:defRPr sz="2000"/>
-            </a:lvl1pPr>
-            <a:lvl2pPr>
-              <a:defRPr sz="1800"/>
-            </a:lvl2pPr>
-            <a:lvl3pPr>
-              <a:defRPr sz="1600"/>
-            </a:lvl3pPr>
-            <a:lvl4pPr>
-              <a:defRPr sz="1600"/>
-            </a:lvl4pPr>
-            <a:lvl5pPr>
-              <a:defRPr sz="1600"/>
-            </a:lvl5pPr>
-            <a:lvl6pPr>
-              <a:defRPr sz="1600"/>
-            </a:lvl6pPr>
-            <a:lvl7pPr>
-              <a:defRPr sz="1600"/>
-            </a:lvl7pPr>
-            <a:lvl8pPr>
-              <a:defRPr sz="1600"/>
-            </a:lvl8pPr>
-            <a:lvl9pPr>
-              <a:defRPr sz="1600"/>
-            </a:lvl9pPr>
-          </a:lstStyle>
+          <a:lstStyle/>
           <a:p>
             <a:pPr lvl="0"/>
             <a:r>
@@ -1740,13 +1395,18 @@
               <a:rPr lang="en-US"/>
               <a:t>Fifth level</a:t>
             </a:r>
-            <a:endParaRPr lang="en-US" dirty="0"/>
-          </a:p>
-        </p:txBody>
-      </p:sp>
-      <p:sp>
-        <p:nvSpPr>
-          <p:cNvPr id="5" name="Date Placeholder 4"/>
+          </a:p>
+        </p:txBody>
+      </p:sp>
+      <p:sp>
+        <p:nvSpPr>
+          <p:cNvPr id="5" name="Date Placeholder 4">
+            <a:extLst>
+              <a:ext uri="{FF2B5EF4-FFF2-40B4-BE49-F238E27FC236}">
+                <a16:creationId xmlns:a16="http://schemas.microsoft.com/office/drawing/2014/main" id="{0B6654AC-714C-439C-AC7D-EEF48E52DE97}"/>
+              </a:ext>
+            </a:extLst>
+          </p:cNvPr>
           <p:cNvSpPr>
             <a:spLocks noGrp="1"/>
           </p:cNvSpPr>
@@ -1761,7 +1421,7 @@
           <a:p>
             <a:fld id="{0E8CBC1A-DE79-4C0D-AFEE-07A9E8677B20}" type="datetimeFigureOut">
               <a:rPr lang="en-US" smtClean="0"/>
-              <a:t>4/3/2023</a:t>
+              <a:t>8/1/2023</a:t>
             </a:fld>
             <a:endParaRPr lang="en-US"/>
           </a:p>
@@ -1769,7 +1429,13 @@
       </p:sp>
       <p:sp>
         <p:nvSpPr>
-          <p:cNvPr id="6" name="Footer Placeholder 5"/>
+          <p:cNvPr id="6" name="Footer Placeholder 5">
+            <a:extLst>
+              <a:ext uri="{FF2B5EF4-FFF2-40B4-BE49-F238E27FC236}">
+                <a16:creationId xmlns:a16="http://schemas.microsoft.com/office/drawing/2014/main" id="{46216A1D-C910-4402-A5E5-72C336105342}"/>
+              </a:ext>
+            </a:extLst>
+          </p:cNvPr>
           <p:cNvSpPr>
             <a:spLocks noGrp="1"/>
           </p:cNvSpPr>
@@ -1788,7 +1454,13 @@
       </p:sp>
       <p:sp>
         <p:nvSpPr>
-          <p:cNvPr id="7" name="Slide Number Placeholder 6"/>
+          <p:cNvPr id="7" name="Slide Number Placeholder 6">
+            <a:extLst>
+              <a:ext uri="{FF2B5EF4-FFF2-40B4-BE49-F238E27FC236}">
+                <a16:creationId xmlns:a16="http://schemas.microsoft.com/office/drawing/2014/main" id="{CD43E9FF-D3C3-4CB6-9F83-7E1957E8817E}"/>
+              </a:ext>
+            </a:extLst>
+          </p:cNvPr>
           <p:cNvSpPr>
             <a:spLocks noGrp="1"/>
           </p:cNvSpPr>
@@ -1812,7 +1484,7 @@
     </p:spTree>
     <p:extLst>
       <p:ext uri="{BB962C8B-B14F-4D97-AF65-F5344CB8AC3E}">
-        <p14:creationId xmlns:p14="http://schemas.microsoft.com/office/powerpoint/2010/main" val="2644227644"/>
+        <p14:creationId xmlns:p14="http://schemas.microsoft.com/office/powerpoint/2010/main" val="3894475008"/>
       </p:ext>
     </p:extLst>
   </p:cSld>
@@ -1841,57 +1513,65 @@
       </p:grpSpPr>
       <p:sp>
         <p:nvSpPr>
-          <p:cNvPr id="10" name="Title 9"/>
+          <p:cNvPr id="2" name="Title 1">
+            <a:extLst>
+              <a:ext uri="{FF2B5EF4-FFF2-40B4-BE49-F238E27FC236}">
+                <a16:creationId xmlns:a16="http://schemas.microsoft.com/office/drawing/2014/main" id="{6876A1C0-8167-4725-BD46-42DF60A829E4}"/>
+              </a:ext>
+            </a:extLst>
+          </p:cNvPr>
           <p:cNvSpPr>
             <a:spLocks noGrp="1"/>
           </p:cNvSpPr>
           <p:nvPr>
             <p:ph type="title"/>
-          </p:nvPr>
-        </p:nvSpPr>
-        <p:spPr/>
-        <p:txBody>
-          <a:bodyPr/>
-          <a:lstStyle/>
-          <a:p>
-            <a:r>
-              <a:rPr lang="en-US"/>
-              <a:t>Click to edit Master title style</a:t>
-            </a:r>
-            <a:endParaRPr lang="en-US" dirty="0"/>
-          </a:p>
-        </p:txBody>
-      </p:sp>
-      <p:sp>
-        <p:nvSpPr>
-          <p:cNvPr id="3" name="Text Placeholder 2"/>
-          <p:cNvSpPr>
-            <a:spLocks noGrp="1"/>
-          </p:cNvSpPr>
-          <p:nvPr>
-            <p:ph type="body" idx="1"/>
           </p:nvPr>
         </p:nvSpPr>
         <p:spPr>
           <a:xfrm>
-            <a:off x="1066800" y="2048256"/>
-            <a:ext cx="4754880" cy="640080"/>
+            <a:off x="839788" y="365125"/>
+            <a:ext cx="10515600" cy="1325563"/>
           </a:xfrm>
         </p:spPr>
         <p:txBody>
-          <a:bodyPr anchor="ctr">
-            <a:normAutofit/>
-          </a:bodyPr>
+          <a:bodyPr/>
+          <a:lstStyle/>
+          <a:p>
+            <a:r>
+              <a:rPr lang="en-US"/>
+              <a:t>Click to edit Master title style</a:t>
+            </a:r>
+          </a:p>
+        </p:txBody>
+      </p:sp>
+      <p:sp>
+        <p:nvSpPr>
+          <p:cNvPr id="3" name="Text Placeholder 2">
+            <a:extLst>
+              <a:ext uri="{FF2B5EF4-FFF2-40B4-BE49-F238E27FC236}">
+                <a16:creationId xmlns:a16="http://schemas.microsoft.com/office/drawing/2014/main" id="{73C2838B-4BDC-4C2B-BFEE-288E6B656798}"/>
+              </a:ext>
+            </a:extLst>
+          </p:cNvPr>
+          <p:cNvSpPr>
+            <a:spLocks noGrp="1"/>
+          </p:cNvSpPr>
+          <p:nvPr>
+            <p:ph type="body" idx="1"/>
+          </p:nvPr>
+        </p:nvSpPr>
+        <p:spPr>
+          <a:xfrm>
+            <a:off x="839788" y="1681163"/>
+            <a:ext cx="5157787" cy="823912"/>
+          </a:xfrm>
+        </p:spPr>
+        <p:txBody>
+          <a:bodyPr anchor="b"/>
           <a:lstStyle>
             <a:lvl1pPr marL="0" indent="0">
               <a:buNone/>
-              <a:defRPr sz="2000" b="1">
-                <a:solidFill>
-                  <a:schemeClr val="accent1">
-                    <a:lumMod val="75000"/>
-                  </a:schemeClr>
-                </a:solidFill>
-              </a:defRPr>
+              <a:defRPr sz="2400" b="1"/>
             </a:lvl1pPr>
             <a:lvl2pPr marL="457200" indent="0">
               <a:buNone/>
@@ -1937,7 +1617,13 @@
       </p:sp>
       <p:sp>
         <p:nvSpPr>
-          <p:cNvPr id="4" name="Content Placeholder 3"/>
+          <p:cNvPr id="4" name="Content Placeholder 3">
+            <a:extLst>
+              <a:ext uri="{FF2B5EF4-FFF2-40B4-BE49-F238E27FC236}">
+                <a16:creationId xmlns:a16="http://schemas.microsoft.com/office/drawing/2014/main" id="{63EBC15C-FC2D-49F3-9AAB-6114B62A3013}"/>
+              </a:ext>
+            </a:extLst>
+          </p:cNvPr>
           <p:cNvSpPr>
             <a:spLocks noGrp="1"/>
           </p:cNvSpPr>
@@ -1947,41 +1633,13 @@
         </p:nvSpPr>
         <p:spPr>
           <a:xfrm>
-            <a:off x="1069848" y="2743200"/>
-            <a:ext cx="4754880" cy="3291840"/>
+            <a:off x="839788" y="2505075"/>
+            <a:ext cx="5157787" cy="3684588"/>
           </a:xfrm>
         </p:spPr>
         <p:txBody>
           <a:bodyPr/>
-          <a:lstStyle>
-            <a:lvl1pPr>
-              <a:defRPr sz="2000"/>
-            </a:lvl1pPr>
-            <a:lvl2pPr>
-              <a:defRPr sz="1800"/>
-            </a:lvl2pPr>
-            <a:lvl3pPr>
-              <a:defRPr sz="1600"/>
-            </a:lvl3pPr>
-            <a:lvl4pPr>
-              <a:defRPr sz="1600"/>
-            </a:lvl4pPr>
-            <a:lvl5pPr>
-              <a:defRPr sz="1600"/>
-            </a:lvl5pPr>
-            <a:lvl6pPr>
-              <a:defRPr sz="1600"/>
-            </a:lvl6pPr>
-            <a:lvl7pPr>
-              <a:defRPr sz="1600"/>
-            </a:lvl7pPr>
-            <a:lvl8pPr>
-              <a:defRPr sz="1600"/>
-            </a:lvl8pPr>
-            <a:lvl9pPr>
-              <a:defRPr sz="1600"/>
-            </a:lvl9pPr>
-          </a:lstStyle>
+          <a:lstStyle/>
           <a:p>
             <a:pPr lvl="0"/>
             <a:r>
@@ -2016,13 +1674,18 @@
               <a:rPr lang="en-US"/>
               <a:t>Fifth level</a:t>
             </a:r>
-            <a:endParaRPr lang="en-US" dirty="0"/>
-          </a:p>
-        </p:txBody>
-      </p:sp>
-      <p:sp>
-        <p:nvSpPr>
-          <p:cNvPr id="5" name="Text Placeholder 4"/>
+          </a:p>
+        </p:txBody>
+      </p:sp>
+      <p:sp>
+        <p:nvSpPr>
+          <p:cNvPr id="5" name="Text Placeholder 4">
+            <a:extLst>
+              <a:ext uri="{FF2B5EF4-FFF2-40B4-BE49-F238E27FC236}">
+                <a16:creationId xmlns:a16="http://schemas.microsoft.com/office/drawing/2014/main" id="{CB951962-3AD2-49C4-9706-41FB58F716C0}"/>
+              </a:ext>
+            </a:extLst>
+          </p:cNvPr>
           <p:cNvSpPr>
             <a:spLocks noGrp="1"/>
           </p:cNvSpPr>
@@ -2032,24 +1695,16 @@
         </p:nvSpPr>
         <p:spPr>
           <a:xfrm>
-            <a:off x="6364224" y="2048256"/>
-            <a:ext cx="4754880" cy="640080"/>
+            <a:off x="6172200" y="1681163"/>
+            <a:ext cx="5183188" cy="823912"/>
           </a:xfrm>
         </p:spPr>
         <p:txBody>
-          <a:bodyPr anchor="ctr">
-            <a:normAutofit/>
-          </a:bodyPr>
+          <a:bodyPr anchor="b"/>
           <a:lstStyle>
             <a:lvl1pPr marL="0" indent="0">
               <a:buNone/>
-              <a:defRPr sz="2000" b="1">
-                <a:solidFill>
-                  <a:schemeClr val="accent1">
-                    <a:lumMod val="75000"/>
-                  </a:schemeClr>
-                </a:solidFill>
-              </a:defRPr>
+              <a:defRPr sz="2400" b="1"/>
             </a:lvl1pPr>
             <a:lvl2pPr marL="457200" indent="0">
               <a:buNone/>
@@ -2095,7 +1750,13 @@
       </p:sp>
       <p:sp>
         <p:nvSpPr>
-          <p:cNvPr id="6" name="Content Placeholder 5"/>
+          <p:cNvPr id="6" name="Content Placeholder 5">
+            <a:extLst>
+              <a:ext uri="{FF2B5EF4-FFF2-40B4-BE49-F238E27FC236}">
+                <a16:creationId xmlns:a16="http://schemas.microsoft.com/office/drawing/2014/main" id="{374FCF3C-F3A9-4BE0-B4B9-E2F92D04B479}"/>
+              </a:ext>
+            </a:extLst>
+          </p:cNvPr>
           <p:cNvSpPr>
             <a:spLocks noGrp="1"/>
           </p:cNvSpPr>
@@ -2105,41 +1766,13 @@
         </p:nvSpPr>
         <p:spPr>
           <a:xfrm>
-            <a:off x="6364224" y="2743200"/>
-            <a:ext cx="4754880" cy="3291840"/>
+            <a:off x="6172200" y="2505075"/>
+            <a:ext cx="5183188" cy="3684588"/>
           </a:xfrm>
         </p:spPr>
         <p:txBody>
           <a:bodyPr/>
-          <a:lstStyle>
-            <a:lvl1pPr>
-              <a:defRPr sz="2000"/>
-            </a:lvl1pPr>
-            <a:lvl2pPr>
-              <a:defRPr sz="1800"/>
-            </a:lvl2pPr>
-            <a:lvl3pPr>
-              <a:defRPr sz="1600"/>
-            </a:lvl3pPr>
-            <a:lvl4pPr>
-              <a:defRPr sz="1600"/>
-            </a:lvl4pPr>
-            <a:lvl5pPr>
-              <a:defRPr sz="1600"/>
-            </a:lvl5pPr>
-            <a:lvl6pPr>
-              <a:defRPr sz="1600"/>
-            </a:lvl6pPr>
-            <a:lvl7pPr>
-              <a:defRPr sz="1600"/>
-            </a:lvl7pPr>
-            <a:lvl8pPr>
-              <a:defRPr sz="1600"/>
-            </a:lvl8pPr>
-            <a:lvl9pPr>
-              <a:defRPr sz="1600"/>
-            </a:lvl9pPr>
-          </a:lstStyle>
+          <a:lstStyle/>
           <a:p>
             <a:pPr lvl="0"/>
             <a:r>
@@ -2174,13 +1807,18 @@
               <a:rPr lang="en-US"/>
               <a:t>Fifth level</a:t>
             </a:r>
-            <a:endParaRPr lang="en-US" dirty="0"/>
-          </a:p>
-        </p:txBody>
-      </p:sp>
-      <p:sp>
-        <p:nvSpPr>
-          <p:cNvPr id="7" name="Date Placeholder 6"/>
+          </a:p>
+        </p:txBody>
+      </p:sp>
+      <p:sp>
+        <p:nvSpPr>
+          <p:cNvPr id="7" name="Date Placeholder 6">
+            <a:extLst>
+              <a:ext uri="{FF2B5EF4-FFF2-40B4-BE49-F238E27FC236}">
+                <a16:creationId xmlns:a16="http://schemas.microsoft.com/office/drawing/2014/main" id="{0609FBDB-4C4B-406C-81A1-8EFBF272B9F5}"/>
+              </a:ext>
+            </a:extLst>
+          </p:cNvPr>
           <p:cNvSpPr>
             <a:spLocks noGrp="1"/>
           </p:cNvSpPr>
@@ -2195,7 +1833,7 @@
           <a:p>
             <a:fld id="{0E8CBC1A-DE79-4C0D-AFEE-07A9E8677B20}" type="datetimeFigureOut">
               <a:rPr lang="en-US" smtClean="0"/>
-              <a:t>4/3/2023</a:t>
+              <a:t>8/1/2023</a:t>
             </a:fld>
             <a:endParaRPr lang="en-US"/>
           </a:p>
@@ -2203,7 +1841,13 @@
       </p:sp>
       <p:sp>
         <p:nvSpPr>
-          <p:cNvPr id="8" name="Footer Placeholder 7"/>
+          <p:cNvPr id="8" name="Footer Placeholder 7">
+            <a:extLst>
+              <a:ext uri="{FF2B5EF4-FFF2-40B4-BE49-F238E27FC236}">
+                <a16:creationId xmlns:a16="http://schemas.microsoft.com/office/drawing/2014/main" id="{9C40A035-AB07-4520-9B2C-38CA4AFF66CB}"/>
+              </a:ext>
+            </a:extLst>
+          </p:cNvPr>
           <p:cNvSpPr>
             <a:spLocks noGrp="1"/>
           </p:cNvSpPr>
@@ -2222,7 +1866,13 @@
       </p:sp>
       <p:sp>
         <p:nvSpPr>
-          <p:cNvPr id="9" name="Slide Number Placeholder 8"/>
+          <p:cNvPr id="9" name="Slide Number Placeholder 8">
+            <a:extLst>
+              <a:ext uri="{FF2B5EF4-FFF2-40B4-BE49-F238E27FC236}">
+                <a16:creationId xmlns:a16="http://schemas.microsoft.com/office/drawing/2014/main" id="{EA409DF0-42E5-48EE-85B5-AF088A9663C1}"/>
+              </a:ext>
+            </a:extLst>
+          </p:cNvPr>
           <p:cNvSpPr>
             <a:spLocks noGrp="1"/>
           </p:cNvSpPr>
@@ -2246,7 +1896,7 @@
     </p:spTree>
     <p:extLst>
       <p:ext uri="{BB962C8B-B14F-4D97-AF65-F5344CB8AC3E}">
-        <p14:creationId xmlns:p14="http://schemas.microsoft.com/office/powerpoint/2010/main" val="4145944628"/>
+        <p14:creationId xmlns:p14="http://schemas.microsoft.com/office/powerpoint/2010/main" val="4279431420"/>
       </p:ext>
     </p:extLst>
   </p:cSld>
@@ -2275,7 +1925,13 @@
       </p:grpSpPr>
       <p:sp>
         <p:nvSpPr>
-          <p:cNvPr id="6" name="Title 5"/>
+          <p:cNvPr id="2" name="Title 1">
+            <a:extLst>
+              <a:ext uri="{FF2B5EF4-FFF2-40B4-BE49-F238E27FC236}">
+                <a16:creationId xmlns:a16="http://schemas.microsoft.com/office/drawing/2014/main" id="{2E98F2EB-D295-4B1B-9238-008F9615A131}"/>
+              </a:ext>
+            </a:extLst>
+          </p:cNvPr>
           <p:cNvSpPr>
             <a:spLocks noGrp="1"/>
           </p:cNvSpPr>
@@ -2292,13 +1948,18 @@
               <a:rPr lang="en-US"/>
               <a:t>Click to edit Master title style</a:t>
             </a:r>
-            <a:endParaRPr lang="en-US" dirty="0"/>
-          </a:p>
-        </p:txBody>
-      </p:sp>
-      <p:sp>
-        <p:nvSpPr>
-          <p:cNvPr id="3" name="Date Placeholder 2"/>
+          </a:p>
+        </p:txBody>
+      </p:sp>
+      <p:sp>
+        <p:nvSpPr>
+          <p:cNvPr id="3" name="Date Placeholder 2">
+            <a:extLst>
+              <a:ext uri="{FF2B5EF4-FFF2-40B4-BE49-F238E27FC236}">
+                <a16:creationId xmlns:a16="http://schemas.microsoft.com/office/drawing/2014/main" id="{CB5A5773-0A07-495D-B19D-8519FF4097B8}"/>
+              </a:ext>
+            </a:extLst>
+          </p:cNvPr>
           <p:cNvSpPr>
             <a:spLocks noGrp="1"/>
           </p:cNvSpPr>
@@ -2313,7 +1974,7 @@
           <a:p>
             <a:fld id="{0E8CBC1A-DE79-4C0D-AFEE-07A9E8677B20}" type="datetimeFigureOut">
               <a:rPr lang="en-US" smtClean="0"/>
-              <a:t>4/3/2023</a:t>
+              <a:t>8/1/2023</a:t>
             </a:fld>
             <a:endParaRPr lang="en-US"/>
           </a:p>
@@ -2321,7 +1982,13 @@
       </p:sp>
       <p:sp>
         <p:nvSpPr>
-          <p:cNvPr id="4" name="Footer Placeholder 3"/>
+          <p:cNvPr id="4" name="Footer Placeholder 3">
+            <a:extLst>
+              <a:ext uri="{FF2B5EF4-FFF2-40B4-BE49-F238E27FC236}">
+                <a16:creationId xmlns:a16="http://schemas.microsoft.com/office/drawing/2014/main" id="{18B802DE-BEE6-473B-8818-6A4CB21754BD}"/>
+              </a:ext>
+            </a:extLst>
+          </p:cNvPr>
           <p:cNvSpPr>
             <a:spLocks noGrp="1"/>
           </p:cNvSpPr>
@@ -2340,7 +2007,13 @@
       </p:sp>
       <p:sp>
         <p:nvSpPr>
-          <p:cNvPr id="5" name="Slide Number Placeholder 4"/>
+          <p:cNvPr id="5" name="Slide Number Placeholder 4">
+            <a:extLst>
+              <a:ext uri="{FF2B5EF4-FFF2-40B4-BE49-F238E27FC236}">
+                <a16:creationId xmlns:a16="http://schemas.microsoft.com/office/drawing/2014/main" id="{FDEA8556-CF45-4118-B237-051045A54B15}"/>
+              </a:ext>
+            </a:extLst>
+          </p:cNvPr>
           <p:cNvSpPr>
             <a:spLocks noGrp="1"/>
           </p:cNvSpPr>
@@ -2364,7 +2037,7 @@
     </p:spTree>
     <p:extLst>
       <p:ext uri="{BB962C8B-B14F-4D97-AF65-F5344CB8AC3E}">
-        <p14:creationId xmlns:p14="http://schemas.microsoft.com/office/powerpoint/2010/main" val="1042700228"/>
+        <p14:creationId xmlns:p14="http://schemas.microsoft.com/office/powerpoint/2010/main" val="1129377180"/>
       </p:ext>
     </p:extLst>
   </p:cSld>
@@ -2393,7 +2066,13 @@
       </p:grpSpPr>
       <p:sp>
         <p:nvSpPr>
-          <p:cNvPr id="2" name="Date Placeholder 1"/>
+          <p:cNvPr id="2" name="Date Placeholder 1">
+            <a:extLst>
+              <a:ext uri="{FF2B5EF4-FFF2-40B4-BE49-F238E27FC236}">
+                <a16:creationId xmlns:a16="http://schemas.microsoft.com/office/drawing/2014/main" id="{F53BA690-884C-4696-A048-9D1AF5A8879E}"/>
+              </a:ext>
+            </a:extLst>
+          </p:cNvPr>
           <p:cNvSpPr>
             <a:spLocks noGrp="1"/>
           </p:cNvSpPr>
@@ -2408,7 +2087,7 @@
           <a:p>
             <a:fld id="{0E8CBC1A-DE79-4C0D-AFEE-07A9E8677B20}" type="datetimeFigureOut">
               <a:rPr lang="en-US" smtClean="0"/>
-              <a:t>4/3/2023</a:t>
+              <a:t>8/1/2023</a:t>
             </a:fld>
             <a:endParaRPr lang="en-US"/>
           </a:p>
@@ -2416,7 +2095,13 @@
       </p:sp>
       <p:sp>
         <p:nvSpPr>
-          <p:cNvPr id="3" name="Footer Placeholder 2"/>
+          <p:cNvPr id="3" name="Footer Placeholder 2">
+            <a:extLst>
+              <a:ext uri="{FF2B5EF4-FFF2-40B4-BE49-F238E27FC236}">
+                <a16:creationId xmlns:a16="http://schemas.microsoft.com/office/drawing/2014/main" id="{AAADBC44-10EE-4E4B-897B-897BB0557D40}"/>
+              </a:ext>
+            </a:extLst>
+          </p:cNvPr>
           <p:cNvSpPr>
             <a:spLocks noGrp="1"/>
           </p:cNvSpPr>
@@ -2435,7 +2120,13 @@
       </p:sp>
       <p:sp>
         <p:nvSpPr>
-          <p:cNvPr id="4" name="Slide Number Placeholder 3"/>
+          <p:cNvPr id="4" name="Slide Number Placeholder 3">
+            <a:extLst>
+              <a:ext uri="{FF2B5EF4-FFF2-40B4-BE49-F238E27FC236}">
+                <a16:creationId xmlns:a16="http://schemas.microsoft.com/office/drawing/2014/main" id="{0245D7E7-ABF3-4D1D-AE5E-51138EA94131}"/>
+              </a:ext>
+            </a:extLst>
+          </p:cNvPr>
           <p:cNvSpPr>
             <a:spLocks noGrp="1"/>
           </p:cNvSpPr>
@@ -2459,7 +2150,7 @@
     </p:spTree>
     <p:extLst>
       <p:ext uri="{BB962C8B-B14F-4D97-AF65-F5344CB8AC3E}">
-        <p14:creationId xmlns:p14="http://schemas.microsoft.com/office/powerpoint/2010/main" val="4068440248"/>
+        <p14:creationId xmlns:p14="http://schemas.microsoft.com/office/powerpoint/2010/main" val="3273245263"/>
       </p:ext>
     </p:extLst>
   </p:cSld>
@@ -2470,7 +2161,7 @@
 </file>
 
 <file path=ppt/slideLayouts/slideLayout8.xml><?xml version="1.0" encoding="utf-8"?>
-<p:sldLayout xmlns:a="http://schemas.openxmlformats.org/drawingml/2006/main" xmlns:r="http://schemas.openxmlformats.org/officeDocument/2006/relationships" xmlns:p="http://schemas.openxmlformats.org/presentationml/2006/main" showMasterSp="0" type="objTx" preserve="1">
+<p:sldLayout xmlns:a="http://schemas.openxmlformats.org/drawingml/2006/main" xmlns:r="http://schemas.openxmlformats.org/officeDocument/2006/relationships" xmlns:p="http://schemas.openxmlformats.org/presentationml/2006/main" type="objTx" preserve="1">
   <p:cSld name="Content with Caption">
     <p:spTree>
       <p:nvGrpSpPr>
@@ -2488,140 +2179,191 @@
       </p:grpSpPr>
       <p:sp>
         <p:nvSpPr>
-          <p:cNvPr id="8" name="Rectangle 7"/>
-          <p:cNvSpPr/>
-          <p:nvPr/>
+          <p:cNvPr id="2" name="Title 1">
+            <a:extLst>
+              <a:ext uri="{FF2B5EF4-FFF2-40B4-BE49-F238E27FC236}">
+                <a16:creationId xmlns:a16="http://schemas.microsoft.com/office/drawing/2014/main" id="{00DD4414-E426-4B76-BFE4-1D18BB7E7115}"/>
+              </a:ext>
+            </a:extLst>
+          </p:cNvPr>
+          <p:cNvSpPr>
+            <a:spLocks noGrp="1"/>
+          </p:cNvSpPr>
+          <p:nvPr>
+            <p:ph type="title"/>
+          </p:nvPr>
         </p:nvSpPr>
         <p:spPr>
           <a:xfrm>
-            <a:off x="8303740" y="0"/>
-            <a:ext cx="3888259" cy="6857999"/>
+            <a:off x="839788" y="457200"/>
+            <a:ext cx="3932237" cy="1600200"/>
           </a:xfrm>
-          <a:prstGeom prst="rect">
-            <a:avLst/>
-          </a:prstGeom>
-          <a:blipFill dpi="0" rotWithShape="1">
-            <a:blip r:embed="rId2">
-              <a:alphaModFix amt="60000"/>
-              <a:lum bright="70000" contrast="-70000"/>
-              <a:extLst>
-                <a:ext uri="{BEBA8EAE-BF5A-486C-A8C5-ECC9F3942E4B}">
-                  <a14:imgProps xmlns:a14="http://schemas.microsoft.com/office/drawing/2010/main">
-                    <a14:imgLayer r:embed="rId3">
-                      <a14:imgEffect>
-                        <a14:sharpenSoften amount="61000"/>
-                      </a14:imgEffect>
-                    </a14:imgLayer>
-                  </a14:imgProps>
-                </a:ext>
-                <a:ext uri="{28A0092B-C50C-407E-A947-70E740481C1C}">
-                  <a14:useLocalDpi xmlns:a14="http://schemas.microsoft.com/office/drawing/2010/main" val="0"/>
-                </a:ext>
-              </a:extLst>
-            </a:blip>
-            <a:srcRect/>
-            <a:tile tx="0" ty="-704850" sx="92000" sy="89000" flip="xy" algn="ctr"/>
-          </a:blipFill>
-          <a:ln>
-            <a:noFill/>
-          </a:ln>
         </p:spPr>
-        <p:style>
-          <a:lnRef idx="2">
-            <a:schemeClr val="accent1">
-              <a:shade val="50000"/>
-            </a:schemeClr>
-          </a:lnRef>
-          <a:fillRef idx="1">
-            <a:schemeClr val="accent1"/>
-          </a:fillRef>
-          <a:effectRef idx="0">
-            <a:schemeClr val="accent1"/>
-          </a:effectRef>
-          <a:fontRef idx="minor">
-            <a:schemeClr val="lt1"/>
-          </a:fontRef>
-        </p:style>
-      </p:sp>
-      <p:sp>
-        <p:nvSpPr>
-          <p:cNvPr id="2" name="Title 1"/>
-          <p:cNvSpPr>
-            <a:spLocks noGrp="1"/>
-          </p:cNvSpPr>
-          <p:nvPr>
-            <p:ph type="title"/>
+        <p:txBody>
+          <a:bodyPr anchor="b"/>
+          <a:lstStyle>
+            <a:lvl1pPr>
+              <a:defRPr sz="3200"/>
+            </a:lvl1pPr>
+          </a:lstStyle>
+          <a:p>
+            <a:r>
+              <a:rPr lang="en-US"/>
+              <a:t>Click to edit Master title style</a:t>
+            </a:r>
+          </a:p>
+        </p:txBody>
+      </p:sp>
+      <p:sp>
+        <p:nvSpPr>
+          <p:cNvPr id="3" name="Content Placeholder 2">
+            <a:extLst>
+              <a:ext uri="{FF2B5EF4-FFF2-40B4-BE49-F238E27FC236}">
+                <a16:creationId xmlns:a16="http://schemas.microsoft.com/office/drawing/2014/main" id="{4477045D-8581-4654-BBB9-DDCCBF070957}"/>
+              </a:ext>
+            </a:extLst>
+          </p:cNvPr>
+          <p:cNvSpPr>
+            <a:spLocks noGrp="1"/>
+          </p:cNvSpPr>
+          <p:nvPr>
+            <p:ph idx="1"/>
           </p:nvPr>
         </p:nvSpPr>
         <p:spPr>
           <a:xfrm>
-            <a:off x="8549640" y="685800"/>
-            <a:ext cx="3200400" cy="1737360"/>
+            <a:off x="5183188" y="987425"/>
+            <a:ext cx="6172200" cy="4873625"/>
           </a:xfrm>
         </p:spPr>
         <p:txBody>
-          <a:bodyPr anchor="b">
-            <a:normAutofit/>
-          </a:bodyPr>
+          <a:bodyPr/>
           <a:lstStyle>
             <a:lvl1pPr>
-              <a:defRPr sz="3200" b="1"/>
+              <a:defRPr sz="3200"/>
             </a:lvl1pPr>
+            <a:lvl2pPr>
+              <a:defRPr sz="2800"/>
+            </a:lvl2pPr>
+            <a:lvl3pPr>
+              <a:defRPr sz="2400"/>
+            </a:lvl3pPr>
+            <a:lvl4pPr>
+              <a:defRPr sz="2000"/>
+            </a:lvl4pPr>
+            <a:lvl5pPr>
+              <a:defRPr sz="2000"/>
+            </a:lvl5pPr>
+            <a:lvl6pPr>
+              <a:defRPr sz="2000"/>
+            </a:lvl6pPr>
+            <a:lvl7pPr>
+              <a:defRPr sz="2000"/>
+            </a:lvl7pPr>
+            <a:lvl8pPr>
+              <a:defRPr sz="2000"/>
+            </a:lvl8pPr>
+            <a:lvl9pPr>
+              <a:defRPr sz="2000"/>
+            </a:lvl9pPr>
           </a:lstStyle>
           <a:p>
-            <a:r>
-              <a:rPr lang="en-US"/>
-              <a:t>Click to edit Master title style</a:t>
-            </a:r>
-            <a:endParaRPr lang="en-US" dirty="0"/>
-          </a:p>
-        </p:txBody>
-      </p:sp>
-      <p:sp>
-        <p:nvSpPr>
-          <p:cNvPr id="3" name="Content Placeholder 2"/>
-          <p:cNvSpPr>
-            <a:spLocks noGrp="1"/>
-          </p:cNvSpPr>
-          <p:nvPr>
-            <p:ph idx="1"/>
+            <a:pPr lvl="0"/>
+            <a:r>
+              <a:rPr lang="en-US"/>
+              <a:t>Click to edit Master text styles</a:t>
+            </a:r>
+          </a:p>
+          <a:p>
+            <a:pPr lvl="1"/>
+            <a:r>
+              <a:rPr lang="en-US"/>
+              <a:t>Second level</a:t>
+            </a:r>
+          </a:p>
+          <a:p>
+            <a:pPr lvl="2"/>
+            <a:r>
+              <a:rPr lang="en-US"/>
+              <a:t>Third level</a:t>
+            </a:r>
+          </a:p>
+          <a:p>
+            <a:pPr lvl="3"/>
+            <a:r>
+              <a:rPr lang="en-US"/>
+              <a:t>Fourth level</a:t>
+            </a:r>
+          </a:p>
+          <a:p>
+            <a:pPr lvl="4"/>
+            <a:r>
+              <a:rPr lang="en-US"/>
+              <a:t>Fifth level</a:t>
+            </a:r>
+          </a:p>
+        </p:txBody>
+      </p:sp>
+      <p:sp>
+        <p:nvSpPr>
+          <p:cNvPr id="4" name="Text Placeholder 3">
+            <a:extLst>
+              <a:ext uri="{FF2B5EF4-FFF2-40B4-BE49-F238E27FC236}">
+                <a16:creationId xmlns:a16="http://schemas.microsoft.com/office/drawing/2014/main" id="{AF3C4B2E-9C41-49C8-99BB-089B938E4F8D}"/>
+              </a:ext>
+            </a:extLst>
+          </p:cNvPr>
+          <p:cNvSpPr>
+            <a:spLocks noGrp="1"/>
+          </p:cNvSpPr>
+          <p:nvPr>
+            <p:ph type="body" sz="half" idx="2"/>
           </p:nvPr>
         </p:nvSpPr>
         <p:spPr>
           <a:xfrm>
-            <a:off x="838200" y="685800"/>
-            <a:ext cx="6711696" cy="5020056"/>
+            <a:off x="839788" y="2057400"/>
+            <a:ext cx="3932237" cy="3811588"/>
           </a:xfrm>
         </p:spPr>
         <p:txBody>
           <a:bodyPr/>
           <a:lstStyle>
-            <a:lvl1pPr>
-              <a:defRPr sz="2000"/>
+            <a:lvl1pPr marL="0" indent="0">
+              <a:buNone/>
+              <a:defRPr sz="1600"/>
             </a:lvl1pPr>
-            <a:lvl2pPr>
-              <a:defRPr sz="1800"/>
+            <a:lvl2pPr marL="457200" indent="0">
+              <a:buNone/>
+              <a:defRPr sz="1400"/>
             </a:lvl2pPr>
-            <a:lvl3pPr>
-              <a:defRPr sz="1600"/>
+            <a:lvl3pPr marL="914400" indent="0">
+              <a:buNone/>
+              <a:defRPr sz="1200"/>
             </a:lvl3pPr>
-            <a:lvl4pPr>
-              <a:defRPr sz="1600"/>
+            <a:lvl4pPr marL="1371600" indent="0">
+              <a:buNone/>
+              <a:defRPr sz="1000"/>
             </a:lvl4pPr>
-            <a:lvl5pPr>
-              <a:defRPr sz="1600"/>
+            <a:lvl5pPr marL="1828800" indent="0">
+              <a:buNone/>
+              <a:defRPr sz="1000"/>
             </a:lvl5pPr>
-            <a:lvl6pPr>
-              <a:defRPr sz="1600"/>
+            <a:lvl6pPr marL="2286000" indent="0">
+              <a:buNone/>
+              <a:defRPr sz="1000"/>
             </a:lvl6pPr>
-            <a:lvl7pPr>
-              <a:defRPr sz="1600"/>
+            <a:lvl7pPr marL="2743200" indent="0">
+              <a:buNone/>
+              <a:defRPr sz="1000"/>
             </a:lvl7pPr>
-            <a:lvl8pPr>
-              <a:defRPr sz="1600"/>
+            <a:lvl8pPr marL="3200400" indent="0">
+              <a:buNone/>
+              <a:defRPr sz="1000"/>
             </a:lvl8pPr>
-            <a:lvl9pPr>
-              <a:defRPr sz="1600"/>
+            <a:lvl9pPr marL="3657600" indent="0">
+              <a:buNone/>
+              <a:defRPr sz="1000"/>
             </a:lvl9pPr>
           </a:lstStyle>
           <a:p>
@@ -2631,119 +2373,17 @@
               <a:t>Click to edit Master text styles</a:t>
             </a:r>
           </a:p>
-          <a:p>
-            <a:pPr lvl="1"/>
-            <a:r>
-              <a:rPr lang="en-US"/>
-              <a:t>Second level</a:t>
-            </a:r>
-          </a:p>
-          <a:p>
-            <a:pPr lvl="2"/>
-            <a:r>
-              <a:rPr lang="en-US"/>
-              <a:t>Third level</a:t>
-            </a:r>
-          </a:p>
-          <a:p>
-            <a:pPr lvl="3"/>
-            <a:r>
-              <a:rPr lang="en-US"/>
-              <a:t>Fourth level</a:t>
-            </a:r>
-          </a:p>
-          <a:p>
-            <a:pPr lvl="4"/>
-            <a:r>
-              <a:rPr lang="en-US"/>
-              <a:t>Fifth level</a:t>
-            </a:r>
-            <a:endParaRPr lang="en-US" dirty="0"/>
-          </a:p>
-        </p:txBody>
-      </p:sp>
-      <p:sp>
-        <p:nvSpPr>
-          <p:cNvPr id="4" name="Text Placeholder 3"/>
-          <p:cNvSpPr>
-            <a:spLocks noGrp="1"/>
-          </p:cNvSpPr>
-          <p:nvPr>
-            <p:ph type="body" sz="half" idx="2"/>
-          </p:nvPr>
-        </p:nvSpPr>
-        <p:spPr>
-          <a:xfrm>
-            <a:off x="8549640" y="2423160"/>
-            <a:ext cx="3200400" cy="3291840"/>
-          </a:xfrm>
-        </p:spPr>
-        <p:txBody>
-          <a:bodyPr>
-            <a:normAutofit/>
-          </a:bodyPr>
-          <a:lstStyle>
-            <a:lvl1pPr marL="0" indent="0">
-              <a:lnSpc>
-                <a:spcPct val="100000"/>
-              </a:lnSpc>
-              <a:spcBef>
-                <a:spcPts val="1000"/>
-              </a:spcBef>
-              <a:buNone/>
-              <a:defRPr sz="1400">
-                <a:solidFill>
-                  <a:schemeClr val="accent1">
-                    <a:lumMod val="75000"/>
-                  </a:schemeClr>
-                </a:solidFill>
-              </a:defRPr>
-            </a:lvl1pPr>
-            <a:lvl2pPr marL="457200" indent="0">
-              <a:buNone/>
-              <a:defRPr sz="1200"/>
-            </a:lvl2pPr>
-            <a:lvl3pPr marL="914400" indent="0">
-              <a:buNone/>
-              <a:defRPr sz="1000"/>
-            </a:lvl3pPr>
-            <a:lvl4pPr marL="1371600" indent="0">
-              <a:buNone/>
-              <a:defRPr sz="900"/>
-            </a:lvl4pPr>
-            <a:lvl5pPr marL="1828800" indent="0">
-              <a:buNone/>
-              <a:defRPr sz="900"/>
-            </a:lvl5pPr>
-            <a:lvl6pPr marL="2286000" indent="0">
-              <a:buNone/>
-              <a:defRPr sz="900"/>
-            </a:lvl6pPr>
-            <a:lvl7pPr marL="2743200" indent="0">
-              <a:buNone/>
-              <a:defRPr sz="900"/>
-            </a:lvl7pPr>
-            <a:lvl8pPr marL="3200400" indent="0">
-              <a:buNone/>
-              <a:defRPr sz="900"/>
-            </a:lvl8pPr>
-            <a:lvl9pPr marL="3657600" indent="0">
-              <a:buNone/>
-              <a:defRPr sz="900"/>
-            </a:lvl9pPr>
-          </a:lstStyle>
-          <a:p>
-            <a:pPr lvl="0"/>
-            <a:r>
-              <a:rPr lang="en-US"/>
-              <a:t>Click to edit Master text styles</a:t>
-            </a:r>
-          </a:p>
-        </p:txBody>
-      </p:sp>
-      <p:sp>
-        <p:nvSpPr>
-          <p:cNvPr id="5" name="Date Placeholder 4"/>
+        </p:txBody>
+      </p:sp>
+      <p:sp>
+        <p:nvSpPr>
+          <p:cNvPr id="5" name="Date Placeholder 4">
+            <a:extLst>
+              <a:ext uri="{FF2B5EF4-FFF2-40B4-BE49-F238E27FC236}">
+                <a16:creationId xmlns:a16="http://schemas.microsoft.com/office/drawing/2014/main" id="{E941B84E-55DE-4F25-8BF4-5A8CD1D97A09}"/>
+              </a:ext>
+            </a:extLst>
+          </p:cNvPr>
           <p:cNvSpPr>
             <a:spLocks noGrp="1"/>
           </p:cNvSpPr>
@@ -2758,7 +2398,7 @@
           <a:p>
             <a:fld id="{0E8CBC1A-DE79-4C0D-AFEE-07A9E8677B20}" type="datetimeFigureOut">
               <a:rPr lang="en-US" smtClean="0"/>
-              <a:t>4/3/2023</a:t>
+              <a:t>8/1/2023</a:t>
             </a:fld>
             <a:endParaRPr lang="en-US"/>
           </a:p>
@@ -2766,7 +2406,13 @@
       </p:sp>
       <p:sp>
         <p:nvSpPr>
-          <p:cNvPr id="6" name="Footer Placeholder 5"/>
+          <p:cNvPr id="6" name="Footer Placeholder 5">
+            <a:extLst>
+              <a:ext uri="{FF2B5EF4-FFF2-40B4-BE49-F238E27FC236}">
+                <a16:creationId xmlns:a16="http://schemas.microsoft.com/office/drawing/2014/main" id="{B7436797-231E-46A8-978B-6681D0EBD439}"/>
+              </a:ext>
+            </a:extLst>
+          </p:cNvPr>
           <p:cNvSpPr>
             <a:spLocks noGrp="1"/>
           </p:cNvSpPr>
@@ -2783,98 +2429,15 @@
           </a:p>
         </p:txBody>
       </p:sp>
-      <p:grpSp>
-        <p:nvGrpSpPr>
-          <p:cNvPr id="9" name="Group 8"/>
-          <p:cNvGrpSpPr>
-            <a:grpSpLocks noChangeAspect="1"/>
-          </p:cNvGrpSpPr>
-          <p:nvPr/>
-        </p:nvGrpSpPr>
-        <p:grpSpPr>
-          <a:xfrm>
-            <a:off x="11401725" y="6229681"/>
-            <a:ext cx="457200" cy="457200"/>
-            <a:chOff x="11361456" y="6195813"/>
-            <a:chExt cx="548640" cy="548640"/>
-          </a:xfrm>
-        </p:grpSpPr>
-        <p:sp>
-          <p:nvSpPr>
-            <p:cNvPr id="10" name="Oval 9"/>
-            <p:cNvSpPr/>
-            <p:nvPr/>
-          </p:nvSpPr>
-          <p:spPr>
-            <a:xfrm>
-              <a:off x="11361456" y="6195813"/>
-              <a:ext cx="548640" cy="548640"/>
-            </a:xfrm>
-            <a:prstGeom prst="ellipse">
-              <a:avLst/>
-            </a:prstGeom>
-            <a:blipFill dpi="0" rotWithShape="1">
-              <a:blip r:embed="rId4">
-                <a:duotone>
-                  <a:schemeClr val="accent1">
-                    <a:shade val="45000"/>
-                    <a:satMod val="135000"/>
-                  </a:schemeClr>
-                  <a:prstClr val="white"/>
-                </a:duotone>
-                <a:extLst>
-                  <a:ext uri="{BEBA8EAE-BF5A-486C-A8C5-ECC9F3942E4B}">
-                    <a14:imgProps xmlns:a14="http://schemas.microsoft.com/office/drawing/2010/main">
-                      <a14:imgLayer r:embed="rId5">
-                        <a14:imgEffect>
-                          <a14:saturation sat="95000"/>
-                        </a14:imgEffect>
-                        <a14:imgEffect>
-                          <a14:brightnessContrast bright="-40000" contrast="20000"/>
-                        </a14:imgEffect>
-                      </a14:imgLayer>
-                    </a14:imgProps>
-                  </a:ext>
-                </a:extLst>
-              </a:blip>
-              <a:srcRect/>
-              <a:tile tx="50800" ty="0" sx="85000" sy="85000" flip="none" algn="tl"/>
-            </a:blipFill>
-            <a:ln w="25400" cap="flat" cmpd="sng" algn="ctr">
-              <a:noFill/>
-              <a:prstDash val="solid"/>
-            </a:ln>
-            <a:effectLst/>
-          </p:spPr>
-        </p:sp>
-        <p:sp>
-          <p:nvSpPr>
-            <p:cNvPr id="11" name="Oval 10"/>
-            <p:cNvSpPr/>
-            <p:nvPr/>
-          </p:nvSpPr>
-          <p:spPr>
-            <a:xfrm>
-              <a:off x="11396488" y="6230844"/>
-              <a:ext cx="478576" cy="478578"/>
-            </a:xfrm>
-            <a:prstGeom prst="ellipse">
-              <a:avLst/>
-            </a:prstGeom>
-            <a:noFill/>
-            <a:ln w="12700" cap="flat" cmpd="sng" algn="ctr">
-              <a:solidFill>
-                <a:sysClr val="window" lastClr="FFFFFF"/>
-              </a:solidFill>
-              <a:prstDash val="solid"/>
-            </a:ln>
-            <a:effectLst/>
-          </p:spPr>
-        </p:sp>
-      </p:grpSp>
-      <p:sp>
-        <p:nvSpPr>
-          <p:cNvPr id="7" name="Slide Number Placeholder 6"/>
+      <p:sp>
+        <p:nvSpPr>
+          <p:cNvPr id="7" name="Slide Number Placeholder 6">
+            <a:extLst>
+              <a:ext uri="{FF2B5EF4-FFF2-40B4-BE49-F238E27FC236}">
+                <a16:creationId xmlns:a16="http://schemas.microsoft.com/office/drawing/2014/main" id="{F5FC0FF0-F8E1-46B1-BECB-538790C07273}"/>
+              </a:ext>
+            </a:extLst>
+          </p:cNvPr>
           <p:cNvSpPr>
             <a:spLocks noGrp="1"/>
           </p:cNvSpPr>
@@ -2898,7 +2461,7 @@
     </p:spTree>
     <p:extLst>
       <p:ext uri="{BB962C8B-B14F-4D97-AF65-F5344CB8AC3E}">
-        <p14:creationId xmlns:p14="http://schemas.microsoft.com/office/powerpoint/2010/main" val="4235586709"/>
+        <p14:creationId xmlns:p14="http://schemas.microsoft.com/office/powerpoint/2010/main" val="3588199568"/>
       </p:ext>
     </p:extLst>
   </p:cSld>
@@ -2909,7 +2472,7 @@
 </file>
 
 <file path=ppt/slideLayouts/slideLayout9.xml><?xml version="1.0" encoding="utf-8"?>
-<p:sldLayout xmlns:a="http://schemas.openxmlformats.org/drawingml/2006/main" xmlns:r="http://schemas.openxmlformats.org/officeDocument/2006/relationships" xmlns:p="http://schemas.openxmlformats.org/presentationml/2006/main" showMasterSp="0" type="picTx" preserve="1">
+<p:sldLayout xmlns:a="http://schemas.openxmlformats.org/drawingml/2006/main" xmlns:r="http://schemas.openxmlformats.org/officeDocument/2006/relationships" xmlns:p="http://schemas.openxmlformats.org/presentationml/2006/main" type="picTx" preserve="1">
   <p:cSld name="Picture with Caption">
     <p:spTree>
       <p:nvGrpSpPr>
@@ -2927,119 +2490,65 @@
       </p:grpSpPr>
       <p:sp>
         <p:nvSpPr>
-          <p:cNvPr id="11" name="Rectangle 10"/>
-          <p:cNvSpPr/>
-          <p:nvPr/>
+          <p:cNvPr id="2" name="Title 1">
+            <a:extLst>
+              <a:ext uri="{FF2B5EF4-FFF2-40B4-BE49-F238E27FC236}">
+                <a16:creationId xmlns:a16="http://schemas.microsoft.com/office/drawing/2014/main" id="{FF603B6C-1ED7-4F2E-9B7E-C483EEA73FED}"/>
+              </a:ext>
+            </a:extLst>
+          </p:cNvPr>
+          <p:cNvSpPr>
+            <a:spLocks noGrp="1"/>
+          </p:cNvSpPr>
+          <p:nvPr>
+            <p:ph type="title"/>
+          </p:nvPr>
         </p:nvSpPr>
         <p:spPr>
           <a:xfrm>
-            <a:off x="8303740" y="0"/>
-            <a:ext cx="3888259" cy="6857999"/>
+            <a:off x="839788" y="457200"/>
+            <a:ext cx="3932237" cy="1600200"/>
           </a:xfrm>
-          <a:prstGeom prst="rect">
-            <a:avLst/>
-          </a:prstGeom>
-          <a:blipFill dpi="0" rotWithShape="1">
-            <a:blip r:embed="rId2">
-              <a:alphaModFix amt="60000"/>
-              <a:lum bright="70000" contrast="-70000"/>
-              <a:extLst>
-                <a:ext uri="{BEBA8EAE-BF5A-486C-A8C5-ECC9F3942E4B}">
-                  <a14:imgProps xmlns:a14="http://schemas.microsoft.com/office/drawing/2010/main">
-                    <a14:imgLayer r:embed="rId3">
-                      <a14:imgEffect>
-                        <a14:sharpenSoften amount="61000"/>
-                      </a14:imgEffect>
-                    </a14:imgLayer>
-                  </a14:imgProps>
-                </a:ext>
-                <a:ext uri="{28A0092B-C50C-407E-A947-70E740481C1C}">
-                  <a14:useLocalDpi xmlns:a14="http://schemas.microsoft.com/office/drawing/2010/main" val="0"/>
-                </a:ext>
-              </a:extLst>
-            </a:blip>
-            <a:srcRect/>
-            <a:tile tx="0" ty="-704850" sx="92000" sy="89000" flip="xy" algn="ctr"/>
-          </a:blipFill>
-          <a:ln>
-            <a:noFill/>
-          </a:ln>
         </p:spPr>
-        <p:style>
-          <a:lnRef idx="2">
-            <a:schemeClr val="accent1">
-              <a:shade val="50000"/>
-            </a:schemeClr>
-          </a:lnRef>
-          <a:fillRef idx="1">
-            <a:schemeClr val="accent1"/>
-          </a:fillRef>
-          <a:effectRef idx="0">
-            <a:schemeClr val="accent1"/>
-          </a:effectRef>
-          <a:fontRef idx="minor">
-            <a:schemeClr val="lt1"/>
-          </a:fontRef>
-        </p:style>
-      </p:sp>
-      <p:sp>
-        <p:nvSpPr>
-          <p:cNvPr id="2" name="Title 1"/>
-          <p:cNvSpPr>
-            <a:spLocks noGrp="1"/>
-          </p:cNvSpPr>
-          <p:nvPr>
-            <p:ph type="title"/>
+        <p:txBody>
+          <a:bodyPr anchor="b"/>
+          <a:lstStyle>
+            <a:lvl1pPr>
+              <a:defRPr sz="3200"/>
+            </a:lvl1pPr>
+          </a:lstStyle>
+          <a:p>
+            <a:r>
+              <a:rPr lang="en-US"/>
+              <a:t>Click to edit Master title style</a:t>
+            </a:r>
+          </a:p>
+        </p:txBody>
+      </p:sp>
+      <p:sp>
+        <p:nvSpPr>
+          <p:cNvPr id="3" name="Picture Placeholder 2">
+            <a:extLst>
+              <a:ext uri="{FF2B5EF4-FFF2-40B4-BE49-F238E27FC236}">
+                <a16:creationId xmlns:a16="http://schemas.microsoft.com/office/drawing/2014/main" id="{1E204B65-9228-43CC-BDD4-7A050989EF18}"/>
+              </a:ext>
+            </a:extLst>
+          </p:cNvPr>
+          <p:cNvSpPr>
+            <a:spLocks noGrp="1"/>
+          </p:cNvSpPr>
+          <p:nvPr>
+            <p:ph type="pic" idx="1"/>
           </p:nvPr>
         </p:nvSpPr>
         <p:spPr>
           <a:xfrm>
-            <a:off x="8549640" y="685800"/>
-            <a:ext cx="3200400" cy="1737360"/>
+            <a:off x="5183188" y="987425"/>
+            <a:ext cx="6172200" cy="4873625"/>
           </a:xfrm>
         </p:spPr>
         <p:txBody>
-          <a:bodyPr anchor="b">
-            <a:normAutofit/>
-          </a:bodyPr>
-          <a:lstStyle>
-            <a:lvl1pPr>
-              <a:defRPr sz="3200" b="1"/>
-            </a:lvl1pPr>
-          </a:lstStyle>
-          <a:p>
-            <a:r>
-              <a:rPr lang="en-US"/>
-              <a:t>Click to edit Master title style</a:t>
-            </a:r>
-            <a:endParaRPr lang="en-US" dirty="0"/>
-          </a:p>
-        </p:txBody>
-      </p:sp>
-      <p:sp>
-        <p:nvSpPr>
-          <p:cNvPr id="3" name="Picture Placeholder 2"/>
-          <p:cNvSpPr>
-            <a:spLocks noGrp="1" noChangeAspect="1"/>
-          </p:cNvSpPr>
-          <p:nvPr>
-            <p:ph type="pic" idx="1"/>
-          </p:nvPr>
-        </p:nvSpPr>
-        <p:spPr>
-          <a:xfrm>
-            <a:off x="0" y="0"/>
-            <a:ext cx="8303740" cy="6858000"/>
-          </a:xfrm>
-          <a:solidFill>
-            <a:schemeClr val="tx2">
-              <a:lumMod val="20000"/>
-              <a:lumOff val="80000"/>
-            </a:schemeClr>
-          </a:solidFill>
-        </p:spPr>
-        <p:txBody>
-          <a:bodyPr anchor="t"/>
+          <a:bodyPr/>
           <a:lstStyle>
             <a:lvl1pPr marL="0" indent="0">
               <a:buNone/>
@@ -3079,17 +2588,19 @@
             </a:lvl9pPr>
           </a:lstStyle>
           <a:p>
-            <a:r>
-              <a:rPr lang="en-US"/>
-              <a:t>Click icon to add picture</a:t>
-            </a:r>
-            <a:endParaRPr lang="en-US" dirty="0"/>
-          </a:p>
-        </p:txBody>
-      </p:sp>
-      <p:sp>
-        <p:nvSpPr>
-          <p:cNvPr id="4" name="Text Placeholder 3"/>
+            <a:endParaRPr lang="en-US"/>
+          </a:p>
+        </p:txBody>
+      </p:sp>
+      <p:sp>
+        <p:nvSpPr>
+          <p:cNvPr id="4" name="Text Placeholder 3">
+            <a:extLst>
+              <a:ext uri="{FF2B5EF4-FFF2-40B4-BE49-F238E27FC236}">
+                <a16:creationId xmlns:a16="http://schemas.microsoft.com/office/drawing/2014/main" id="{E2C88D5B-84E5-4387-A963-D9957A100508}"/>
+              </a:ext>
+            </a:extLst>
+          </p:cNvPr>
           <p:cNvSpPr>
             <a:spLocks noGrp="1"/>
           </p:cNvSpPr>
@@ -3099,62 +2610,48 @@
         </p:nvSpPr>
         <p:spPr>
           <a:xfrm>
-            <a:off x="8549640" y="2423160"/>
-            <a:ext cx="3200400" cy="3291840"/>
+            <a:off x="839788" y="2057400"/>
+            <a:ext cx="3932237" cy="3811588"/>
           </a:xfrm>
         </p:spPr>
         <p:txBody>
-          <a:bodyPr>
-            <a:normAutofit/>
-          </a:bodyPr>
+          <a:bodyPr/>
           <a:lstStyle>
             <a:lvl1pPr marL="0" indent="0">
-              <a:lnSpc>
-                <a:spcPct val="100000"/>
-              </a:lnSpc>
-              <a:spcBef>
-                <a:spcPts val="1000"/>
-              </a:spcBef>
-              <a:buNone/>
-              <a:defRPr sz="1400">
-                <a:solidFill>
-                  <a:schemeClr val="accent1">
-                    <a:lumMod val="75000"/>
-                  </a:schemeClr>
-                </a:solidFill>
-              </a:defRPr>
+              <a:buNone/>
+              <a:defRPr sz="1600"/>
             </a:lvl1pPr>
             <a:lvl2pPr marL="457200" indent="0">
               <a:buNone/>
-              <a:defRPr sz="1200"/>
+              <a:defRPr sz="1400"/>
             </a:lvl2pPr>
             <a:lvl3pPr marL="914400" indent="0">
               <a:buNone/>
-              <a:defRPr sz="1000"/>
+              <a:defRPr sz="1200"/>
             </a:lvl3pPr>
             <a:lvl4pPr marL="1371600" indent="0">
               <a:buNone/>
-              <a:defRPr sz="900"/>
+              <a:defRPr sz="1000"/>
             </a:lvl4pPr>
             <a:lvl5pPr marL="1828800" indent="0">
               <a:buNone/>
-              <a:defRPr sz="900"/>
+              <a:defRPr sz="1000"/>
             </a:lvl5pPr>
             <a:lvl6pPr marL="2286000" indent="0">
               <a:buNone/>
-              <a:defRPr sz="900"/>
+              <a:defRPr sz="1000"/>
             </a:lvl6pPr>
             <a:lvl7pPr marL="2743200" indent="0">
               <a:buNone/>
-              <a:defRPr sz="900"/>
+              <a:defRPr sz="1000"/>
             </a:lvl7pPr>
             <a:lvl8pPr marL="3200400" indent="0">
               <a:buNone/>
-              <a:defRPr sz="900"/>
+              <a:defRPr sz="1000"/>
             </a:lvl8pPr>
             <a:lvl9pPr marL="3657600" indent="0">
               <a:buNone/>
-              <a:defRPr sz="900"/>
+              <a:defRPr sz="1000"/>
             </a:lvl9pPr>
           </a:lstStyle>
           <a:p>
@@ -3168,7 +2665,13 @@
       </p:sp>
       <p:sp>
         <p:nvSpPr>
-          <p:cNvPr id="5" name="Date Placeholder 4"/>
+          <p:cNvPr id="5" name="Date Placeholder 4">
+            <a:extLst>
+              <a:ext uri="{FF2B5EF4-FFF2-40B4-BE49-F238E27FC236}">
+                <a16:creationId xmlns:a16="http://schemas.microsoft.com/office/drawing/2014/main" id="{7AF2E162-EBB0-412A-A1D0-65B0C6F30E95}"/>
+              </a:ext>
+            </a:extLst>
+          </p:cNvPr>
           <p:cNvSpPr>
             <a:spLocks noGrp="1"/>
           </p:cNvSpPr>
@@ -3183,104 +2686,46 @@
           <a:p>
             <a:fld id="{0E8CBC1A-DE79-4C0D-AFEE-07A9E8677B20}" type="datetimeFigureOut">
               <a:rPr lang="en-US" smtClean="0"/>
-              <a:t>4/3/2023</a:t>
+              <a:t>8/1/2023</a:t>
             </a:fld>
             <a:endParaRPr lang="en-US"/>
           </a:p>
         </p:txBody>
       </p:sp>
-      <p:grpSp>
-        <p:nvGrpSpPr>
-          <p:cNvPr id="8" name="Group 7"/>
-          <p:cNvGrpSpPr>
-            <a:grpSpLocks noChangeAspect="1"/>
-          </p:cNvGrpSpPr>
-          <p:nvPr/>
-        </p:nvGrpSpPr>
-        <p:grpSpPr>
-          <a:xfrm>
-            <a:off x="11401725" y="6229681"/>
-            <a:ext cx="457200" cy="457200"/>
-            <a:chOff x="11361456" y="6195813"/>
-            <a:chExt cx="548640" cy="548640"/>
-          </a:xfrm>
-        </p:grpSpPr>
-        <p:sp>
-          <p:nvSpPr>
-            <p:cNvPr id="9" name="Oval 8"/>
-            <p:cNvSpPr/>
-            <p:nvPr/>
-          </p:nvSpPr>
-          <p:spPr>
-            <a:xfrm>
-              <a:off x="11361456" y="6195813"/>
-              <a:ext cx="548640" cy="548640"/>
-            </a:xfrm>
-            <a:prstGeom prst="ellipse">
-              <a:avLst/>
-            </a:prstGeom>
-            <a:blipFill dpi="0" rotWithShape="1">
-              <a:blip r:embed="rId4">
-                <a:duotone>
-                  <a:schemeClr val="accent1">
-                    <a:shade val="45000"/>
-                    <a:satMod val="135000"/>
-                  </a:schemeClr>
-                  <a:prstClr val="white"/>
-                </a:duotone>
-                <a:extLst>
-                  <a:ext uri="{BEBA8EAE-BF5A-486C-A8C5-ECC9F3942E4B}">
-                    <a14:imgProps xmlns:a14="http://schemas.microsoft.com/office/drawing/2010/main">
-                      <a14:imgLayer r:embed="rId5">
-                        <a14:imgEffect>
-                          <a14:saturation sat="95000"/>
-                        </a14:imgEffect>
-                        <a14:imgEffect>
-                          <a14:brightnessContrast bright="-40000" contrast="20000"/>
-                        </a14:imgEffect>
-                      </a14:imgLayer>
-                    </a14:imgProps>
-                  </a:ext>
-                </a:extLst>
-              </a:blip>
-              <a:srcRect/>
-              <a:tile tx="50800" ty="0" sx="85000" sy="85000" flip="none" algn="tl"/>
-            </a:blipFill>
-            <a:ln w="25400" cap="flat" cmpd="sng" algn="ctr">
-              <a:noFill/>
-              <a:prstDash val="solid"/>
-            </a:ln>
-            <a:effectLst/>
-          </p:spPr>
-        </p:sp>
-        <p:sp>
-          <p:nvSpPr>
-            <p:cNvPr id="10" name="Oval 9"/>
-            <p:cNvSpPr/>
-            <p:nvPr/>
-          </p:nvSpPr>
-          <p:spPr>
-            <a:xfrm>
-              <a:off x="11396488" y="6230844"/>
-              <a:ext cx="478576" cy="478578"/>
-            </a:xfrm>
-            <a:prstGeom prst="ellipse">
-              <a:avLst/>
-            </a:prstGeom>
-            <a:noFill/>
-            <a:ln w="12700" cap="flat" cmpd="sng" algn="ctr">
-              <a:solidFill>
-                <a:sysClr val="window" lastClr="FFFFFF"/>
-              </a:solidFill>
-              <a:prstDash val="solid"/>
-            </a:ln>
-            <a:effectLst/>
-          </p:spPr>
-        </p:sp>
-      </p:grpSp>
-      <p:sp>
-        <p:nvSpPr>
-          <p:cNvPr id="7" name="Slide Number Placeholder 6"/>
+      <p:sp>
+        <p:nvSpPr>
+          <p:cNvPr id="6" name="Footer Placeholder 5">
+            <a:extLst>
+              <a:ext uri="{FF2B5EF4-FFF2-40B4-BE49-F238E27FC236}">
+                <a16:creationId xmlns:a16="http://schemas.microsoft.com/office/drawing/2014/main" id="{002A5607-EB22-45E6-8323-7DF7599890AE}"/>
+              </a:ext>
+            </a:extLst>
+          </p:cNvPr>
+          <p:cNvSpPr>
+            <a:spLocks noGrp="1"/>
+          </p:cNvSpPr>
+          <p:nvPr>
+            <p:ph type="ftr" sz="quarter" idx="11"/>
+          </p:nvPr>
+        </p:nvSpPr>
+        <p:spPr/>
+        <p:txBody>
+          <a:bodyPr/>
+          <a:lstStyle/>
+          <a:p>
+            <a:endParaRPr lang="en-US"/>
+          </a:p>
+        </p:txBody>
+      </p:sp>
+      <p:sp>
+        <p:nvSpPr>
+          <p:cNvPr id="7" name="Slide Number Placeholder 6">
+            <a:extLst>
+              <a:ext uri="{FF2B5EF4-FFF2-40B4-BE49-F238E27FC236}">
+                <a16:creationId xmlns:a16="http://schemas.microsoft.com/office/drawing/2014/main" id="{C93636FE-1E76-4474-A22F-BD01311CE7BE}"/>
+              </a:ext>
+            </a:extLst>
+          </p:cNvPr>
           <p:cNvSpPr>
             <a:spLocks noGrp="1"/>
           </p:cNvSpPr>
@@ -3304,7 +2749,7 @@
     </p:spTree>
     <p:extLst>
       <p:ext uri="{BB962C8B-B14F-4D97-AF65-F5344CB8AC3E}">
-        <p14:creationId xmlns:p14="http://schemas.microsoft.com/office/powerpoint/2010/main" val="3384332686"/>
+        <p14:creationId xmlns:p14="http://schemas.microsoft.com/office/powerpoint/2010/main" val="3143880023"/>
       </p:ext>
     </p:extLst>
   </p:cSld>
@@ -3338,7 +2783,13 @@
       </p:grpSpPr>
       <p:sp>
         <p:nvSpPr>
-          <p:cNvPr id="2" name="Title Placeholder 1"/>
+          <p:cNvPr id="2" name="Title Placeholder 1">
+            <a:extLst>
+              <a:ext uri="{FF2B5EF4-FFF2-40B4-BE49-F238E27FC236}">
+                <a16:creationId xmlns:a16="http://schemas.microsoft.com/office/drawing/2014/main" id="{55348A24-1F65-421D-875E-D3CADBD9B84D}"/>
+              </a:ext>
+            </a:extLst>
+          </p:cNvPr>
           <p:cNvSpPr>
             <a:spLocks noGrp="1"/>
           </p:cNvSpPr>
@@ -3348,8 +2799,8 @@
         </p:nvSpPr>
         <p:spPr>
           <a:xfrm>
-            <a:off x="1069848" y="484632"/>
-            <a:ext cx="10058400" cy="1609344"/>
+            <a:off x="838200" y="365125"/>
+            <a:ext cx="10515600" cy="1325563"/>
           </a:xfrm>
           <a:prstGeom prst="rect">
             <a:avLst/>
@@ -3365,13 +2816,18 @@
               <a:rPr lang="en-US"/>
               <a:t>Click to edit Master title style</a:t>
             </a:r>
-            <a:endParaRPr lang="en-US" dirty="0"/>
-          </a:p>
-        </p:txBody>
-      </p:sp>
-      <p:sp>
-        <p:nvSpPr>
-          <p:cNvPr id="3" name="Text Placeholder 2"/>
+          </a:p>
+        </p:txBody>
+      </p:sp>
+      <p:sp>
+        <p:nvSpPr>
+          <p:cNvPr id="3" name="Text Placeholder 2">
+            <a:extLst>
+              <a:ext uri="{FF2B5EF4-FFF2-40B4-BE49-F238E27FC236}">
+                <a16:creationId xmlns:a16="http://schemas.microsoft.com/office/drawing/2014/main" id="{84E99A41-0583-4ABB-B248-0B8528EE9C25}"/>
+              </a:ext>
+            </a:extLst>
+          </p:cNvPr>
           <p:cNvSpPr>
             <a:spLocks noGrp="1"/>
           </p:cNvSpPr>
@@ -3381,8 +2837,8 @@
         </p:nvSpPr>
         <p:spPr>
           <a:xfrm>
-            <a:off x="1069848" y="2121408"/>
-            <a:ext cx="10058400" cy="4050792"/>
+            <a:off x="838200" y="1825625"/>
+            <a:ext cx="10515600" cy="4351338"/>
           </a:xfrm>
           <a:prstGeom prst="rect">
             <a:avLst/>
@@ -3427,13 +2883,18 @@
               <a:rPr lang="en-US"/>
               <a:t>Fifth level</a:t>
             </a:r>
-            <a:endParaRPr lang="en-US" dirty="0"/>
-          </a:p>
-        </p:txBody>
-      </p:sp>
-      <p:sp>
-        <p:nvSpPr>
-          <p:cNvPr id="4" name="Date Placeholder 3"/>
+          </a:p>
+        </p:txBody>
+      </p:sp>
+      <p:sp>
+        <p:nvSpPr>
+          <p:cNvPr id="4" name="Date Placeholder 3">
+            <a:extLst>
+              <a:ext uri="{FF2B5EF4-FFF2-40B4-BE49-F238E27FC236}">
+                <a16:creationId xmlns:a16="http://schemas.microsoft.com/office/drawing/2014/main" id="{4637153D-8CD0-4327-A66D-012C03B585A4}"/>
+              </a:ext>
+            </a:extLst>
+          </p:cNvPr>
           <p:cNvSpPr>
             <a:spLocks noGrp="1"/>
           </p:cNvSpPr>
@@ -3443,8 +2904,8 @@
         </p:nvSpPr>
         <p:spPr>
           <a:xfrm>
-            <a:off x="7964424" y="6272784"/>
-            <a:ext cx="3273552" cy="365125"/>
+            <a:off x="838200" y="6356350"/>
+            <a:ext cx="2743200" cy="365125"/>
           </a:xfrm>
           <a:prstGeom prst="rect">
             <a:avLst/>
@@ -3453,10 +2914,12 @@
         <p:txBody>
           <a:bodyPr vert="horz" lIns="91440" tIns="45720" rIns="91440" bIns="45720" rtlCol="0" anchor="ctr"/>
           <a:lstStyle>
-            <a:lvl1pPr algn="r">
-              <a:defRPr sz="1100">
+            <a:lvl1pPr algn="l">
+              <a:defRPr sz="1200">
                 <a:solidFill>
-                  <a:schemeClr val="tx2"/>
+                  <a:schemeClr val="tx1">
+                    <a:tint val="75000"/>
+                  </a:schemeClr>
                 </a:solidFill>
               </a:defRPr>
             </a:lvl1pPr>
@@ -3464,7 +2927,7 @@
           <a:p>
             <a:fld id="{0E8CBC1A-DE79-4C0D-AFEE-07A9E8677B20}" type="datetimeFigureOut">
               <a:rPr lang="en-US" smtClean="0"/>
-              <a:t>4/3/2023</a:t>
+              <a:t>8/1/2023</a:t>
             </a:fld>
             <a:endParaRPr lang="en-US"/>
           </a:p>
@@ -3472,7 +2935,13 @@
       </p:sp>
       <p:sp>
         <p:nvSpPr>
-          <p:cNvPr id="5" name="Footer Placeholder 4"/>
+          <p:cNvPr id="5" name="Footer Placeholder 4">
+            <a:extLst>
+              <a:ext uri="{FF2B5EF4-FFF2-40B4-BE49-F238E27FC236}">
+                <a16:creationId xmlns:a16="http://schemas.microsoft.com/office/drawing/2014/main" id="{A7F26DE0-6872-4FC4-B29B-F83FAF1C705B}"/>
+              </a:ext>
+            </a:extLst>
+          </p:cNvPr>
           <p:cNvSpPr>
             <a:spLocks noGrp="1"/>
           </p:cNvSpPr>
@@ -3482,8 +2951,8 @@
         </p:nvSpPr>
         <p:spPr>
           <a:xfrm>
-            <a:off x="1088136" y="6272784"/>
-            <a:ext cx="6327648" cy="365125"/>
+            <a:off x="4038600" y="6356350"/>
+            <a:ext cx="4114800" cy="365125"/>
           </a:xfrm>
           <a:prstGeom prst="rect">
             <a:avLst/>
@@ -3492,10 +2961,12 @@
         <p:txBody>
           <a:bodyPr vert="horz" lIns="91440" tIns="45720" rIns="91440" bIns="45720" rtlCol="0" anchor="ctr"/>
           <a:lstStyle>
-            <a:lvl1pPr algn="l">
-              <a:defRPr sz="1100">
+            <a:lvl1pPr algn="ctr">
+              <a:defRPr sz="1200">
                 <a:solidFill>
-                  <a:schemeClr val="tx2"/>
+                  <a:schemeClr val="tx1">
+                    <a:tint val="75000"/>
+                  </a:schemeClr>
                 </a:solidFill>
               </a:defRPr>
             </a:lvl1pPr>
@@ -3505,98 +2976,15 @@
           </a:p>
         </p:txBody>
       </p:sp>
-      <p:grpSp>
-        <p:nvGrpSpPr>
-          <p:cNvPr id="7" name="Group 6"/>
-          <p:cNvGrpSpPr>
-            <a:grpSpLocks noChangeAspect="1"/>
-          </p:cNvGrpSpPr>
-          <p:nvPr/>
-        </p:nvGrpSpPr>
-        <p:grpSpPr>
-          <a:xfrm>
-            <a:off x="11401725" y="6229681"/>
-            <a:ext cx="457200" cy="457200"/>
-            <a:chOff x="11361456" y="6195813"/>
-            <a:chExt cx="548640" cy="548640"/>
-          </a:xfrm>
-        </p:grpSpPr>
-        <p:sp>
-          <p:nvSpPr>
-            <p:cNvPr id="8" name="Oval 7"/>
-            <p:cNvSpPr/>
-            <p:nvPr/>
-          </p:nvSpPr>
-          <p:spPr>
-            <a:xfrm>
-              <a:off x="11361456" y="6195813"/>
-              <a:ext cx="548640" cy="548640"/>
-            </a:xfrm>
-            <a:prstGeom prst="ellipse">
-              <a:avLst/>
-            </a:prstGeom>
-            <a:blipFill dpi="0" rotWithShape="1">
-              <a:blip r:embed="rId13">
-                <a:duotone>
-                  <a:schemeClr val="accent1">
-                    <a:shade val="45000"/>
-                    <a:satMod val="135000"/>
-                  </a:schemeClr>
-                  <a:prstClr val="white"/>
-                </a:duotone>
-                <a:extLst>
-                  <a:ext uri="{BEBA8EAE-BF5A-486C-A8C5-ECC9F3942E4B}">
-                    <a14:imgProps xmlns:a14="http://schemas.microsoft.com/office/drawing/2010/main">
-                      <a14:imgLayer r:embed="rId14">
-                        <a14:imgEffect>
-                          <a14:saturation sat="95000"/>
-                        </a14:imgEffect>
-                        <a14:imgEffect>
-                          <a14:brightnessContrast bright="-40000" contrast="20000"/>
-                        </a14:imgEffect>
-                      </a14:imgLayer>
-                    </a14:imgProps>
-                  </a:ext>
-                </a:extLst>
-              </a:blip>
-              <a:srcRect/>
-              <a:tile tx="50800" ty="0" sx="85000" sy="85000" flip="none" algn="tl"/>
-            </a:blipFill>
-            <a:ln w="25400" cap="flat" cmpd="sng" algn="ctr">
-              <a:noFill/>
-              <a:prstDash val="solid"/>
-            </a:ln>
-            <a:effectLst/>
-          </p:spPr>
-        </p:sp>
-        <p:sp>
-          <p:nvSpPr>
-            <p:cNvPr id="9" name="Oval 8"/>
-            <p:cNvSpPr/>
-            <p:nvPr/>
-          </p:nvSpPr>
-          <p:spPr>
-            <a:xfrm>
-              <a:off x="11396488" y="6230844"/>
-              <a:ext cx="478576" cy="478578"/>
-            </a:xfrm>
-            <a:prstGeom prst="ellipse">
-              <a:avLst/>
-            </a:prstGeom>
-            <a:noFill/>
-            <a:ln w="12700" cap="flat" cmpd="sng" algn="ctr">
-              <a:solidFill>
-                <a:srgbClr val="FFFFFF"/>
-              </a:solidFill>
-              <a:prstDash val="solid"/>
-            </a:ln>
-            <a:effectLst/>
-          </p:spPr>
-        </p:sp>
-      </p:grpSp>
-      <p:sp>
-        <p:nvSpPr>
-          <p:cNvPr id="6" name="Slide Number Placeholder 5"/>
+      <p:sp>
+        <p:nvSpPr>
+          <p:cNvPr id="6" name="Slide Number Placeholder 5">
+            <a:extLst>
+              <a:ext uri="{FF2B5EF4-FFF2-40B4-BE49-F238E27FC236}">
+                <a16:creationId xmlns:a16="http://schemas.microsoft.com/office/drawing/2014/main" id="{F47474E1-632B-4426-96D3-F2970C6DC117}"/>
+              </a:ext>
+            </a:extLst>
+          </p:cNvPr>
           <p:cNvSpPr>
             <a:spLocks noGrp="1"/>
           </p:cNvSpPr>
@@ -3606,8 +2994,8 @@
         </p:nvSpPr>
         <p:spPr>
           <a:xfrm>
-            <a:off x="11311128" y="6272784"/>
-            <a:ext cx="640080" cy="365125"/>
+            <a:off x="8610600" y="6356350"/>
+            <a:ext cx="2743200" cy="365125"/>
           </a:xfrm>
           <a:prstGeom prst="rect">
             <a:avLst/>
@@ -3616,12 +3004,13 @@
         <p:txBody>
           <a:bodyPr vert="horz" lIns="91440" tIns="45720" rIns="91440" bIns="45720" rtlCol="0" anchor="ctr"/>
           <a:lstStyle>
-            <a:lvl1pPr algn="ctr">
-              <a:defRPr sz="1400" b="1">
+            <a:lvl1pPr algn="r">
+              <a:defRPr sz="1200">
                 <a:solidFill>
-                  <a:srgbClr val="FFFFFF"/>
+                  <a:schemeClr val="tx1">
+                    <a:tint val="75000"/>
+                  </a:schemeClr>
                 </a:solidFill>
-                <a:latin typeface="+mj-lt"/>
               </a:defRPr>
             </a:lvl1pPr>
           </a:lstStyle>
@@ -3637,23 +3026,23 @@
     </p:spTree>
     <p:extLst>
       <p:ext uri="{BB962C8B-B14F-4D97-AF65-F5344CB8AC3E}">
-        <p14:creationId xmlns:p14="http://schemas.microsoft.com/office/powerpoint/2010/main" val="3164472313"/>
+        <p14:creationId xmlns:p14="http://schemas.microsoft.com/office/powerpoint/2010/main" val="2007218365"/>
       </p:ext>
     </p:extLst>
   </p:cSld>
   <p:clrMap bg1="lt1" tx1="dk1" bg2="lt2" tx2="dk2" accent1="accent1" accent2="accent2" accent3="accent3" accent4="accent4" accent5="accent5" accent6="accent6" hlink="hlink" folHlink="folHlink"/>
   <p:sldLayoutIdLst>
-    <p:sldLayoutId id="2147483661" r:id="rId1"/>
-    <p:sldLayoutId id="2147483662" r:id="rId2"/>
-    <p:sldLayoutId id="2147483663" r:id="rId3"/>
-    <p:sldLayoutId id="2147483664" r:id="rId4"/>
-    <p:sldLayoutId id="2147483665" r:id="rId5"/>
-    <p:sldLayoutId id="2147483666" r:id="rId6"/>
-    <p:sldLayoutId id="2147483667" r:id="rId7"/>
-    <p:sldLayoutId id="2147483668" r:id="rId8"/>
-    <p:sldLayoutId id="2147483669" r:id="rId9"/>
-    <p:sldLayoutId id="2147483670" r:id="rId10"/>
-    <p:sldLayoutId id="2147483671" r:id="rId11"/>
+    <p:sldLayoutId id="2147483673" r:id="rId1"/>
+    <p:sldLayoutId id="2147483674" r:id="rId2"/>
+    <p:sldLayoutId id="2147483675" r:id="rId3"/>
+    <p:sldLayoutId id="2147483676" r:id="rId4"/>
+    <p:sldLayoutId id="2147483677" r:id="rId5"/>
+    <p:sldLayoutId id="2147483678" r:id="rId6"/>
+    <p:sldLayoutId id="2147483679" r:id="rId7"/>
+    <p:sldLayoutId id="2147483680" r:id="rId8"/>
+    <p:sldLayoutId id="2147483681" r:id="rId9"/>
+    <p:sldLayoutId id="2147483682" r:id="rId10"/>
+    <p:sldLayoutId id="2147483683" r:id="rId11"/>
   </p:sldLayoutIdLst>
   <p:txStyles>
     <p:titleStyle>
@@ -3665,17 +3054,10 @@
           <a:spcPct val="0"/>
         </a:spcBef>
         <a:buNone/>
-        <a:defRPr sz="5400" kern="1200" cap="all" baseline="0">
-          <a:blipFill>
-            <a:blip r:embed="rId15">
-              <a:extLst>
-                <a:ext uri="{28A0092B-C50C-407E-A947-70E740481C1C}">
-                  <a14:useLocalDpi xmlns:a14="http://schemas.microsoft.com/office/drawing/2010/main" val="0"/>
-                </a:ext>
-              </a:extLst>
-            </a:blip>
-            <a:tile tx="6350" ty="-127000" sx="65000" sy="64000" flip="none" algn="tl"/>
-          </a:blipFill>
+        <a:defRPr sz="4400" kern="1200">
+          <a:solidFill>
+            <a:schemeClr val="tx1"/>
+          </a:solidFill>
           <a:latin typeface="+mj-lt"/>
           <a:ea typeface="+mj-ea"/>
           <a:cs typeface="+mj-cs"/>
@@ -3683,21 +3065,51 @@
       </a:lvl1pPr>
     </p:titleStyle>
     <p:bodyStyle>
-      <a:lvl1pPr marL="182880" indent="-182880" algn="l" defTabSz="914400" rtl="0" eaLnBrk="1" latinLnBrk="0" hangingPunct="1">
+      <a:lvl1pPr marL="228600" indent="-228600" algn="l" defTabSz="914400" rtl="0" eaLnBrk="1" latinLnBrk="0" hangingPunct="1">
         <a:lnSpc>
           <a:spcPct val="90000"/>
         </a:lnSpc>
         <a:spcBef>
-          <a:spcPts val="1200"/>
+          <a:spcPts val="1000"/>
         </a:spcBef>
-        <a:buClr>
-          <a:schemeClr val="accent1">
-            <a:lumMod val="75000"/>
-          </a:schemeClr>
-        </a:buClr>
-        <a:buSzPct val="85000"/>
-        <a:buFont typeface="Wingdings" pitchFamily="2" charset="2"/>
-        <a:buChar char="§"/>
+        <a:buFont typeface="Arial" panose="020B0604020202020204" pitchFamily="34" charset="0"/>
+        <a:buChar char="•"/>
+        <a:defRPr sz="2800" kern="1200">
+          <a:solidFill>
+            <a:schemeClr val="tx1"/>
+          </a:solidFill>
+          <a:latin typeface="+mn-lt"/>
+          <a:ea typeface="+mn-ea"/>
+          <a:cs typeface="+mn-cs"/>
+        </a:defRPr>
+      </a:lvl1pPr>
+      <a:lvl2pPr marL="685800" indent="-228600" algn="l" defTabSz="914400" rtl="0" eaLnBrk="1" latinLnBrk="0" hangingPunct="1">
+        <a:lnSpc>
+          <a:spcPct val="90000"/>
+        </a:lnSpc>
+        <a:spcBef>
+          <a:spcPts val="500"/>
+        </a:spcBef>
+        <a:buFont typeface="Arial" panose="020B0604020202020204" pitchFamily="34" charset="0"/>
+        <a:buChar char="•"/>
+        <a:defRPr sz="2400" kern="1200">
+          <a:solidFill>
+            <a:schemeClr val="tx1"/>
+          </a:solidFill>
+          <a:latin typeface="+mn-lt"/>
+          <a:ea typeface="+mn-ea"/>
+          <a:cs typeface="+mn-cs"/>
+        </a:defRPr>
+      </a:lvl2pPr>
+      <a:lvl3pPr marL="1143000" indent="-228600" algn="l" defTabSz="914400" rtl="0" eaLnBrk="1" latinLnBrk="0" hangingPunct="1">
+        <a:lnSpc>
+          <a:spcPct val="90000"/>
+        </a:lnSpc>
+        <a:spcBef>
+          <a:spcPts val="500"/>
+        </a:spcBef>
+        <a:buFont typeface="Arial" panose="020B0604020202020204" pitchFamily="34" charset="0"/>
+        <a:buChar char="•"/>
         <a:defRPr sz="2000" kern="1200">
           <a:solidFill>
             <a:schemeClr val="tx1"/>
@@ -3706,25 +3118,16 @@
           <a:ea typeface="+mn-ea"/>
           <a:cs typeface="+mn-cs"/>
         </a:defRPr>
-      </a:lvl1pPr>
-      <a:lvl2pPr marL="457200" indent="-182880" algn="l" defTabSz="914400" rtl="0" eaLnBrk="1" latinLnBrk="0" hangingPunct="1">
+      </a:lvl3pPr>
+      <a:lvl4pPr marL="1600200" indent="-228600" algn="l" defTabSz="914400" rtl="0" eaLnBrk="1" latinLnBrk="0" hangingPunct="1">
         <a:lnSpc>
           <a:spcPct val="90000"/>
         </a:lnSpc>
         <a:spcBef>
-          <a:spcPts val="400"/>
+          <a:spcPts val="500"/>
         </a:spcBef>
-        <a:spcAft>
-          <a:spcPts val="200"/>
-        </a:spcAft>
-        <a:buClr>
-          <a:schemeClr val="accent1">
-            <a:lumMod val="75000"/>
-          </a:schemeClr>
-        </a:buClr>
-        <a:buSzPct val="85000"/>
-        <a:buFont typeface="Wingdings" pitchFamily="2" charset="2"/>
-        <a:buChar char="§"/>
+        <a:buFont typeface="Arial" panose="020B0604020202020204" pitchFamily="34" charset="0"/>
+        <a:buChar char="•"/>
         <a:defRPr sz="1800" kern="1200">
           <a:solidFill>
             <a:schemeClr val="tx1"/>
@@ -3733,80 +3136,17 @@
           <a:ea typeface="+mn-ea"/>
           <a:cs typeface="+mn-cs"/>
         </a:defRPr>
-      </a:lvl2pPr>
-      <a:lvl3pPr marL="731520" indent="-182880" algn="l" defTabSz="914400" rtl="0" eaLnBrk="1" latinLnBrk="0" hangingPunct="1">
+      </a:lvl4pPr>
+      <a:lvl5pPr marL="2057400" indent="-228600" algn="l" defTabSz="914400" rtl="0" eaLnBrk="1" latinLnBrk="0" hangingPunct="1">
         <a:lnSpc>
           <a:spcPct val="90000"/>
         </a:lnSpc>
         <a:spcBef>
-          <a:spcPts val="400"/>
+          <a:spcPts val="500"/>
         </a:spcBef>
-        <a:spcAft>
-          <a:spcPts val="200"/>
-        </a:spcAft>
-        <a:buClr>
-          <a:schemeClr val="accent1">
-            <a:lumMod val="75000"/>
-          </a:schemeClr>
-        </a:buClr>
-        <a:buSzPct val="85000"/>
-        <a:buFont typeface="Wingdings" pitchFamily="2" charset="2"/>
-        <a:buChar char="§"/>
-        <a:defRPr sz="1600" kern="1200">
-          <a:solidFill>
-            <a:schemeClr val="tx1"/>
-          </a:solidFill>
-          <a:latin typeface="+mn-lt"/>
-          <a:ea typeface="+mn-ea"/>
-          <a:cs typeface="+mn-cs"/>
-        </a:defRPr>
-      </a:lvl3pPr>
-      <a:lvl4pPr marL="1005840" indent="-182880" algn="l" defTabSz="914400" rtl="0" eaLnBrk="1" latinLnBrk="0" hangingPunct="1">
-        <a:lnSpc>
-          <a:spcPct val="90000"/>
-        </a:lnSpc>
-        <a:spcBef>
-          <a:spcPts val="400"/>
-        </a:spcBef>
-        <a:spcAft>
-          <a:spcPts val="200"/>
-        </a:spcAft>
-        <a:buClr>
-          <a:schemeClr val="accent1">
-            <a:lumMod val="75000"/>
-          </a:schemeClr>
-        </a:buClr>
-        <a:buSzPct val="85000"/>
-        <a:buFont typeface="Wingdings" pitchFamily="2" charset="2"/>
-        <a:buChar char="§"/>
-        <a:defRPr sz="1600" kern="1200">
-          <a:solidFill>
-            <a:schemeClr val="tx1"/>
-          </a:solidFill>
-          <a:latin typeface="+mn-lt"/>
-          <a:ea typeface="+mn-ea"/>
-          <a:cs typeface="+mn-cs"/>
-        </a:defRPr>
-      </a:lvl4pPr>
-      <a:lvl5pPr marL="1280160" indent="-182880" algn="l" defTabSz="914400" rtl="0" eaLnBrk="1" latinLnBrk="0" hangingPunct="1">
-        <a:lnSpc>
-          <a:spcPct val="90000"/>
-        </a:lnSpc>
-        <a:spcBef>
-          <a:spcPts val="400"/>
-        </a:spcBef>
-        <a:spcAft>
-          <a:spcPts val="200"/>
-        </a:spcAft>
-        <a:buClr>
-          <a:schemeClr val="accent1">
-            <a:lumMod val="75000"/>
-          </a:schemeClr>
-        </a:buClr>
-        <a:buSzPct val="85000"/>
-        <a:buFont typeface="Wingdings" pitchFamily="2" charset="2"/>
-        <a:buChar char="§"/>
-        <a:defRPr sz="1600" kern="1200">
+        <a:buFont typeface="Arial" panose="020B0604020202020204" pitchFamily="34" charset="0"/>
+        <a:buChar char="•"/>
+        <a:defRPr sz="1800" kern="1200">
           <a:solidFill>
             <a:schemeClr val="tx1"/>
           </a:solidFill>
@@ -3815,25 +3155,16 @@
           <a:cs typeface="+mn-cs"/>
         </a:defRPr>
       </a:lvl5pPr>
-      <a:lvl6pPr marL="1600000" indent="-228600" algn="l" defTabSz="914400" rtl="0" eaLnBrk="1" latinLnBrk="0" hangingPunct="1">
+      <a:lvl6pPr marL="2514600" indent="-228600" algn="l" defTabSz="914400" rtl="0" eaLnBrk="1" latinLnBrk="0" hangingPunct="1">
         <a:lnSpc>
           <a:spcPct val="90000"/>
         </a:lnSpc>
         <a:spcBef>
-          <a:spcPts val="400"/>
+          <a:spcPts val="500"/>
         </a:spcBef>
-        <a:spcAft>
-          <a:spcPts val="200"/>
-        </a:spcAft>
-        <a:buClr>
-          <a:schemeClr val="accent1">
-            <a:lumMod val="75000"/>
-          </a:schemeClr>
-        </a:buClr>
-        <a:buSzPct val="85000"/>
-        <a:buFont typeface="Wingdings" pitchFamily="2" charset="2"/>
-        <a:buChar char="§"/>
-        <a:defRPr sz="1600" kern="1200">
+        <a:buFont typeface="Arial" panose="020B0604020202020204" pitchFamily="34" charset="0"/>
+        <a:buChar char="•"/>
+        <a:defRPr sz="1800" kern="1200">
           <a:solidFill>
             <a:schemeClr val="tx1"/>
           </a:solidFill>
@@ -3842,25 +3173,16 @@
           <a:cs typeface="+mn-cs"/>
         </a:defRPr>
       </a:lvl6pPr>
-      <a:lvl7pPr marL="1900000" indent="-228600" algn="l" defTabSz="914400" rtl="0" eaLnBrk="1" latinLnBrk="0" hangingPunct="1">
+      <a:lvl7pPr marL="2971800" indent="-228600" algn="l" defTabSz="914400" rtl="0" eaLnBrk="1" latinLnBrk="0" hangingPunct="1">
         <a:lnSpc>
           <a:spcPct val="90000"/>
         </a:lnSpc>
         <a:spcBef>
-          <a:spcPts val="400"/>
+          <a:spcPts val="500"/>
         </a:spcBef>
-        <a:spcAft>
-          <a:spcPts val="200"/>
-        </a:spcAft>
-        <a:buClr>
-          <a:schemeClr val="accent1">
-            <a:lumMod val="75000"/>
-          </a:schemeClr>
-        </a:buClr>
-        <a:buSzPct val="85000"/>
-        <a:buFont typeface="Wingdings" pitchFamily="2" charset="2"/>
-        <a:buChar char="§"/>
-        <a:defRPr sz="1600" kern="1200">
+        <a:buFont typeface="Arial" panose="020B0604020202020204" pitchFamily="34" charset="0"/>
+        <a:buChar char="•"/>
+        <a:defRPr sz="1800" kern="1200">
           <a:solidFill>
             <a:schemeClr val="tx1"/>
           </a:solidFill>
@@ -3869,25 +3191,16 @@
           <a:cs typeface="+mn-cs"/>
         </a:defRPr>
       </a:lvl7pPr>
-      <a:lvl8pPr marL="2200000" indent="-228600" algn="l" defTabSz="914400" rtl="0" eaLnBrk="1" latinLnBrk="0" hangingPunct="1">
+      <a:lvl8pPr marL="3429000" indent="-228600" algn="l" defTabSz="914400" rtl="0" eaLnBrk="1" latinLnBrk="0" hangingPunct="1">
         <a:lnSpc>
           <a:spcPct val="90000"/>
         </a:lnSpc>
         <a:spcBef>
-          <a:spcPts val="400"/>
+          <a:spcPts val="500"/>
         </a:spcBef>
-        <a:spcAft>
-          <a:spcPts val="200"/>
-        </a:spcAft>
-        <a:buClr>
-          <a:schemeClr val="accent1">
-            <a:lumMod val="75000"/>
-          </a:schemeClr>
-        </a:buClr>
-        <a:buSzPct val="85000"/>
-        <a:buFont typeface="Wingdings" pitchFamily="2" charset="2"/>
-        <a:buChar char="§"/>
-        <a:defRPr sz="1600" kern="1200">
+        <a:buFont typeface="Arial" panose="020B0604020202020204" pitchFamily="34" charset="0"/>
+        <a:buChar char="•"/>
+        <a:defRPr sz="1800" kern="1200">
           <a:solidFill>
             <a:schemeClr val="tx1"/>
           </a:solidFill>
@@ -3896,25 +3209,16 @@
           <a:cs typeface="+mn-cs"/>
         </a:defRPr>
       </a:lvl8pPr>
-      <a:lvl9pPr marL="2500000" indent="-228600" algn="l" defTabSz="914400" rtl="0" eaLnBrk="1" latinLnBrk="0" hangingPunct="1">
+      <a:lvl9pPr marL="3886200" indent="-228600" algn="l" defTabSz="914400" rtl="0" eaLnBrk="1" latinLnBrk="0" hangingPunct="1">
         <a:lnSpc>
           <a:spcPct val="90000"/>
         </a:lnSpc>
         <a:spcBef>
-          <a:spcPts val="400"/>
+          <a:spcPts val="500"/>
         </a:spcBef>
-        <a:spcAft>
-          <a:spcPts val="200"/>
-        </a:spcAft>
-        <a:buClr>
-          <a:schemeClr val="accent1">
-            <a:lumMod val="75000"/>
-          </a:schemeClr>
-        </a:buClr>
-        <a:buSzPct val="85000"/>
-        <a:buFont typeface="Wingdings" pitchFamily="2" charset="2"/>
-        <a:buChar char="§"/>
-        <a:defRPr sz="1600" kern="1200">
+        <a:buFont typeface="Arial" panose="020B0604020202020204" pitchFamily="34" charset="0"/>
+        <a:buChar char="•"/>
+        <a:defRPr sz="1800" kern="1200">
           <a:solidFill>
             <a:schemeClr val="tx1"/>
           </a:solidFill>
@@ -6491,9 +5795,9 @@
 </file>
 
 <file path=ppt/theme/theme1.xml><?xml version="1.0" encoding="utf-8"?>
-<a:theme xmlns:a="http://schemas.openxmlformats.org/drawingml/2006/main" name="Wood Type">
+<a:theme xmlns:a="http://schemas.openxmlformats.org/drawingml/2006/main" name="Office Theme">
   <a:themeElements>
-    <a:clrScheme name="Wood Type">
+    <a:clrScheme name="Office">
       <a:dk1>
         <a:sysClr val="windowText" lastClr="000000"/>
       </a:dk1>
@@ -6501,86 +5805,48 @@
         <a:sysClr val="window" lastClr="FFFFFF"/>
       </a:lt1>
       <a:dk2>
-        <a:srgbClr val="696464"/>
+        <a:srgbClr val="44546A"/>
       </a:dk2>
       <a:lt2>
-        <a:srgbClr val="E9E5DC"/>
+        <a:srgbClr val="E7E6E6"/>
       </a:lt2>
       <a:accent1>
-        <a:srgbClr val="D34817"/>
+        <a:srgbClr val="4472C4"/>
       </a:accent1>
       <a:accent2>
-        <a:srgbClr val="9B2D1F"/>
+        <a:srgbClr val="ED7D31"/>
       </a:accent2>
       <a:accent3>
-        <a:srgbClr val="A28E6A"/>
+        <a:srgbClr val="A5A5A5"/>
       </a:accent3>
       <a:accent4>
-        <a:srgbClr val="956251"/>
+        <a:srgbClr val="FFC000"/>
       </a:accent4>
       <a:accent5>
-        <a:srgbClr val="918485"/>
+        <a:srgbClr val="5B9BD5"/>
       </a:accent5>
       <a:accent6>
-        <a:srgbClr val="855D5D"/>
+        <a:srgbClr val="70AD47"/>
       </a:accent6>
       <a:hlink>
-        <a:srgbClr val="CC9900"/>
+        <a:srgbClr val="0563C1"/>
       </a:hlink>
       <a:folHlink>
-        <a:srgbClr val="96A9A9"/>
+        <a:srgbClr val="954F72"/>
       </a:folHlink>
     </a:clrScheme>
-    <a:fontScheme name="Wood Type">
+    <a:fontScheme name="Office">
       <a:majorFont>
-        <a:latin typeface="Rockwell Condensed" panose="02060603050405020104"/>
+        <a:latin typeface="Calibri Light" panose="020F0302020204030204"/>
         <a:ea typeface=""/>
         <a:cs typeface=""/>
-        <a:font script="Grek" typeface="Cambria"/>
-        <a:font script="Cyrl" typeface="Cambria"/>
-        <a:font script="Jpan" typeface="HG明朝B"/>
-        <a:font script="Hang" typeface="바탕"/>
-        <a:font script="Hans" typeface="方正姚体"/>
-        <a:font script="Hant" typeface="微軟正黑體"/>
+        <a:font script="Jpan" typeface="游ゴシック Light"/>
+        <a:font script="Hang" typeface="맑은 고딕"/>
+        <a:font script="Hans" typeface="等线 Light"/>
+        <a:font script="Hant" typeface="新細明體"/>
         <a:font script="Arab" typeface="Times New Roman"/>
-        <a:font script="Hebr" typeface="David"/>
-        <a:font script="Thai" typeface="JasmineUPC"/>
-        <a:font script="Ethi" typeface="Nyala"/>
-        <a:font script="Beng" typeface="Vrinda"/>
-        <a:font script="Gujr" typeface="Shruti"/>
-        <a:font script="Khmr" typeface="MoolBoran"/>
-        <a:font script="Knda" typeface="Tunga"/>
-        <a:font script="Guru" typeface="Raavi"/>
-        <a:font script="Cans" typeface="Euphemia"/>
-        <a:font script="Cher" typeface="Plantagenet Cherokee"/>
-        <a:font script="Yiii" typeface="Microsoft Yi Baiti"/>
-        <a:font script="Tibt" typeface="Microsoft Himalaya"/>
-        <a:font script="Thaa" typeface="MV Boli"/>
-        <a:font script="Deva" typeface="Mangal"/>
-        <a:font script="Telu" typeface="Gautami"/>
-        <a:font script="Taml" typeface="Latha"/>
-        <a:font script="Syrc" typeface="Estrangelo Edessa"/>
-        <a:font script="Orya" typeface="Kalinga"/>
-        <a:font script="Mlym" typeface="Kartika"/>
-        <a:font script="Laoo" typeface="DokChampa"/>
-        <a:font script="Sinh" typeface="Iskoola Pota"/>
-        <a:font script="Mong" typeface="Mongolian Baiti"/>
-        <a:font script="Viet" typeface="Arial"/>
-        <a:font script="Uigh" typeface="Microsoft Uighur"/>
-      </a:majorFont>
-      <a:minorFont>
-        <a:latin typeface="Rockwell" panose="02060603020205020403"/>
-        <a:ea typeface=""/>
-        <a:cs typeface=""/>
-        <a:font script="Grek" typeface="Cambria"/>
-        <a:font script="Cyrl" typeface="Cambria"/>
-        <a:font script="Jpan" typeface="HG明朝B"/>
-        <a:font script="Hang" typeface="바탕"/>
-        <a:font script="Hans" typeface="方正姚体"/>
-        <a:font script="Hant" typeface="標楷體"/>
-        <a:font script="Arab" typeface="Times New Roman"/>
-        <a:font script="Hebr" typeface="David"/>
-        <a:font script="Thai" typeface="JasmineUPC"/>
+        <a:font script="Hebr" typeface="Times New Roman"/>
+        <a:font script="Thai" typeface="Angsana New"/>
         <a:font script="Ethi" typeface="Nyala"/>
         <a:font script="Beng" typeface="Vrinda"/>
         <a:font script="Gujr" typeface="Shruti"/>
@@ -6603,42 +5869,135 @@
         <a:font script="Mong" typeface="Mongolian Baiti"/>
         <a:font script="Viet" typeface="Times New Roman"/>
         <a:font script="Uigh" typeface="Microsoft Uighur"/>
+        <a:font script="Geor" typeface="Sylfaen"/>
+        <a:font script="Armn" typeface="Arial"/>
+        <a:font script="Bugi" typeface="Leelawadee UI"/>
+        <a:font script="Bopo" typeface="Microsoft JhengHei"/>
+        <a:font script="Java" typeface="Javanese Text"/>
+        <a:font script="Lisu" typeface="Segoe UI"/>
+        <a:font script="Mymr" typeface="Myanmar Text"/>
+        <a:font script="Nkoo" typeface="Ebrima"/>
+        <a:font script="Olck" typeface="Nirmala UI"/>
+        <a:font script="Osma" typeface="Ebrima"/>
+        <a:font script="Phag" typeface="Phagspa"/>
+        <a:font script="Syrn" typeface="Estrangelo Edessa"/>
+        <a:font script="Syrj" typeface="Estrangelo Edessa"/>
+        <a:font script="Syre" typeface="Estrangelo Edessa"/>
+        <a:font script="Sora" typeface="Nirmala UI"/>
+        <a:font script="Tale" typeface="Microsoft Tai Le"/>
+        <a:font script="Talu" typeface="Microsoft New Tai Lue"/>
+        <a:font script="Tfng" typeface="Ebrima"/>
+      </a:majorFont>
+      <a:minorFont>
+        <a:latin typeface="Calibri" panose="020F0502020204030204"/>
+        <a:ea typeface=""/>
+        <a:cs typeface=""/>
+        <a:font script="Jpan" typeface="游ゴシック"/>
+        <a:font script="Hang" typeface="맑은 고딕"/>
+        <a:font script="Hans" typeface="等线"/>
+        <a:font script="Hant" typeface="新細明體"/>
+        <a:font script="Arab" typeface="Arial"/>
+        <a:font script="Hebr" typeface="Arial"/>
+        <a:font script="Thai" typeface="Cordia New"/>
+        <a:font script="Ethi" typeface="Nyala"/>
+        <a:font script="Beng" typeface="Vrinda"/>
+        <a:font script="Gujr" typeface="Shruti"/>
+        <a:font script="Khmr" typeface="DaunPenh"/>
+        <a:font script="Knda" typeface="Tunga"/>
+        <a:font script="Guru" typeface="Raavi"/>
+        <a:font script="Cans" typeface="Euphemia"/>
+        <a:font script="Cher" typeface="Plantagenet Cherokee"/>
+        <a:font script="Yiii" typeface="Microsoft Yi Baiti"/>
+        <a:font script="Tibt" typeface="Microsoft Himalaya"/>
+        <a:font script="Thaa" typeface="MV Boli"/>
+        <a:font script="Deva" typeface="Mangal"/>
+        <a:font script="Telu" typeface="Gautami"/>
+        <a:font script="Taml" typeface="Latha"/>
+        <a:font script="Syrc" typeface="Estrangelo Edessa"/>
+        <a:font script="Orya" typeface="Kalinga"/>
+        <a:font script="Mlym" typeface="Kartika"/>
+        <a:font script="Laoo" typeface="DokChampa"/>
+        <a:font script="Sinh" typeface="Iskoola Pota"/>
+        <a:font script="Mong" typeface="Mongolian Baiti"/>
+        <a:font script="Viet" typeface="Arial"/>
+        <a:font script="Uigh" typeface="Microsoft Uighur"/>
+        <a:font script="Geor" typeface="Sylfaen"/>
+        <a:font script="Armn" typeface="Arial"/>
+        <a:font script="Bugi" typeface="Leelawadee UI"/>
+        <a:font script="Bopo" typeface="Microsoft JhengHei"/>
+        <a:font script="Java" typeface="Javanese Text"/>
+        <a:font script="Lisu" typeface="Segoe UI"/>
+        <a:font script="Mymr" typeface="Myanmar Text"/>
+        <a:font script="Nkoo" typeface="Ebrima"/>
+        <a:font script="Olck" typeface="Nirmala UI"/>
+        <a:font script="Osma" typeface="Ebrima"/>
+        <a:font script="Phag" typeface="Phagspa"/>
+        <a:font script="Syrn" typeface="Estrangelo Edessa"/>
+        <a:font script="Syrj" typeface="Estrangelo Edessa"/>
+        <a:font script="Syre" typeface="Estrangelo Edessa"/>
+        <a:font script="Sora" typeface="Nirmala UI"/>
+        <a:font script="Tale" typeface="Microsoft Tai Le"/>
+        <a:font script="Talu" typeface="Microsoft New Tai Lue"/>
+        <a:font script="Tfng" typeface="Ebrima"/>
       </a:minorFont>
     </a:fontScheme>
-    <a:fmtScheme name="Wood Type">
+    <a:fmtScheme name="Office">
       <a:fillStyleLst>
         <a:solidFill>
           <a:schemeClr val="phClr"/>
         </a:solidFill>
-        <a:blipFill rotWithShape="1">
-          <a:blip xmlns:r="http://schemas.openxmlformats.org/officeDocument/2006/relationships" r:embed="rId1">
-            <a:duotone>
+        <a:gradFill rotWithShape="1">
+          <a:gsLst>
+            <a:gs pos="0">
               <a:schemeClr val="phClr">
-                <a:tint val="70000"/>
-                <a:shade val="63000"/>
+                <a:lumMod val="110000"/>
+                <a:satMod val="105000"/>
+                <a:tint val="67000"/>
               </a:schemeClr>
+            </a:gs>
+            <a:gs pos="50000">
               <a:schemeClr val="phClr">
-                <a:tint val="10000"/>
-                <a:satMod val="150000"/>
+                <a:lumMod val="105000"/>
+                <a:satMod val="103000"/>
+                <a:tint val="73000"/>
               </a:schemeClr>
-            </a:duotone>
-          </a:blip>
-          <a:tile tx="0" ty="0" sx="60000" sy="59000" flip="none" algn="tl"/>
-        </a:blipFill>
-        <a:blipFill rotWithShape="1">
-          <a:blip xmlns:r="http://schemas.openxmlformats.org/officeDocument/2006/relationships" r:embed="rId1">
-            <a:duotone>
+            </a:gs>
+            <a:gs pos="100000">
               <a:schemeClr val="phClr">
-                <a:shade val="36000"/>
+                <a:lumMod val="105000"/>
+                <a:satMod val="109000"/>
+                <a:tint val="81000"/>
+              </a:schemeClr>
+            </a:gs>
+          </a:gsLst>
+          <a:lin ang="5400000" scaled="0"/>
+        </a:gradFill>
+        <a:gradFill rotWithShape="1">
+          <a:gsLst>
+            <a:gs pos="0">
+              <a:schemeClr val="phClr">
+                <a:satMod val="103000"/>
+                <a:lumMod val="102000"/>
+                <a:tint val="94000"/>
+              </a:schemeClr>
+            </a:gs>
+            <a:gs pos="50000">
+              <a:schemeClr val="phClr">
+                <a:satMod val="110000"/>
+                <a:lumMod val="100000"/>
+                <a:shade val="100000"/>
+              </a:schemeClr>
+            </a:gs>
+            <a:gs pos="100000">
+              <a:schemeClr val="phClr">
+                <a:lumMod val="99000"/>
                 <a:satMod val="120000"/>
+                <a:shade val="78000"/>
               </a:schemeClr>
-              <a:schemeClr val="phClr">
-                <a:tint val="40000"/>
-              </a:schemeClr>
-            </a:duotone>
-          </a:blip>
-          <a:tile tx="0" ty="0" sx="60000" sy="59000" flip="none" algn="tl"/>
-        </a:blipFill>
+            </a:gs>
+          </a:gsLst>
+          <a:lin ang="5400000" scaled="0"/>
+        </a:gradFill>
       </a:fillStyleLst>
       <a:lnStyleLst>
         <a:ln w="6350" cap="flat" cmpd="sng" algn="ctr">
@@ -6646,18 +6005,21 @@
             <a:schemeClr val="phClr"/>
           </a:solidFill>
           <a:prstDash val="solid"/>
+          <a:miter lim="800000"/>
         </a:ln>
         <a:ln w="12700" cap="flat" cmpd="sng" algn="ctr">
           <a:solidFill>
             <a:schemeClr val="phClr"/>
           </a:solidFill>
           <a:prstDash val="solid"/>
+          <a:miter lim="800000"/>
         </a:ln>
         <a:ln w="19050" cap="flat" cmpd="sng" algn="ctr">
           <a:solidFill>
             <a:schemeClr val="phClr"/>
           </a:solidFill>
           <a:prstDash val="solid"/>
+          <a:miter lim="800000"/>
         </a:ln>
       </a:lnStyleLst>
       <a:effectStyleLst>
@@ -6665,18 +6027,15 @@
           <a:effectLst/>
         </a:effectStyle>
         <a:effectStyle>
-          <a:effectLst>
-            <a:softEdge rad="12700"/>
-          </a:effectLst>
+          <a:effectLst/>
         </a:effectStyle>
         <a:effectStyle>
           <a:effectLst>
-            <a:outerShdw blurRad="50800" dist="19050" dir="5400000" algn="tl" rotWithShape="0">
+            <a:outerShdw blurRad="57150" dist="19050" dir="5400000" algn="ctr" rotWithShape="0">
               <a:srgbClr val="000000">
-                <a:alpha val="60000"/>
+                <a:alpha val="63000"/>
               </a:srgbClr>
             </a:outerShdw>
-            <a:softEdge rad="12700"/>
           </a:effectLst>
         </a:effectStyle>
       </a:effectStyleLst>
@@ -6686,26 +6045,37 @@
         </a:solidFill>
         <a:solidFill>
           <a:schemeClr val="phClr">
-            <a:shade val="97000"/>
-            <a:satMod val="150000"/>
+            <a:tint val="95000"/>
+            <a:satMod val="170000"/>
           </a:schemeClr>
         </a:solidFill>
-        <a:blipFill rotWithShape="1">
-          <a:blip xmlns:r="http://schemas.openxmlformats.org/officeDocument/2006/relationships" r:embed="rId1">
-            <a:duotone>
+        <a:gradFill rotWithShape="1">
+          <a:gsLst>
+            <a:gs pos="0">
               <a:schemeClr val="phClr">
-                <a:tint val="75000"/>
-                <a:shade val="58000"/>
+                <a:tint val="93000"/>
+                <a:satMod val="150000"/>
+                <a:shade val="98000"/>
+                <a:lumMod val="102000"/>
+              </a:schemeClr>
+            </a:gs>
+            <a:gs pos="50000">
+              <a:schemeClr val="phClr">
+                <a:tint val="98000"/>
+                <a:satMod val="130000"/>
+                <a:shade val="90000"/>
+                <a:lumMod val="103000"/>
+              </a:schemeClr>
+            </a:gs>
+            <a:gs pos="100000">
+              <a:schemeClr val="phClr">
+                <a:shade val="63000"/>
                 <a:satMod val="120000"/>
               </a:schemeClr>
-              <a:schemeClr val="phClr">
-                <a:tint val="50000"/>
-                <a:shade val="96000"/>
-              </a:schemeClr>
-            </a:duotone>
-          </a:blip>
-          <a:tile tx="0" ty="0" sx="100000" sy="100000" flip="none" algn="tl"/>
-        </a:blipFill>
+            </a:gs>
+          </a:gsLst>
+          <a:lin ang="5400000" scaled="0"/>
+        </a:gradFill>
       </a:bgFillStyleLst>
     </a:fmtScheme>
   </a:themeElements>
@@ -6713,7 +6083,7 @@
   <a:extraClrSchemeLst/>
   <a:extLst>
     <a:ext uri="{05A4C25C-085E-4340-85A3-A5531E510DB2}">
-      <thm15:themeFamily xmlns:thm15="http://schemas.microsoft.com/office/thememl/2012/main" name="Wood Type" id="{7ACABC62-BF99-48CF-A9DC-4DB89C7B13DC}" vid="{142A1326-48AB-42A9-8428-CB14AA30176D}"/>
+      <thm15:themeFamily xmlns:thm15="http://schemas.microsoft.com/office/thememl/2012/main" name="Office Theme" id="{62F939B6-93AF-4DB8-9C6B-D6C7DFDC589F}" vid="{4A3C46E8-61CC-4603-A589-7422A47A8E4A}"/>
     </a:ext>
   </a:extLst>
 </a:theme>

--- a/slides/Module 2 - Variables, Operators, and Assignment.pptx
+++ b/slides/Module 2 - Variables, Operators, and Assignment.pptx
@@ -7,23 +7,35 @@
   <p:sldIdLst>
     <p:sldId id="256" r:id="rId2"/>
     <p:sldId id="257" r:id="rId3"/>
-    <p:sldId id="258" r:id="rId4"/>
-    <p:sldId id="259" r:id="rId5"/>
-    <p:sldId id="260" r:id="rId6"/>
-    <p:sldId id="263" r:id="rId7"/>
-    <p:sldId id="264" r:id="rId8"/>
-    <p:sldId id="267" r:id="rId9"/>
-    <p:sldId id="265" r:id="rId10"/>
-    <p:sldId id="261" r:id="rId11"/>
-    <p:sldId id="262" r:id="rId12"/>
-    <p:sldId id="266" r:id="rId13"/>
-    <p:sldId id="268" r:id="rId14"/>
-    <p:sldId id="269" r:id="rId15"/>
-    <p:sldId id="270" r:id="rId16"/>
-    <p:sldId id="271" r:id="rId17"/>
-    <p:sldId id="272" r:id="rId18"/>
-    <p:sldId id="273" r:id="rId19"/>
-    <p:sldId id="274" r:id="rId20"/>
+    <p:sldId id="275" r:id="rId4"/>
+    <p:sldId id="258" r:id="rId5"/>
+    <p:sldId id="259" r:id="rId6"/>
+    <p:sldId id="276" r:id="rId7"/>
+    <p:sldId id="260" r:id="rId8"/>
+    <p:sldId id="277" r:id="rId9"/>
+    <p:sldId id="263" r:id="rId10"/>
+    <p:sldId id="278" r:id="rId11"/>
+    <p:sldId id="264" r:id="rId12"/>
+    <p:sldId id="279" r:id="rId13"/>
+    <p:sldId id="267" r:id="rId14"/>
+    <p:sldId id="280" r:id="rId15"/>
+    <p:sldId id="265" r:id="rId16"/>
+    <p:sldId id="281" r:id="rId17"/>
+    <p:sldId id="282" r:id="rId18"/>
+    <p:sldId id="261" r:id="rId19"/>
+    <p:sldId id="262" r:id="rId20"/>
+    <p:sldId id="266" r:id="rId21"/>
+    <p:sldId id="283" r:id="rId22"/>
+    <p:sldId id="284" r:id="rId23"/>
+    <p:sldId id="268" r:id="rId24"/>
+    <p:sldId id="285" r:id="rId25"/>
+    <p:sldId id="269" r:id="rId26"/>
+    <p:sldId id="270" r:id="rId27"/>
+    <p:sldId id="271" r:id="rId28"/>
+    <p:sldId id="272" r:id="rId29"/>
+    <p:sldId id="273" r:id="rId30"/>
+    <p:sldId id="286" r:id="rId31"/>
+    <p:sldId id="274" r:id="rId32"/>
   </p:sldIdLst>
   <p:sldSz cx="12192000" cy="6858000"/>
   <p:notesSz cx="6858000" cy="9144000"/>
@@ -277,7 +289,7 @@
           <a:p>
             <a:fld id="{0E8CBC1A-DE79-4C0D-AFEE-07A9E8677B20}" type="datetimeFigureOut">
               <a:rPr lang="en-US" smtClean="0"/>
-              <a:t>8/1/2023</a:t>
+              <a:t>8/2/2023</a:t>
             </a:fld>
             <a:endParaRPr lang="en-US"/>
           </a:p>
@@ -475,7 +487,7 @@
           <a:p>
             <a:fld id="{0E8CBC1A-DE79-4C0D-AFEE-07A9E8677B20}" type="datetimeFigureOut">
               <a:rPr lang="en-US" smtClean="0"/>
-              <a:t>8/1/2023</a:t>
+              <a:t>8/2/2023</a:t>
             </a:fld>
             <a:endParaRPr lang="en-US"/>
           </a:p>
@@ -683,7 +695,7 @@
           <a:p>
             <a:fld id="{0E8CBC1A-DE79-4C0D-AFEE-07A9E8677B20}" type="datetimeFigureOut">
               <a:rPr lang="en-US" smtClean="0"/>
-              <a:t>8/1/2023</a:t>
+              <a:t>8/2/2023</a:t>
             </a:fld>
             <a:endParaRPr lang="en-US"/>
           </a:p>
@@ -881,7 +893,7 @@
           <a:p>
             <a:fld id="{0E8CBC1A-DE79-4C0D-AFEE-07A9E8677B20}" type="datetimeFigureOut">
               <a:rPr lang="en-US" smtClean="0"/>
-              <a:t>8/1/2023</a:t>
+              <a:t>8/2/2023</a:t>
             </a:fld>
             <a:endParaRPr lang="en-US"/>
           </a:p>
@@ -1156,7 +1168,7 @@
           <a:p>
             <a:fld id="{0E8CBC1A-DE79-4C0D-AFEE-07A9E8677B20}" type="datetimeFigureOut">
               <a:rPr lang="en-US" smtClean="0"/>
-              <a:t>8/1/2023</a:t>
+              <a:t>8/2/2023</a:t>
             </a:fld>
             <a:endParaRPr lang="en-US"/>
           </a:p>
@@ -1421,7 +1433,7 @@
           <a:p>
             <a:fld id="{0E8CBC1A-DE79-4C0D-AFEE-07A9E8677B20}" type="datetimeFigureOut">
               <a:rPr lang="en-US" smtClean="0"/>
-              <a:t>8/1/2023</a:t>
+              <a:t>8/2/2023</a:t>
             </a:fld>
             <a:endParaRPr lang="en-US"/>
           </a:p>
@@ -1833,7 +1845,7 @@
           <a:p>
             <a:fld id="{0E8CBC1A-DE79-4C0D-AFEE-07A9E8677B20}" type="datetimeFigureOut">
               <a:rPr lang="en-US" smtClean="0"/>
-              <a:t>8/1/2023</a:t>
+              <a:t>8/2/2023</a:t>
             </a:fld>
             <a:endParaRPr lang="en-US"/>
           </a:p>
@@ -1974,7 +1986,7 @@
           <a:p>
             <a:fld id="{0E8CBC1A-DE79-4C0D-AFEE-07A9E8677B20}" type="datetimeFigureOut">
               <a:rPr lang="en-US" smtClean="0"/>
-              <a:t>8/1/2023</a:t>
+              <a:t>8/2/2023</a:t>
             </a:fld>
             <a:endParaRPr lang="en-US"/>
           </a:p>
@@ -2087,7 +2099,7 @@
           <a:p>
             <a:fld id="{0E8CBC1A-DE79-4C0D-AFEE-07A9E8677B20}" type="datetimeFigureOut">
               <a:rPr lang="en-US" smtClean="0"/>
-              <a:t>8/1/2023</a:t>
+              <a:t>8/2/2023</a:t>
             </a:fld>
             <a:endParaRPr lang="en-US"/>
           </a:p>
@@ -2398,7 +2410,7 @@
           <a:p>
             <a:fld id="{0E8CBC1A-DE79-4C0D-AFEE-07A9E8677B20}" type="datetimeFigureOut">
               <a:rPr lang="en-US" smtClean="0"/>
-              <a:t>8/1/2023</a:t>
+              <a:t>8/2/2023</a:t>
             </a:fld>
             <a:endParaRPr lang="en-US"/>
           </a:p>
@@ -2686,7 +2698,7 @@
           <a:p>
             <a:fld id="{0E8CBC1A-DE79-4C0D-AFEE-07A9E8677B20}" type="datetimeFigureOut">
               <a:rPr lang="en-US" smtClean="0"/>
-              <a:t>8/1/2023</a:t>
+              <a:t>8/2/2023</a:t>
             </a:fld>
             <a:endParaRPr lang="en-US"/>
           </a:p>
@@ -2927,7 +2939,7 @@
           <a:p>
             <a:fld id="{0E8CBC1A-DE79-4C0D-AFEE-07A9E8677B20}" type="datetimeFigureOut">
               <a:rPr lang="en-US" smtClean="0"/>
-              <a:t>8/1/2023</a:t>
+              <a:t>8/2/2023</a:t>
             </a:fld>
             <a:endParaRPr lang="en-US"/>
           </a:p>
@@ -3432,10 +3444,10 @@
       </p:grpSpPr>
       <p:sp>
         <p:nvSpPr>
-          <p:cNvPr id="4" name="Title 3">
-            <a:extLst>
-              <a:ext uri="{FF2B5EF4-FFF2-40B4-BE49-F238E27FC236}">
-                <a16:creationId xmlns:a16="http://schemas.microsoft.com/office/drawing/2014/main" id="{D9D397D8-7747-4F35-BDE5-7CF9E3720BF5}"/>
+          <p:cNvPr id="2" name="Title 1">
+            <a:extLst>
+              <a:ext uri="{FF2B5EF4-FFF2-40B4-BE49-F238E27FC236}">
+                <a16:creationId xmlns:a16="http://schemas.microsoft.com/office/drawing/2014/main" id="{C3D75EF5-94DA-4D63-9182-7A3F36E4A201}"/>
               </a:ext>
             </a:extLst>
           </p:cNvPr>
@@ -3453,89 +3465,74 @@
           <a:p>
             <a:r>
               <a:rPr lang="en-US" dirty="0"/>
-              <a:t>JavaScript’s Equals Operators</a:t>
-            </a:r>
-          </a:p>
-        </p:txBody>
-      </p:sp>
-      <p:sp>
-        <p:nvSpPr>
-          <p:cNvPr id="5" name="Content Placeholder 4">
-            <a:extLst>
-              <a:ext uri="{FF2B5EF4-FFF2-40B4-BE49-F238E27FC236}">
-                <a16:creationId xmlns:a16="http://schemas.microsoft.com/office/drawing/2014/main" id="{70194C69-D354-4326-93AD-5B9C0986E0F2}"/>
-              </a:ext>
-            </a:extLst>
-          </p:cNvPr>
-          <p:cNvSpPr>
-            <a:spLocks noGrp="1"/>
-          </p:cNvSpPr>
-          <p:nvPr>
-            <p:ph sz="half" idx="1"/>
-          </p:nvPr>
-        </p:nvSpPr>
-        <p:spPr/>
-        <p:txBody>
-          <a:bodyPr/>
-          <a:lstStyle/>
-          <a:p>
-            <a:pPr marL="0" indent="0" algn="ctr">
-              <a:buNone/>
-            </a:pPr>
-            <a:r>
-              <a:rPr lang="en-US" dirty="0"/>
-              <a:t>=</a:t>
-            </a:r>
-          </a:p>
-          <a:p>
-            <a:r>
-              <a:rPr lang="en-US" dirty="0"/>
-              <a:t>Assigns a value to a variable </a:t>
-            </a:r>
-          </a:p>
-        </p:txBody>
-      </p:sp>
-      <p:sp>
-        <p:nvSpPr>
-          <p:cNvPr id="6" name="Content Placeholder 5">
-            <a:extLst>
-              <a:ext uri="{FF2B5EF4-FFF2-40B4-BE49-F238E27FC236}">
-                <a16:creationId xmlns:a16="http://schemas.microsoft.com/office/drawing/2014/main" id="{1B64D3F8-77F0-41AA-8D38-649C0925C6BC}"/>
-              </a:ext>
-            </a:extLst>
-          </p:cNvPr>
-          <p:cNvSpPr>
-            <a:spLocks noGrp="1"/>
-          </p:cNvSpPr>
-          <p:nvPr>
-            <p:ph sz="half" idx="2"/>
-          </p:nvPr>
-        </p:nvSpPr>
-        <p:spPr/>
-        <p:txBody>
-          <a:bodyPr/>
-          <a:lstStyle/>
-          <a:p>
-            <a:pPr marL="0" indent="0" algn="ctr">
-              <a:buNone/>
-            </a:pPr>
-            <a:r>
-              <a:rPr lang="en-US" dirty="0"/>
-              <a:t>== or ===</a:t>
-            </a:r>
-          </a:p>
-          <a:p>
-            <a:r>
-              <a:rPr lang="en-US" dirty="0"/>
-              <a:t>Compares one value or expression to another value or expression</a:t>
-            </a:r>
+              <a:t>Operators</a:t>
+            </a:r>
+          </a:p>
+        </p:txBody>
+      </p:sp>
+      <p:sp>
+        <p:nvSpPr>
+          <p:cNvPr id="3" name="Content Placeholder 2">
+            <a:extLst>
+              <a:ext uri="{FF2B5EF4-FFF2-40B4-BE49-F238E27FC236}">
+                <a16:creationId xmlns:a16="http://schemas.microsoft.com/office/drawing/2014/main" id="{2A02DF1A-52FB-44AB-9993-868F155B9F69}"/>
+              </a:ext>
+            </a:extLst>
+          </p:cNvPr>
+          <p:cNvSpPr>
+            <a:spLocks noGrp="1"/>
+          </p:cNvSpPr>
+          <p:nvPr>
+            <p:ph idx="1"/>
+          </p:nvPr>
+        </p:nvSpPr>
+        <p:spPr/>
+        <p:txBody>
+          <a:bodyPr/>
+          <a:lstStyle/>
+          <a:p>
+            <a:r>
+              <a:rPr lang="en-US" dirty="0"/>
+              <a:t>**: Used for exponents </a:t>
+            </a:r>
+          </a:p>
+          <a:p>
+            <a:r>
+              <a:rPr lang="en-US" dirty="0"/>
+              <a:t>++: Used to </a:t>
+            </a:r>
+            <a:r>
+              <a:rPr lang="en-US" i="1" dirty="0"/>
+              <a:t>Increment </a:t>
+            </a:r>
+            <a:r>
+              <a:rPr lang="en-US" dirty="0"/>
+              <a:t>(Increase by One)</a:t>
+            </a:r>
+          </a:p>
+          <a:p>
+            <a:r>
+              <a:rPr lang="en-US" dirty="0"/>
+              <a:t>--: Used to </a:t>
+            </a:r>
+            <a:r>
+              <a:rPr lang="en-US" i="1" dirty="0"/>
+              <a:t>Decrement</a:t>
+            </a:r>
+            <a:r>
+              <a:rPr lang="en-US" dirty="0"/>
+              <a:t> (Decrease by One)</a:t>
+            </a:r>
+          </a:p>
+          <a:p>
+            <a:endParaRPr lang="en-US" dirty="0"/>
           </a:p>
         </p:txBody>
       </p:sp>
     </p:spTree>
     <p:extLst>
       <p:ext uri="{BB962C8B-B14F-4D97-AF65-F5344CB8AC3E}">
-        <p14:creationId xmlns:p14="http://schemas.microsoft.com/office/powerpoint/2010/main" val="678027854"/>
+        <p14:creationId xmlns:p14="http://schemas.microsoft.com/office/powerpoint/2010/main" val="3665635368"/>
       </p:ext>
     </p:extLst>
   </p:cSld>
@@ -3567,7 +3564,7 @@
           <p:cNvPr id="2" name="Title 1">
             <a:extLst>
               <a:ext uri="{FF2B5EF4-FFF2-40B4-BE49-F238E27FC236}">
-                <a16:creationId xmlns:a16="http://schemas.microsoft.com/office/drawing/2014/main" id="{859FF2A5-DBD0-49C0-ACB6-7A51D2243C4C}"/>
+                <a16:creationId xmlns:a16="http://schemas.microsoft.com/office/drawing/2014/main" id="{FB392829-285F-4BCF-B306-9E69BE443F55}"/>
               </a:ext>
             </a:extLst>
           </p:cNvPr>
@@ -3585,7 +3582,7 @@
           <a:p>
             <a:r>
               <a:rPr lang="en-US" dirty="0"/>
-              <a:t>JS Comparison Operators</a:t>
+              <a:t>Assignment Operators</a:t>
             </a:r>
           </a:p>
         </p:txBody>
@@ -3595,156 +3592,43 @@
           <p:cNvPr id="3" name="Content Placeholder 2">
             <a:extLst>
               <a:ext uri="{FF2B5EF4-FFF2-40B4-BE49-F238E27FC236}">
-                <a16:creationId xmlns:a16="http://schemas.microsoft.com/office/drawing/2014/main" id="{731DE352-94BC-4805-8C08-886686C3E2A2}"/>
-              </a:ext>
-            </a:extLst>
-          </p:cNvPr>
-          <p:cNvSpPr>
-            <a:spLocks noGrp="1"/>
-          </p:cNvSpPr>
-          <p:nvPr>
-            <p:ph sz="half" idx="1"/>
-          </p:nvPr>
-        </p:nvSpPr>
-        <p:spPr>
-          <a:xfrm>
-            <a:off x="838200" y="1825625"/>
-            <a:ext cx="5181600" cy="3033246"/>
-          </a:xfrm>
-        </p:spPr>
-        <p:txBody>
-          <a:bodyPr/>
-          <a:lstStyle/>
-          <a:p>
-            <a:pPr marL="0" indent="0" algn="ctr">
-              <a:buNone/>
-            </a:pPr>
-            <a:r>
-              <a:rPr lang="en-US" dirty="0"/>
-              <a:t>==</a:t>
-            </a:r>
-          </a:p>
-          <a:p>
-            <a:r>
-              <a:rPr lang="en-US" dirty="0"/>
-              <a:t>Equal to</a:t>
-            </a:r>
-          </a:p>
-          <a:p>
-            <a:r>
-              <a:rPr lang="en-US" dirty="0"/>
-              <a:t>Allows “Truthy” and “</a:t>
-            </a:r>
-            <a:r>
-              <a:rPr lang="en-US" dirty="0" err="1"/>
-              <a:t>Falsey</a:t>
-            </a:r>
-            <a:r>
-              <a:rPr lang="en-US" dirty="0"/>
-              <a:t>” statements</a:t>
-            </a:r>
-          </a:p>
-          <a:p>
-            <a:r>
-              <a:rPr lang="en-US" dirty="0"/>
-              <a:t>“2” == 2 evaluates to True</a:t>
-            </a:r>
-          </a:p>
-        </p:txBody>
-      </p:sp>
-      <p:sp>
-        <p:nvSpPr>
-          <p:cNvPr id="4" name="Content Placeholder 3">
-            <a:extLst>
-              <a:ext uri="{FF2B5EF4-FFF2-40B4-BE49-F238E27FC236}">
-                <a16:creationId xmlns:a16="http://schemas.microsoft.com/office/drawing/2014/main" id="{11BEF97B-549F-4B1C-A708-90676B281FD7}"/>
-              </a:ext>
-            </a:extLst>
-          </p:cNvPr>
-          <p:cNvSpPr>
-            <a:spLocks noGrp="1"/>
-          </p:cNvSpPr>
-          <p:nvPr>
-            <p:ph sz="half" idx="2"/>
-          </p:nvPr>
-        </p:nvSpPr>
-        <p:spPr>
-          <a:xfrm>
-            <a:off x="6172200" y="1825625"/>
-            <a:ext cx="5181600" cy="3033246"/>
-          </a:xfrm>
-        </p:spPr>
-        <p:txBody>
-          <a:bodyPr/>
-          <a:lstStyle/>
-          <a:p>
-            <a:pPr marL="0" indent="0" algn="ctr">
-              <a:buNone/>
-            </a:pPr>
-            <a:r>
-              <a:rPr lang="en-US" dirty="0"/>
-              <a:t>===</a:t>
-            </a:r>
-          </a:p>
-          <a:p>
-            <a:r>
-              <a:rPr lang="en-US" dirty="0"/>
-              <a:t>Equal Value and Equal Type</a:t>
-            </a:r>
-          </a:p>
-          <a:p>
-            <a:r>
-              <a:rPr lang="en-US" dirty="0"/>
-              <a:t>Standard comparison</a:t>
-            </a:r>
-          </a:p>
-          <a:p>
-            <a:r>
-              <a:rPr lang="en-US" dirty="0"/>
-              <a:t>“2” === 2 evaluates to False (as you would expect)</a:t>
-            </a:r>
-          </a:p>
-        </p:txBody>
-      </p:sp>
-      <p:sp>
-        <p:nvSpPr>
-          <p:cNvPr id="5" name="TextBox 4">
-            <a:extLst>
-              <a:ext uri="{FF2B5EF4-FFF2-40B4-BE49-F238E27FC236}">
-                <a16:creationId xmlns:a16="http://schemas.microsoft.com/office/drawing/2014/main" id="{FECC76D3-F368-4596-83CB-A376FFB4E187}"/>
-              </a:ext>
-            </a:extLst>
-          </p:cNvPr>
-          <p:cNvSpPr txBox="1"/>
-          <p:nvPr/>
-        </p:nvSpPr>
-        <p:spPr>
-          <a:xfrm>
-            <a:off x="838200" y="4930589"/>
-            <a:ext cx="10515600" cy="1384995"/>
-          </a:xfrm>
-          <a:prstGeom prst="rect">
-            <a:avLst/>
-          </a:prstGeom>
-          <a:noFill/>
-        </p:spPr>
-        <p:txBody>
-          <a:bodyPr wrap="square" rtlCol="0">
-            <a:spAutoFit/>
-          </a:bodyPr>
-          <a:lstStyle/>
-          <a:p>
-            <a:r>
-              <a:rPr lang="en-US" sz="2800" dirty="0"/>
-              <a:t>JavaScript is a wacky language. </a:t>
-            </a:r>
-            <a:r>
-              <a:rPr lang="en-US" sz="2800"/>
-              <a:t>There are </a:t>
-            </a:r>
-            <a:r>
-              <a:rPr lang="en-US" sz="2800" dirty="0"/>
-              <a:t>reasons to use ==, but as a rule of thumb you should be using === almost exclusively</a:t>
+                <a16:creationId xmlns:a16="http://schemas.microsoft.com/office/drawing/2014/main" id="{6E83ABD1-D129-4191-9F8A-76D02A5B3080}"/>
+              </a:ext>
+            </a:extLst>
+          </p:cNvPr>
+          <p:cNvSpPr>
+            <a:spLocks noGrp="1"/>
+          </p:cNvSpPr>
+          <p:nvPr>
+            <p:ph idx="1"/>
+          </p:nvPr>
+        </p:nvSpPr>
+        <p:spPr/>
+        <p:txBody>
+          <a:bodyPr/>
+          <a:lstStyle/>
+          <a:p>
+            <a:r>
+              <a:rPr lang="en-US" dirty="0"/>
+              <a:t>You can do math on a variable and assign it to that variable in the same step</a:t>
+            </a:r>
+          </a:p>
+          <a:p>
+            <a:r>
+              <a:rPr lang="en-US" dirty="0"/>
+              <a:t>+=: x += 5 is the same as x = x + 5</a:t>
+            </a:r>
+          </a:p>
+          <a:p>
+            <a:r>
+              <a:rPr lang="en-US" dirty="0"/>
+              <a:t>-=: x -= 10 is the same as x = x – 10</a:t>
+            </a:r>
+          </a:p>
+          <a:p>
+            <a:r>
+              <a:rPr lang="en-US" dirty="0"/>
+              <a:t>*=: x *= 15 is the same as x = x * 15</a:t>
             </a:r>
           </a:p>
         </p:txBody>
@@ -3752,7 +3636,7 @@
     </p:spTree>
     <p:extLst>
       <p:ext uri="{BB962C8B-B14F-4D97-AF65-F5344CB8AC3E}">
-        <p14:creationId xmlns:p14="http://schemas.microsoft.com/office/powerpoint/2010/main" val="1165312980"/>
+        <p14:creationId xmlns:p14="http://schemas.microsoft.com/office/powerpoint/2010/main" val="3795286238"/>
       </p:ext>
     </p:extLst>
   </p:cSld>
@@ -3781,10 +3665,10 @@
       </p:grpSpPr>
       <p:sp>
         <p:nvSpPr>
-          <p:cNvPr id="5" name="Title 4">
-            <a:extLst>
-              <a:ext uri="{FF2B5EF4-FFF2-40B4-BE49-F238E27FC236}">
-                <a16:creationId xmlns:a16="http://schemas.microsoft.com/office/drawing/2014/main" id="{F16C0464-F84B-4E84-9C64-00C16118203B}"/>
+          <p:cNvPr id="2" name="Title 1">
+            <a:extLst>
+              <a:ext uri="{FF2B5EF4-FFF2-40B4-BE49-F238E27FC236}">
+                <a16:creationId xmlns:a16="http://schemas.microsoft.com/office/drawing/2014/main" id="{853094D3-6AC5-4A75-A5D5-3D1FDB458AB6}"/>
               </a:ext>
             </a:extLst>
           </p:cNvPr>
@@ -3802,17 +3686,17 @@
           <a:p>
             <a:r>
               <a:rPr lang="en-US" dirty="0"/>
-              <a:t>Logical Operators</a:t>
-            </a:r>
-          </a:p>
-        </p:txBody>
-      </p:sp>
-      <p:sp>
-        <p:nvSpPr>
-          <p:cNvPr id="6" name="Content Placeholder 5">
-            <a:extLst>
-              <a:ext uri="{FF2B5EF4-FFF2-40B4-BE49-F238E27FC236}">
-                <a16:creationId xmlns:a16="http://schemas.microsoft.com/office/drawing/2014/main" id="{83976B41-708D-4EF1-BC15-D62376897837}"/>
+              <a:t>Assignment Operators</a:t>
+            </a:r>
+          </a:p>
+        </p:txBody>
+      </p:sp>
+      <p:sp>
+        <p:nvSpPr>
+          <p:cNvPr id="3" name="Content Placeholder 2">
+            <a:extLst>
+              <a:ext uri="{FF2B5EF4-FFF2-40B4-BE49-F238E27FC236}">
+                <a16:creationId xmlns:a16="http://schemas.microsoft.com/office/drawing/2014/main" id="{2675E5A4-EDD6-4841-958A-222C04CE0409}"/>
               </a:ext>
             </a:extLst>
           </p:cNvPr>
@@ -3830,69 +3714,30 @@
           <a:p>
             <a:r>
               <a:rPr lang="en-US" dirty="0"/>
-              <a:t>&amp;&amp;</a:t>
-            </a:r>
-          </a:p>
-          <a:p>
-            <a:pPr lvl="1"/>
-            <a:r>
-              <a:rPr lang="en-US" dirty="0"/>
-              <a:t>AND</a:t>
-            </a:r>
-          </a:p>
-          <a:p>
-            <a:pPr lvl="1"/>
-            <a:r>
-              <a:rPr lang="en-US" dirty="0"/>
-              <a:t>Used to check if BOTH statements are true or false</a:t>
-            </a:r>
-          </a:p>
-          <a:p>
-            <a:r>
-              <a:rPr lang="en-US" dirty="0"/>
-              <a:t>||</a:t>
-            </a:r>
-          </a:p>
-          <a:p>
-            <a:pPr lvl="1"/>
-            <a:r>
-              <a:rPr lang="en-US" dirty="0"/>
-              <a:t>OR</a:t>
-            </a:r>
-          </a:p>
-          <a:p>
-            <a:pPr lvl="1"/>
-            <a:r>
-              <a:rPr lang="en-US" dirty="0"/>
-              <a:t>Used to check if EITHER statement is true or false</a:t>
-            </a:r>
-          </a:p>
-          <a:p>
-            <a:r>
-              <a:rPr lang="en-US" dirty="0"/>
-              <a:t>!</a:t>
-            </a:r>
-          </a:p>
-          <a:p>
-            <a:pPr lvl="1"/>
-            <a:r>
-              <a:rPr lang="en-US" dirty="0"/>
-              <a:t>NOT</a:t>
-            </a:r>
-          </a:p>
-          <a:p>
-            <a:pPr lvl="1"/>
-            <a:r>
-              <a:rPr lang="en-US" dirty="0"/>
-              <a:t>Used to check if a statement is not True or not False</a:t>
-            </a:r>
+              <a:t>/=: x /= 20 is the same as x = x / 20</a:t>
+            </a:r>
+          </a:p>
+          <a:p>
+            <a:r>
+              <a:rPr lang="en-US" dirty="0"/>
+              <a:t>%=: x %= 25 is the same as x = x % 20</a:t>
+            </a:r>
+          </a:p>
+          <a:p>
+            <a:r>
+              <a:rPr lang="en-US" dirty="0"/>
+              <a:t>**=: x **= 30 is the same as x = x ** 30</a:t>
+            </a:r>
+          </a:p>
+          <a:p>
+            <a:endParaRPr lang="en-US" dirty="0"/>
           </a:p>
         </p:txBody>
       </p:sp>
     </p:spTree>
     <p:extLst>
       <p:ext uri="{BB962C8B-B14F-4D97-AF65-F5344CB8AC3E}">
-        <p14:creationId xmlns:p14="http://schemas.microsoft.com/office/powerpoint/2010/main" val="1910661"/>
+        <p14:creationId xmlns:p14="http://schemas.microsoft.com/office/powerpoint/2010/main" val="2115650348"/>
       </p:ext>
     </p:extLst>
   </p:cSld>
@@ -3924,7 +3769,7 @@
           <p:cNvPr id="2" name="Title 1">
             <a:extLst>
               <a:ext uri="{FF2B5EF4-FFF2-40B4-BE49-F238E27FC236}">
-                <a16:creationId xmlns:a16="http://schemas.microsoft.com/office/drawing/2014/main" id="{5D21F95E-4BF4-4334-A292-92691F199659}"/>
+                <a16:creationId xmlns:a16="http://schemas.microsoft.com/office/drawing/2014/main" id="{BB4B1E85-AB14-4C71-9FA2-55E58F6C66CF}"/>
               </a:ext>
             </a:extLst>
           </p:cNvPr>
@@ -3942,7 +3787,7 @@
           <a:p>
             <a:r>
               <a:rPr lang="en-US" dirty="0"/>
-              <a:t>Bitwise Operators</a:t>
+              <a:t>Boolean Logic</a:t>
             </a:r>
           </a:p>
         </p:txBody>
@@ -3952,7 +3797,7 @@
           <p:cNvPr id="3" name="Content Placeholder 2">
             <a:extLst>
               <a:ext uri="{FF2B5EF4-FFF2-40B4-BE49-F238E27FC236}">
-                <a16:creationId xmlns:a16="http://schemas.microsoft.com/office/drawing/2014/main" id="{FB410ACF-0B3B-49AE-8730-AB0569776EFB}"/>
+                <a16:creationId xmlns:a16="http://schemas.microsoft.com/office/drawing/2014/main" id="{C594594A-B94F-4722-BD06-0CC067011EE3}"/>
               </a:ext>
             </a:extLst>
           </p:cNvPr>
@@ -3970,33 +3815,33 @@
           <a:p>
             <a:r>
               <a:rPr lang="en-US" dirty="0"/>
-              <a:t>Used when comparing 32 bit numbers </a:t>
-            </a:r>
-          </a:p>
-          <a:p>
-            <a:r>
-              <a:rPr lang="en-US" dirty="0"/>
-              <a:t>This is by far the most niche operator, as binary is quite rare to come across, particularly in high level programming like JavaScript</a:t>
-            </a:r>
-          </a:p>
-          <a:p>
-            <a:r>
-              <a:rPr lang="en-US" dirty="0"/>
-              <a:t>Bitwise Operators sometimes come up in machine code or in C|C++, which directly manage the Random Access Memory (RAM) of your computer</a:t>
-            </a:r>
-          </a:p>
-          <a:p>
-            <a:r>
-              <a:rPr lang="en-US" dirty="0"/>
-              <a:t>We’ll go over some examples to prepare you for the certification exam, but if you are feeling overwhelmed by them, remember most Senior Software Engineers (10+ years of experience) feel the same way and often have to google these</a:t>
-            </a:r>
+              <a:t>In programming, all comparisons evaluate to either True or False</a:t>
+            </a:r>
+          </a:p>
+          <a:p>
+            <a:r>
+              <a:rPr lang="en-US" dirty="0"/>
+              <a:t>This is the basis for most of programming and computer science</a:t>
+            </a:r>
+          </a:p>
+          <a:p>
+            <a:r>
+              <a:rPr lang="en-US" dirty="0"/>
+              <a:t>You will frequently want to compare two statements to each other</a:t>
+            </a:r>
+          </a:p>
+          <a:p>
+            <a:pPr marL="0" indent="0">
+              <a:buNone/>
+            </a:pPr>
+            <a:endParaRPr lang="en-US" dirty="0"/>
           </a:p>
         </p:txBody>
       </p:sp>
     </p:spTree>
     <p:extLst>
       <p:ext uri="{BB962C8B-B14F-4D97-AF65-F5344CB8AC3E}">
-        <p14:creationId xmlns:p14="http://schemas.microsoft.com/office/powerpoint/2010/main" val="1136624965"/>
+        <p14:creationId xmlns:p14="http://schemas.microsoft.com/office/powerpoint/2010/main" val="3534466963"/>
       </p:ext>
     </p:extLst>
   </p:cSld>
@@ -4028,7 +3873,7 @@
           <p:cNvPr id="2" name="Title 1">
             <a:extLst>
               <a:ext uri="{FF2B5EF4-FFF2-40B4-BE49-F238E27FC236}">
-                <a16:creationId xmlns:a16="http://schemas.microsoft.com/office/drawing/2014/main" id="{AFEF3E0C-E054-413E-9543-0B2B3E0B923E}"/>
+                <a16:creationId xmlns:a16="http://schemas.microsoft.com/office/drawing/2014/main" id="{273BD440-46AE-449D-B233-7D7B1354CEA7}"/>
               </a:ext>
             </a:extLst>
           </p:cNvPr>
@@ -4046,7 +3891,7 @@
           <a:p>
             <a:r>
               <a:rPr lang="en-US" dirty="0"/>
-              <a:t>Bitwise Operators</a:t>
+              <a:t>Boolean Logic</a:t>
             </a:r>
           </a:p>
         </p:txBody>
@@ -4056,7 +3901,7 @@
           <p:cNvPr id="3" name="Content Placeholder 2">
             <a:extLst>
               <a:ext uri="{FF2B5EF4-FFF2-40B4-BE49-F238E27FC236}">
-                <a16:creationId xmlns:a16="http://schemas.microsoft.com/office/drawing/2014/main" id="{C0995471-0FF3-4260-AF10-BDBB372E814A}"/>
+                <a16:creationId xmlns:a16="http://schemas.microsoft.com/office/drawing/2014/main" id="{D2E1AD0D-3163-4C2D-AAE7-51E90AE37E3B}"/>
               </a:ext>
             </a:extLst>
           </p:cNvPr>
@@ -4074,54 +3919,146 @@
           <a:p>
             <a:r>
               <a:rPr lang="en-US" dirty="0"/>
-              <a:t>&amp;</a:t>
-            </a:r>
-          </a:p>
-          <a:p>
-            <a:pPr lvl="1"/>
-            <a:r>
-              <a:rPr lang="en-US" dirty="0"/>
-              <a:t>Bitwise AND</a:t>
-            </a:r>
-          </a:p>
-          <a:p>
-            <a:pPr lvl="1"/>
-            <a:r>
-              <a:rPr lang="en-US" dirty="0"/>
-              <a:t>Returns a new number where each bit is set to 1 if BOTH bits are in the same position are a 1</a:t>
-            </a:r>
-          </a:p>
-          <a:p>
-            <a:pPr lvl="1"/>
-            <a:r>
-              <a:rPr lang="en-US" dirty="0"/>
-              <a:t>5 in binary is 0101</a:t>
-            </a:r>
-          </a:p>
-          <a:p>
-            <a:pPr lvl="1"/>
-            <a:r>
-              <a:rPr lang="en-US" dirty="0"/>
-              <a:t>1 in binary is 0001 </a:t>
-            </a:r>
-          </a:p>
-          <a:p>
-            <a:pPr lvl="1"/>
-            <a:r>
-              <a:rPr lang="en-US" dirty="0"/>
-              <a:t>5 &amp; 1 =&gt; 0101 &amp; 0001 =&gt; Only the last bit has both numbers as a 1 =&gt; 0001, which equals 1</a:t>
-            </a:r>
-          </a:p>
-          <a:p>
-            <a:pPr lvl="1"/>
+              <a:t>Ex: 10 === 10 evaluates as True</a:t>
+            </a:r>
+          </a:p>
+          <a:p>
+            <a:r>
+              <a:rPr lang="en-US" dirty="0"/>
+              <a:t>Ex: 10 === 0 evaluates as False</a:t>
+            </a:r>
+          </a:p>
+          <a:p>
+            <a:r>
+              <a:rPr lang="en-US" dirty="0"/>
+              <a:t>Ex: 50 &gt; 0 -&gt; True, “Howdy” === “</a:t>
+            </a:r>
+            <a:r>
+              <a:rPr lang="en-US" dirty="0" err="1"/>
+              <a:t>YdwoH</a:t>
+            </a:r>
+            <a:r>
+              <a:rPr lang="en-US" dirty="0"/>
+              <a:t>” -&gt; False</a:t>
+            </a:r>
+          </a:p>
+          <a:p>
             <a:endParaRPr lang="en-US" dirty="0"/>
           </a:p>
         </p:txBody>
       </p:sp>
+      <p:pic>
+        <p:nvPicPr>
+          <p:cNvPr id="5" name="Picture 4">
+            <a:extLst>
+              <a:ext uri="{FF2B5EF4-FFF2-40B4-BE49-F238E27FC236}">
+                <a16:creationId xmlns:a16="http://schemas.microsoft.com/office/drawing/2014/main" id="{4213E3CE-6D5A-4945-8AE3-20FB220896BA}"/>
+              </a:ext>
+            </a:extLst>
+          </p:cNvPr>
+          <p:cNvPicPr>
+            <a:picLocks noChangeAspect="1"/>
+          </p:cNvPicPr>
+          <p:nvPr/>
+        </p:nvPicPr>
+        <p:blipFill>
+          <a:blip r:embed="rId2">
+            <a:extLst>
+              <a:ext uri="{28A0092B-C50C-407E-A947-70E740481C1C}">
+                <a14:useLocalDpi xmlns:a14="http://schemas.microsoft.com/office/drawing/2010/main" val="0"/>
+              </a:ext>
+            </a:extLst>
+          </a:blip>
+          <a:stretch>
+            <a:fillRect/>
+          </a:stretch>
+        </p:blipFill>
+        <p:spPr>
+          <a:xfrm>
+            <a:off x="-1" y="4621223"/>
+            <a:ext cx="3720354" cy="2236778"/>
+          </a:xfrm>
+          <a:prstGeom prst="rect">
+            <a:avLst/>
+          </a:prstGeom>
+        </p:spPr>
+      </p:pic>
+      <p:pic>
+        <p:nvPicPr>
+          <p:cNvPr id="7" name="Picture 6">
+            <a:extLst>
+              <a:ext uri="{FF2B5EF4-FFF2-40B4-BE49-F238E27FC236}">
+                <a16:creationId xmlns:a16="http://schemas.microsoft.com/office/drawing/2014/main" id="{0D38B497-C7FF-4B75-8982-CC1CEBBE1E55}"/>
+              </a:ext>
+            </a:extLst>
+          </p:cNvPr>
+          <p:cNvPicPr>
+            <a:picLocks noChangeAspect="1"/>
+          </p:cNvPicPr>
+          <p:nvPr/>
+        </p:nvPicPr>
+        <p:blipFill>
+          <a:blip r:embed="rId3">
+            <a:extLst>
+              <a:ext uri="{28A0092B-C50C-407E-A947-70E740481C1C}">
+                <a14:useLocalDpi xmlns:a14="http://schemas.microsoft.com/office/drawing/2010/main" val="0"/>
+              </a:ext>
+            </a:extLst>
+          </a:blip>
+          <a:stretch>
+            <a:fillRect/>
+          </a:stretch>
+        </p:blipFill>
+        <p:spPr>
+          <a:xfrm>
+            <a:off x="3634869" y="4618981"/>
+            <a:ext cx="3474144" cy="2236778"/>
+          </a:xfrm>
+          <a:prstGeom prst="rect">
+            <a:avLst/>
+          </a:prstGeom>
+        </p:spPr>
+      </p:pic>
+      <p:pic>
+        <p:nvPicPr>
+          <p:cNvPr id="9" name="Picture 8">
+            <a:extLst>
+              <a:ext uri="{FF2B5EF4-FFF2-40B4-BE49-F238E27FC236}">
+                <a16:creationId xmlns:a16="http://schemas.microsoft.com/office/drawing/2014/main" id="{1919198B-4E65-4B87-B1F9-A392F764BF65}"/>
+              </a:ext>
+            </a:extLst>
+          </p:cNvPr>
+          <p:cNvPicPr>
+            <a:picLocks noChangeAspect="1"/>
+          </p:cNvPicPr>
+          <p:nvPr/>
+        </p:nvPicPr>
+        <p:blipFill>
+          <a:blip r:embed="rId4">
+            <a:extLst>
+              <a:ext uri="{28A0092B-C50C-407E-A947-70E740481C1C}">
+                <a14:useLocalDpi xmlns:a14="http://schemas.microsoft.com/office/drawing/2010/main" val="0"/>
+              </a:ext>
+            </a:extLst>
+          </a:blip>
+          <a:stretch>
+            <a:fillRect/>
+          </a:stretch>
+        </p:blipFill>
+        <p:spPr>
+          <a:xfrm>
+            <a:off x="7109012" y="3366655"/>
+            <a:ext cx="5082988" cy="3491346"/>
+          </a:xfrm>
+          <a:prstGeom prst="rect">
+            <a:avLst/>
+          </a:prstGeom>
+        </p:spPr>
+      </p:pic>
     </p:spTree>
     <p:extLst>
       <p:ext uri="{BB962C8B-B14F-4D97-AF65-F5344CB8AC3E}">
-        <p14:creationId xmlns:p14="http://schemas.microsoft.com/office/powerpoint/2010/main" val="2885487162"/>
+        <p14:creationId xmlns:p14="http://schemas.microsoft.com/office/powerpoint/2010/main" val="4018212695"/>
       </p:ext>
     </p:extLst>
   </p:cSld>
@@ -4153,7 +4090,7 @@
           <p:cNvPr id="2" name="Title 1">
             <a:extLst>
               <a:ext uri="{FF2B5EF4-FFF2-40B4-BE49-F238E27FC236}">
-                <a16:creationId xmlns:a16="http://schemas.microsoft.com/office/drawing/2014/main" id="{C332C19D-F03F-4B1D-A70B-C5E84B2EAEC1}"/>
+                <a16:creationId xmlns:a16="http://schemas.microsoft.com/office/drawing/2014/main" id="{442EC616-6009-451D-BD6B-73626CF35B14}"/>
               </a:ext>
             </a:extLst>
           </p:cNvPr>
@@ -4171,7 +4108,7 @@
           <a:p>
             <a:r>
               <a:rPr lang="en-US" dirty="0"/>
-              <a:t>Bitwise Operators</a:t>
+              <a:t>Comparison Operators</a:t>
             </a:r>
           </a:p>
         </p:txBody>
@@ -4181,7 +4118,7 @@
           <p:cNvPr id="3" name="Content Placeholder 2">
             <a:extLst>
               <a:ext uri="{FF2B5EF4-FFF2-40B4-BE49-F238E27FC236}">
-                <a16:creationId xmlns:a16="http://schemas.microsoft.com/office/drawing/2014/main" id="{5C8ED473-B214-4888-9883-5B6D06ACA740}"/>
+                <a16:creationId xmlns:a16="http://schemas.microsoft.com/office/drawing/2014/main" id="{187D5E43-0FA5-44EB-83DE-D25469F21995}"/>
               </a:ext>
             </a:extLst>
           </p:cNvPr>
@@ -4199,36 +4136,63 @@
           <a:p>
             <a:r>
               <a:rPr lang="en-US" dirty="0"/>
-              <a:t>|</a:t>
-            </a:r>
-          </a:p>
-          <a:p>
-            <a:pPr lvl="1"/>
-            <a:r>
-              <a:rPr lang="en-US" dirty="0"/>
-              <a:t>OR</a:t>
-            </a:r>
-          </a:p>
-          <a:p>
-            <a:pPr lvl="1"/>
-            <a:r>
-              <a:rPr lang="en-US" dirty="0"/>
-              <a:t>Returns a new number where each bit is set to 1 if either bit in the same position is 1.</a:t>
-            </a:r>
-          </a:p>
-          <a:p>
-            <a:pPr lvl="1"/>
-            <a:r>
-              <a:rPr lang="en-US" dirty="0"/>
-              <a:t>5 | 1 =&gt; 0101 OR 0001 =&gt; 0101, which equals 5</a:t>
-            </a:r>
-          </a:p>
-        </p:txBody>
-      </p:sp>
+              <a:t>==: Equal to</a:t>
+            </a:r>
+          </a:p>
+          <a:p>
+            <a:r>
+              <a:rPr lang="en-US" dirty="0"/>
+              <a:t>===: Equal value and Equal type</a:t>
+            </a:r>
+          </a:p>
+          <a:p>
+            <a:r>
+              <a:rPr lang="en-US" dirty="0"/>
+              <a:t>!=: Not equal to</a:t>
+            </a:r>
+          </a:p>
+        </p:txBody>
+      </p:sp>
+      <p:pic>
+        <p:nvPicPr>
+          <p:cNvPr id="5" name="Picture 4">
+            <a:extLst>
+              <a:ext uri="{FF2B5EF4-FFF2-40B4-BE49-F238E27FC236}">
+                <a16:creationId xmlns:a16="http://schemas.microsoft.com/office/drawing/2014/main" id="{6FA9AF14-F8AB-4A02-B0C3-0FEF0D9354B7}"/>
+              </a:ext>
+            </a:extLst>
+          </p:cNvPr>
+          <p:cNvPicPr>
+            <a:picLocks noChangeAspect="1"/>
+          </p:cNvPicPr>
+          <p:nvPr/>
+        </p:nvPicPr>
+        <p:blipFill>
+          <a:blip r:embed="rId2">
+            <a:extLst>
+              <a:ext uri="{28A0092B-C50C-407E-A947-70E740481C1C}">
+                <a14:useLocalDpi xmlns:a14="http://schemas.microsoft.com/office/drawing/2010/main" val="0"/>
+              </a:ext>
+            </a:extLst>
+          </a:blip>
+          <a:stretch>
+            <a:fillRect/>
+          </a:stretch>
+        </p:blipFill>
+        <p:spPr>
+          <a:xfrm>
+            <a:off x="6096000" y="2543907"/>
+            <a:ext cx="6096000" cy="4314093"/>
+          </a:xfrm>
+          <a:prstGeom prst="rect">
+            <a:avLst/>
+          </a:prstGeom>
+        </p:spPr>
+      </p:pic>
     </p:spTree>
     <p:extLst>
       <p:ext uri="{BB962C8B-B14F-4D97-AF65-F5344CB8AC3E}">
-        <p14:creationId xmlns:p14="http://schemas.microsoft.com/office/powerpoint/2010/main" val="3245692810"/>
+        <p14:creationId xmlns:p14="http://schemas.microsoft.com/office/powerpoint/2010/main" val="1949209288"/>
       </p:ext>
     </p:extLst>
   </p:cSld>
@@ -4260,7 +4224,7 @@
           <p:cNvPr id="2" name="Title 1">
             <a:extLst>
               <a:ext uri="{FF2B5EF4-FFF2-40B4-BE49-F238E27FC236}">
-                <a16:creationId xmlns:a16="http://schemas.microsoft.com/office/drawing/2014/main" id="{00362964-E4C2-445F-A460-0F243A6FAA6A}"/>
+                <a16:creationId xmlns:a16="http://schemas.microsoft.com/office/drawing/2014/main" id="{A4455391-0742-487E-B8C2-ACEB6D3034C7}"/>
               </a:ext>
             </a:extLst>
           </p:cNvPr>
@@ -4278,7 +4242,7 @@
           <a:p>
             <a:r>
               <a:rPr lang="en-US" dirty="0"/>
-              <a:t>Bitwise Operators</a:t>
+              <a:t>Comparison Operators</a:t>
             </a:r>
           </a:p>
         </p:txBody>
@@ -4288,7 +4252,7 @@
           <p:cNvPr id="3" name="Content Placeholder 2">
             <a:extLst>
               <a:ext uri="{FF2B5EF4-FFF2-40B4-BE49-F238E27FC236}">
-                <a16:creationId xmlns:a16="http://schemas.microsoft.com/office/drawing/2014/main" id="{03426887-39B9-4B8D-97B2-C73B05D273BB}"/>
+                <a16:creationId xmlns:a16="http://schemas.microsoft.com/office/drawing/2014/main" id="{C35C30CC-55D1-4384-8209-1D3B8F27FD35}"/>
               </a:ext>
             </a:extLst>
           </p:cNvPr>
@@ -4306,36 +4270,66 @@
           <a:p>
             <a:r>
               <a:rPr lang="en-US" dirty="0"/>
-              <a:t>^ </a:t>
-            </a:r>
-          </a:p>
-          <a:p>
-            <a:pPr lvl="1"/>
-            <a:r>
-              <a:rPr lang="en-US" dirty="0"/>
-              <a:t>XOR (Exclusive OR)</a:t>
-            </a:r>
-          </a:p>
-          <a:p>
-            <a:pPr lvl="1"/>
-            <a:r>
-              <a:rPr lang="en-US" dirty="0"/>
-              <a:t>Returns a new number where each bit is set to 1 only if the bits in each position are different</a:t>
-            </a:r>
-          </a:p>
-          <a:p>
-            <a:pPr lvl="1"/>
-            <a:r>
-              <a:rPr lang="en-US" dirty="0"/>
-              <a:t>5 ^ 3 =&gt; 0101 XOR 0011 =&gt; The second and third bits are opposites =&gt; 0110 =&gt; 6</a:t>
-            </a:r>
-          </a:p>
-        </p:txBody>
-      </p:sp>
+              <a:t>!==: Not equal value or not equal type</a:t>
+            </a:r>
+          </a:p>
+          <a:p>
+            <a:r>
+              <a:rPr lang="en-US" dirty="0"/>
+              <a:t>&gt;: Greater than</a:t>
+            </a:r>
+          </a:p>
+          <a:p>
+            <a:r>
+              <a:rPr lang="en-US" dirty="0"/>
+              <a:t>&lt;: Less than</a:t>
+            </a:r>
+          </a:p>
+          <a:p>
+            <a:endParaRPr lang="en-US" dirty="0"/>
+          </a:p>
+        </p:txBody>
+      </p:sp>
+      <p:pic>
+        <p:nvPicPr>
+          <p:cNvPr id="5" name="Picture 4">
+            <a:extLst>
+              <a:ext uri="{FF2B5EF4-FFF2-40B4-BE49-F238E27FC236}">
+                <a16:creationId xmlns:a16="http://schemas.microsoft.com/office/drawing/2014/main" id="{271C7213-936C-4F93-991B-12EA595515FD}"/>
+              </a:ext>
+            </a:extLst>
+          </p:cNvPr>
+          <p:cNvPicPr>
+            <a:picLocks noChangeAspect="1"/>
+          </p:cNvPicPr>
+          <p:nvPr/>
+        </p:nvPicPr>
+        <p:blipFill>
+          <a:blip r:embed="rId2">
+            <a:extLst>
+              <a:ext uri="{28A0092B-C50C-407E-A947-70E740481C1C}">
+                <a14:useLocalDpi xmlns:a14="http://schemas.microsoft.com/office/drawing/2010/main" val="0"/>
+              </a:ext>
+            </a:extLst>
+          </a:blip>
+          <a:stretch>
+            <a:fillRect/>
+          </a:stretch>
+        </p:blipFill>
+        <p:spPr>
+          <a:xfrm>
+            <a:off x="9215719" y="1529"/>
+            <a:ext cx="2976282" cy="6856472"/>
+          </a:xfrm>
+          <a:prstGeom prst="rect">
+            <a:avLst/>
+          </a:prstGeom>
+        </p:spPr>
+      </p:pic>
     </p:spTree>
     <p:extLst>
       <p:ext uri="{BB962C8B-B14F-4D97-AF65-F5344CB8AC3E}">
-        <p14:creationId xmlns:p14="http://schemas.microsoft.com/office/powerpoint/2010/main" val="2472310060"/>
+        <p14:creationId xmlns:p14="http://schemas.microsoft.com/office/powerpoint/2010/main" val="1909909091"/>
       </p:ext>
     </p:extLst>
   </p:cSld>
@@ -4367,7 +4361,7 @@
           <p:cNvPr id="2" name="Title 1">
             <a:extLst>
               <a:ext uri="{FF2B5EF4-FFF2-40B4-BE49-F238E27FC236}">
-                <a16:creationId xmlns:a16="http://schemas.microsoft.com/office/drawing/2014/main" id="{6C8C371A-99DE-44CD-83E2-01ED2C314391}"/>
+                <a16:creationId xmlns:a16="http://schemas.microsoft.com/office/drawing/2014/main" id="{CDA50CE9-7C76-4ED0-B8B3-901CF604FE73}"/>
               </a:ext>
             </a:extLst>
           </p:cNvPr>
@@ -4385,7 +4379,7 @@
           <a:p>
             <a:r>
               <a:rPr lang="en-US" dirty="0"/>
-              <a:t>Bitwise Operators</a:t>
+              <a:t>Comparison Operators</a:t>
             </a:r>
           </a:p>
         </p:txBody>
@@ -4395,7 +4389,7 @@
           <p:cNvPr id="3" name="Content Placeholder 2">
             <a:extLst>
               <a:ext uri="{FF2B5EF4-FFF2-40B4-BE49-F238E27FC236}">
-                <a16:creationId xmlns:a16="http://schemas.microsoft.com/office/drawing/2014/main" id="{33226C20-3C29-40FF-B3DE-75AB19D044EE}"/>
+                <a16:creationId xmlns:a16="http://schemas.microsoft.com/office/drawing/2014/main" id="{F8B38239-298A-479B-B4E7-67E021B985DA}"/>
               </a:ext>
             </a:extLst>
           </p:cNvPr>
@@ -4413,43 +4407,60 @@
           <a:p>
             <a:r>
               <a:rPr lang="en-US" dirty="0"/>
-              <a:t>~</a:t>
-            </a:r>
-          </a:p>
-          <a:p>
-            <a:pPr lvl="1"/>
-            <a:r>
-              <a:rPr lang="en-US" dirty="0"/>
-              <a:t>NOT</a:t>
-            </a:r>
-          </a:p>
-          <a:p>
-            <a:pPr lvl="1"/>
-            <a:r>
-              <a:rPr lang="en-US" dirty="0"/>
-              <a:t>Only bitwise operator that operates on a single number (~5)</a:t>
-            </a:r>
-          </a:p>
-          <a:p>
-            <a:pPr lvl="1"/>
-            <a:r>
-              <a:rPr lang="en-US" dirty="0"/>
-              <a:t>Returns a new number where each bit is the opposite of the original binary number</a:t>
-            </a:r>
-          </a:p>
-          <a:p>
-            <a:pPr lvl="1"/>
-            <a:r>
-              <a:rPr lang="en-US" dirty="0"/>
-              <a:t>~5 =&gt; NOT 0101 =&gt; 1010 =&gt; 10</a:t>
-            </a:r>
-          </a:p>
-        </p:txBody>
-      </p:sp>
+              <a:t>&gt;=: Greater or equal to</a:t>
+            </a:r>
+          </a:p>
+          <a:p>
+            <a:r>
+              <a:rPr lang="en-US" dirty="0"/>
+              <a:t>&lt;=: Less than or equal to</a:t>
+            </a:r>
+          </a:p>
+          <a:p>
+            <a:endParaRPr lang="en-US" dirty="0"/>
+          </a:p>
+        </p:txBody>
+      </p:sp>
+      <p:pic>
+        <p:nvPicPr>
+          <p:cNvPr id="5" name="Picture 4">
+            <a:extLst>
+              <a:ext uri="{FF2B5EF4-FFF2-40B4-BE49-F238E27FC236}">
+                <a16:creationId xmlns:a16="http://schemas.microsoft.com/office/drawing/2014/main" id="{351A1389-05F2-4052-B938-5F0B581E0FD1}"/>
+              </a:ext>
+            </a:extLst>
+          </p:cNvPr>
+          <p:cNvPicPr>
+            <a:picLocks noChangeAspect="1"/>
+          </p:cNvPicPr>
+          <p:nvPr/>
+        </p:nvPicPr>
+        <p:blipFill>
+          <a:blip r:embed="rId2">
+            <a:extLst>
+              <a:ext uri="{28A0092B-C50C-407E-A947-70E740481C1C}">
+                <a14:useLocalDpi xmlns:a14="http://schemas.microsoft.com/office/drawing/2010/main" val="0"/>
+              </a:ext>
+            </a:extLst>
+          </a:blip>
+          <a:stretch>
+            <a:fillRect/>
+          </a:stretch>
+        </p:blipFill>
+        <p:spPr>
+          <a:xfrm>
+            <a:off x="8005483" y="-5141"/>
+            <a:ext cx="4186518" cy="6863141"/>
+          </a:xfrm>
+          <a:prstGeom prst="rect">
+            <a:avLst/>
+          </a:prstGeom>
+        </p:spPr>
+      </p:pic>
     </p:spTree>
     <p:extLst>
       <p:ext uri="{BB962C8B-B14F-4D97-AF65-F5344CB8AC3E}">
-        <p14:creationId xmlns:p14="http://schemas.microsoft.com/office/powerpoint/2010/main" val="394897875"/>
+        <p14:creationId xmlns:p14="http://schemas.microsoft.com/office/powerpoint/2010/main" val="1169557289"/>
       </p:ext>
     </p:extLst>
   </p:cSld>
@@ -4478,10 +4489,10 @@
       </p:grpSpPr>
       <p:sp>
         <p:nvSpPr>
-          <p:cNvPr id="2" name="Title 1">
-            <a:extLst>
-              <a:ext uri="{FF2B5EF4-FFF2-40B4-BE49-F238E27FC236}">
-                <a16:creationId xmlns:a16="http://schemas.microsoft.com/office/drawing/2014/main" id="{24495BA8-D354-48DF-91B6-0E0A3573F127}"/>
+          <p:cNvPr id="4" name="Title 3">
+            <a:extLst>
+              <a:ext uri="{FF2B5EF4-FFF2-40B4-BE49-F238E27FC236}">
+                <a16:creationId xmlns:a16="http://schemas.microsoft.com/office/drawing/2014/main" id="{D9D397D8-7747-4F35-BDE5-7CF9E3720BF5}"/>
               </a:ext>
             </a:extLst>
           </p:cNvPr>
@@ -4499,109 +4510,161 @@
           <a:p>
             <a:r>
               <a:rPr lang="en-US" dirty="0"/>
-              <a:t>Bitwise Operators</a:t>
-            </a:r>
-          </a:p>
-        </p:txBody>
-      </p:sp>
-      <p:sp>
-        <p:nvSpPr>
-          <p:cNvPr id="3" name="Content Placeholder 2">
-            <a:extLst>
-              <a:ext uri="{FF2B5EF4-FFF2-40B4-BE49-F238E27FC236}">
-                <a16:creationId xmlns:a16="http://schemas.microsoft.com/office/drawing/2014/main" id="{765FB212-58FE-4E72-9A16-D4099D78425B}"/>
-              </a:ext>
-            </a:extLst>
-          </p:cNvPr>
-          <p:cNvSpPr>
-            <a:spLocks noGrp="1"/>
-          </p:cNvSpPr>
-          <p:nvPr>
-            <p:ph idx="1"/>
-          </p:nvPr>
-        </p:nvSpPr>
-        <p:spPr/>
-        <p:txBody>
-          <a:bodyPr/>
-          <a:lstStyle/>
-          <a:p>
-            <a:r>
-              <a:rPr lang="en-US" dirty="0"/>
-              <a:t>&lt;&lt;</a:t>
-            </a:r>
-          </a:p>
-          <a:p>
-            <a:pPr lvl="1"/>
-            <a:r>
-              <a:rPr lang="en-US" dirty="0"/>
-              <a:t>Left Shift</a:t>
-            </a:r>
-          </a:p>
-          <a:p>
-            <a:pPr lvl="1"/>
-            <a:r>
-              <a:rPr lang="en-US" dirty="0"/>
-              <a:t>Shifts each bit of a number to the left by a specified number of positions</a:t>
-            </a:r>
-          </a:p>
-          <a:p>
-            <a:pPr lvl="1"/>
-            <a:r>
-              <a:rPr lang="en-US" dirty="0"/>
-              <a:t>5 &lt;&lt; 1 =&gt; Shifts the bits of 5 by 1 position =&gt; 0101 =&gt; 1010 =&gt; 10</a:t>
-            </a:r>
-          </a:p>
-          <a:p>
-            <a:r>
-              <a:rPr lang="en-US" dirty="0"/>
-              <a:t>&gt;&gt;</a:t>
-            </a:r>
-          </a:p>
-          <a:p>
-            <a:pPr lvl="1"/>
-            <a:r>
-              <a:rPr lang="en-US" dirty="0"/>
-              <a:t>Right Shift</a:t>
-            </a:r>
-          </a:p>
-          <a:p>
-            <a:pPr lvl="1"/>
-            <a:r>
-              <a:rPr lang="en-US" dirty="0"/>
-              <a:t>Shifts each bit to the right by a specified number of positions.</a:t>
-            </a:r>
-          </a:p>
-          <a:p>
-            <a:pPr lvl="1"/>
-            <a:r>
-              <a:rPr lang="en-US" dirty="0"/>
-              <a:t>Fills the left side with 0s if positive, 1s if negative.</a:t>
-            </a:r>
-          </a:p>
-          <a:p>
-            <a:pPr lvl="1"/>
-            <a:r>
-              <a:rPr lang="en-US" dirty="0"/>
-              <a:t>Discards bits shifted off the right side</a:t>
-            </a:r>
-          </a:p>
-          <a:p>
-            <a:pPr lvl="1"/>
-            <a:r>
-              <a:rPr lang="en-US" dirty="0"/>
-              <a:t>5 &gt;&gt; 1 =&gt; Shifts the bits of 5 to the right by 1 position =&gt; 0101 =&gt; 0010 =&gt; 2</a:t>
-            </a:r>
-          </a:p>
-          <a:p>
-            <a:pPr lvl="1"/>
-            <a:endParaRPr lang="en-US" dirty="0"/>
-          </a:p>
-        </p:txBody>
-      </p:sp>
+              <a:t>JavaScript’s Equals Operators</a:t>
+            </a:r>
+          </a:p>
+        </p:txBody>
+      </p:sp>
+      <p:sp>
+        <p:nvSpPr>
+          <p:cNvPr id="5" name="Content Placeholder 4">
+            <a:extLst>
+              <a:ext uri="{FF2B5EF4-FFF2-40B4-BE49-F238E27FC236}">
+                <a16:creationId xmlns:a16="http://schemas.microsoft.com/office/drawing/2014/main" id="{70194C69-D354-4326-93AD-5B9C0986E0F2}"/>
+              </a:ext>
+            </a:extLst>
+          </p:cNvPr>
+          <p:cNvSpPr>
+            <a:spLocks noGrp="1"/>
+          </p:cNvSpPr>
+          <p:nvPr>
+            <p:ph sz="half" idx="1"/>
+          </p:nvPr>
+        </p:nvSpPr>
+        <p:spPr/>
+        <p:txBody>
+          <a:bodyPr/>
+          <a:lstStyle/>
+          <a:p>
+            <a:pPr marL="0" indent="0" algn="ctr">
+              <a:buNone/>
+            </a:pPr>
+            <a:r>
+              <a:rPr lang="en-US" dirty="0"/>
+              <a:t>=</a:t>
+            </a:r>
+          </a:p>
+          <a:p>
+            <a:r>
+              <a:rPr lang="en-US" dirty="0"/>
+              <a:t>Assigns a value to a variable </a:t>
+            </a:r>
+          </a:p>
+        </p:txBody>
+      </p:sp>
+      <p:sp>
+        <p:nvSpPr>
+          <p:cNvPr id="6" name="Content Placeholder 5">
+            <a:extLst>
+              <a:ext uri="{FF2B5EF4-FFF2-40B4-BE49-F238E27FC236}">
+                <a16:creationId xmlns:a16="http://schemas.microsoft.com/office/drawing/2014/main" id="{1B64D3F8-77F0-41AA-8D38-649C0925C6BC}"/>
+              </a:ext>
+            </a:extLst>
+          </p:cNvPr>
+          <p:cNvSpPr>
+            <a:spLocks noGrp="1"/>
+          </p:cNvSpPr>
+          <p:nvPr>
+            <p:ph sz="half" idx="2"/>
+          </p:nvPr>
+        </p:nvSpPr>
+        <p:spPr/>
+        <p:txBody>
+          <a:bodyPr/>
+          <a:lstStyle/>
+          <a:p>
+            <a:pPr marL="0" indent="0" algn="ctr">
+              <a:buNone/>
+            </a:pPr>
+            <a:r>
+              <a:rPr lang="en-US" dirty="0"/>
+              <a:t>== or ===</a:t>
+            </a:r>
+          </a:p>
+          <a:p>
+            <a:r>
+              <a:rPr lang="en-US" dirty="0"/>
+              <a:t>Compares one value or expression to another value or expression</a:t>
+            </a:r>
+          </a:p>
+        </p:txBody>
+      </p:sp>
+      <p:pic>
+        <p:nvPicPr>
+          <p:cNvPr id="3" name="Picture 2">
+            <a:extLst>
+              <a:ext uri="{FF2B5EF4-FFF2-40B4-BE49-F238E27FC236}">
+                <a16:creationId xmlns:a16="http://schemas.microsoft.com/office/drawing/2014/main" id="{A896A3FE-065D-4EB2-B22F-0A3080372BA5}"/>
+              </a:ext>
+            </a:extLst>
+          </p:cNvPr>
+          <p:cNvPicPr>
+            <a:picLocks noChangeAspect="1"/>
+          </p:cNvPicPr>
+          <p:nvPr/>
+        </p:nvPicPr>
+        <p:blipFill>
+          <a:blip r:embed="rId2">
+            <a:extLst>
+              <a:ext uri="{28A0092B-C50C-407E-A947-70E740481C1C}">
+                <a14:useLocalDpi xmlns:a14="http://schemas.microsoft.com/office/drawing/2010/main" val="0"/>
+              </a:ext>
+            </a:extLst>
+          </a:blip>
+          <a:stretch>
+            <a:fillRect/>
+          </a:stretch>
+        </p:blipFill>
+        <p:spPr>
+          <a:xfrm>
+            <a:off x="0" y="4966631"/>
+            <a:ext cx="6019800" cy="1895846"/>
+          </a:xfrm>
+          <a:prstGeom prst="rect">
+            <a:avLst/>
+          </a:prstGeom>
+        </p:spPr>
+      </p:pic>
+      <p:pic>
+        <p:nvPicPr>
+          <p:cNvPr id="8" name="Picture 7">
+            <a:extLst>
+              <a:ext uri="{FF2B5EF4-FFF2-40B4-BE49-F238E27FC236}">
+                <a16:creationId xmlns:a16="http://schemas.microsoft.com/office/drawing/2014/main" id="{C1F92318-FB0B-4DEA-ABAF-9A53D701B01D}"/>
+              </a:ext>
+            </a:extLst>
+          </p:cNvPr>
+          <p:cNvPicPr>
+            <a:picLocks noChangeAspect="1"/>
+          </p:cNvPicPr>
+          <p:nvPr/>
+        </p:nvPicPr>
+        <p:blipFill>
+          <a:blip r:embed="rId3">
+            <a:extLst>
+              <a:ext uri="{28A0092B-C50C-407E-A947-70E740481C1C}">
+                <a14:useLocalDpi xmlns:a14="http://schemas.microsoft.com/office/drawing/2010/main" val="0"/>
+              </a:ext>
+            </a:extLst>
+          </a:blip>
+          <a:stretch>
+            <a:fillRect/>
+          </a:stretch>
+        </p:blipFill>
+        <p:spPr>
+          <a:xfrm>
+            <a:off x="6019801" y="4953423"/>
+            <a:ext cx="6172200" cy="1905244"/>
+          </a:xfrm>
+          <a:prstGeom prst="rect">
+            <a:avLst/>
+          </a:prstGeom>
+        </p:spPr>
+      </p:pic>
     </p:spTree>
     <p:extLst>
       <p:ext uri="{BB962C8B-B14F-4D97-AF65-F5344CB8AC3E}">
-        <p14:creationId xmlns:p14="http://schemas.microsoft.com/office/powerpoint/2010/main" val="1797629338"/>
+        <p14:creationId xmlns:p14="http://schemas.microsoft.com/office/powerpoint/2010/main" val="678027854"/>
       </p:ext>
     </p:extLst>
   </p:cSld>
@@ -4633,7 +4696,7 @@
           <p:cNvPr id="2" name="Title 1">
             <a:extLst>
               <a:ext uri="{FF2B5EF4-FFF2-40B4-BE49-F238E27FC236}">
-                <a16:creationId xmlns:a16="http://schemas.microsoft.com/office/drawing/2014/main" id="{4338B291-7984-4C69-B7FE-773A92C283FD}"/>
+                <a16:creationId xmlns:a16="http://schemas.microsoft.com/office/drawing/2014/main" id="{859FF2A5-DBD0-49C0-ACB6-7A51D2243C4C}"/>
               </a:ext>
             </a:extLst>
           </p:cNvPr>
@@ -4651,7 +4714,7 @@
           <a:p>
             <a:r>
               <a:rPr lang="en-US" dirty="0"/>
-              <a:t>Bitwise Operators</a:t>
+              <a:t>JS Comparison Operators</a:t>
             </a:r>
           </a:p>
         </p:txBody>
@@ -4661,59 +4724,193 @@
           <p:cNvPr id="3" name="Content Placeholder 2">
             <a:extLst>
               <a:ext uri="{FF2B5EF4-FFF2-40B4-BE49-F238E27FC236}">
-                <a16:creationId xmlns:a16="http://schemas.microsoft.com/office/drawing/2014/main" id="{B163D1D1-0DD7-4C89-87F3-E28CBE55DCEC}"/>
-              </a:ext>
-            </a:extLst>
-          </p:cNvPr>
-          <p:cNvSpPr>
-            <a:spLocks noGrp="1"/>
-          </p:cNvSpPr>
-          <p:nvPr>
-            <p:ph idx="1"/>
-          </p:nvPr>
-        </p:nvSpPr>
-        <p:spPr/>
-        <p:txBody>
-          <a:bodyPr/>
-          <a:lstStyle/>
-          <a:p>
-            <a:r>
-              <a:rPr lang="en-US" dirty="0"/>
-              <a:t>&gt;&gt;&gt;</a:t>
-            </a:r>
-          </a:p>
-          <a:p>
-            <a:pPr lvl="1"/>
-            <a:r>
-              <a:rPr lang="en-US" dirty="0"/>
-              <a:t>Unsigned Right Shift</a:t>
-            </a:r>
-          </a:p>
-          <a:p>
-            <a:pPr lvl="1"/>
-            <a:r>
-              <a:rPr lang="en-US" dirty="0"/>
-              <a:t>Shifts bits to the right a specified number of positions.</a:t>
-            </a:r>
-          </a:p>
-          <a:p>
-            <a:pPr lvl="1"/>
-            <a:r>
-              <a:rPr lang="en-US" dirty="0"/>
-              <a:t>Will </a:t>
-            </a:r>
-            <a:r>
-              <a:rPr lang="en-US" i="1" dirty="0"/>
-              <a:t>always fill the left side with 0s regardless of whether the number was positive or negative</a:t>
-            </a:r>
-            <a:endParaRPr lang="en-US" dirty="0"/>
-          </a:p>
-        </p:txBody>
-      </p:sp>
+                <a16:creationId xmlns:a16="http://schemas.microsoft.com/office/drawing/2014/main" id="{731DE352-94BC-4805-8C08-886686C3E2A2}"/>
+              </a:ext>
+            </a:extLst>
+          </p:cNvPr>
+          <p:cNvSpPr>
+            <a:spLocks noGrp="1"/>
+          </p:cNvSpPr>
+          <p:nvPr>
+            <p:ph sz="half" idx="1"/>
+          </p:nvPr>
+        </p:nvSpPr>
+        <p:spPr>
+          <a:xfrm>
+            <a:off x="838200" y="1825625"/>
+            <a:ext cx="5181600" cy="3033246"/>
+          </a:xfrm>
+        </p:spPr>
+        <p:txBody>
+          <a:bodyPr/>
+          <a:lstStyle/>
+          <a:p>
+            <a:pPr marL="0" indent="0" algn="ctr">
+              <a:buNone/>
+            </a:pPr>
+            <a:r>
+              <a:rPr lang="en-US" dirty="0"/>
+              <a:t>==</a:t>
+            </a:r>
+          </a:p>
+          <a:p>
+            <a:r>
+              <a:rPr lang="en-US" dirty="0"/>
+              <a:t>Equal to</a:t>
+            </a:r>
+          </a:p>
+          <a:p>
+            <a:r>
+              <a:rPr lang="en-US" dirty="0"/>
+              <a:t>Allows “Truthy” and “</a:t>
+            </a:r>
+            <a:r>
+              <a:rPr lang="en-US" dirty="0" err="1"/>
+              <a:t>Falsey</a:t>
+            </a:r>
+            <a:r>
+              <a:rPr lang="en-US" dirty="0"/>
+              <a:t>” statements</a:t>
+            </a:r>
+          </a:p>
+          <a:p>
+            <a:r>
+              <a:rPr lang="en-US" dirty="0"/>
+              <a:t>“2” == 2 evaluates to True</a:t>
+            </a:r>
+          </a:p>
+        </p:txBody>
+      </p:sp>
+      <p:sp>
+        <p:nvSpPr>
+          <p:cNvPr id="4" name="Content Placeholder 3">
+            <a:extLst>
+              <a:ext uri="{FF2B5EF4-FFF2-40B4-BE49-F238E27FC236}">
+                <a16:creationId xmlns:a16="http://schemas.microsoft.com/office/drawing/2014/main" id="{11BEF97B-549F-4B1C-A708-90676B281FD7}"/>
+              </a:ext>
+            </a:extLst>
+          </p:cNvPr>
+          <p:cNvSpPr>
+            <a:spLocks noGrp="1"/>
+          </p:cNvSpPr>
+          <p:nvPr>
+            <p:ph sz="half" idx="2"/>
+          </p:nvPr>
+        </p:nvSpPr>
+        <p:spPr>
+          <a:xfrm>
+            <a:off x="6172200" y="1825625"/>
+            <a:ext cx="5181600" cy="3033246"/>
+          </a:xfrm>
+        </p:spPr>
+        <p:txBody>
+          <a:bodyPr/>
+          <a:lstStyle/>
+          <a:p>
+            <a:pPr marL="0" indent="0" algn="ctr">
+              <a:buNone/>
+            </a:pPr>
+            <a:r>
+              <a:rPr lang="en-US" dirty="0"/>
+              <a:t>===</a:t>
+            </a:r>
+          </a:p>
+          <a:p>
+            <a:r>
+              <a:rPr lang="en-US" dirty="0"/>
+              <a:t>Equal Value and Equal Type</a:t>
+            </a:r>
+          </a:p>
+          <a:p>
+            <a:r>
+              <a:rPr lang="en-US" dirty="0"/>
+              <a:t>Standard comparison</a:t>
+            </a:r>
+          </a:p>
+          <a:p>
+            <a:r>
+              <a:rPr lang="en-US" dirty="0"/>
+              <a:t>“2” === 2 evaluates to False (as you would expect)</a:t>
+            </a:r>
+          </a:p>
+        </p:txBody>
+      </p:sp>
+      <p:pic>
+        <p:nvPicPr>
+          <p:cNvPr id="8" name="Picture 7">
+            <a:extLst>
+              <a:ext uri="{FF2B5EF4-FFF2-40B4-BE49-F238E27FC236}">
+                <a16:creationId xmlns:a16="http://schemas.microsoft.com/office/drawing/2014/main" id="{EBC2BC78-47F3-4013-B19F-EE553DA56822}"/>
+              </a:ext>
+            </a:extLst>
+          </p:cNvPr>
+          <p:cNvPicPr>
+            <a:picLocks noChangeAspect="1"/>
+          </p:cNvPicPr>
+          <p:nvPr/>
+        </p:nvPicPr>
+        <p:blipFill>
+          <a:blip r:embed="rId2">
+            <a:extLst>
+              <a:ext uri="{28A0092B-C50C-407E-A947-70E740481C1C}">
+                <a14:useLocalDpi xmlns:a14="http://schemas.microsoft.com/office/drawing/2010/main" val="0"/>
+              </a:ext>
+            </a:extLst>
+          </a:blip>
+          <a:stretch>
+            <a:fillRect/>
+          </a:stretch>
+        </p:blipFill>
+        <p:spPr>
+          <a:xfrm>
+            <a:off x="0" y="4356469"/>
+            <a:ext cx="4186518" cy="2506013"/>
+          </a:xfrm>
+          <a:prstGeom prst="rect">
+            <a:avLst/>
+          </a:prstGeom>
+        </p:spPr>
+      </p:pic>
+      <p:pic>
+        <p:nvPicPr>
+          <p:cNvPr id="10" name="Picture 9">
+            <a:extLst>
+              <a:ext uri="{FF2B5EF4-FFF2-40B4-BE49-F238E27FC236}">
+                <a16:creationId xmlns:a16="http://schemas.microsoft.com/office/drawing/2014/main" id="{00FB3424-9D04-4EF4-A8D7-F77F031403A1}"/>
+              </a:ext>
+            </a:extLst>
+          </p:cNvPr>
+          <p:cNvPicPr>
+            <a:picLocks noChangeAspect="1"/>
+          </p:cNvPicPr>
+          <p:nvPr/>
+        </p:nvPicPr>
+        <p:blipFill>
+          <a:blip r:embed="rId3">
+            <a:extLst>
+              <a:ext uri="{28A0092B-C50C-407E-A947-70E740481C1C}">
+                <a14:useLocalDpi xmlns:a14="http://schemas.microsoft.com/office/drawing/2010/main" val="0"/>
+              </a:ext>
+            </a:extLst>
+          </a:blip>
+          <a:stretch>
+            <a:fillRect/>
+          </a:stretch>
+        </p:blipFill>
+        <p:spPr>
+          <a:xfrm>
+            <a:off x="8005483" y="4351259"/>
+            <a:ext cx="4186517" cy="2506741"/>
+          </a:xfrm>
+          <a:prstGeom prst="rect">
+            <a:avLst/>
+          </a:prstGeom>
+        </p:spPr>
+      </p:pic>
     </p:spTree>
     <p:extLst>
       <p:ext uri="{BB962C8B-B14F-4D97-AF65-F5344CB8AC3E}">
-        <p14:creationId xmlns:p14="http://schemas.microsoft.com/office/powerpoint/2010/main" val="3087782687"/>
+        <p14:creationId xmlns:p14="http://schemas.microsoft.com/office/powerpoint/2010/main" val="1165312980"/>
       </p:ext>
     </p:extLst>
   </p:cSld>
@@ -4839,37 +5036,1494 @@
               <a:t>Used for values that should not change during a program</a:t>
             </a:r>
           </a:p>
-          <a:p>
-            <a:pPr lvl="1"/>
-            <a:r>
-              <a:rPr lang="en-US" dirty="0"/>
-              <a:t>Var – Creates a standard variable</a:t>
-            </a:r>
-          </a:p>
-          <a:p>
-            <a:pPr lvl="2"/>
-            <a:r>
-              <a:rPr lang="en-US" dirty="0"/>
-              <a:t>This method comes from an older version of JS that </a:t>
-            </a:r>
-            <a:r>
-              <a:rPr lang="en-US" i="1" dirty="0"/>
-              <a:t>should not be used</a:t>
-            </a:r>
-          </a:p>
-          <a:p>
-            <a:pPr lvl="2"/>
-            <a:r>
-              <a:rPr lang="en-US" dirty="0"/>
-              <a:t>Although this method is obsolete (we’ll discuss why later), you will see it often in old code</a:t>
-            </a:r>
-          </a:p>
-        </p:txBody>
-      </p:sp>
+        </p:txBody>
+      </p:sp>
+      <p:pic>
+        <p:nvPicPr>
+          <p:cNvPr id="5" name="Picture 4">
+            <a:extLst>
+              <a:ext uri="{FF2B5EF4-FFF2-40B4-BE49-F238E27FC236}">
+                <a16:creationId xmlns:a16="http://schemas.microsoft.com/office/drawing/2014/main" id="{7A0CF608-4871-425D-8C10-201E92D490CD}"/>
+              </a:ext>
+            </a:extLst>
+          </p:cNvPr>
+          <p:cNvPicPr>
+            <a:picLocks noChangeAspect="1"/>
+          </p:cNvPicPr>
+          <p:nvPr/>
+        </p:nvPicPr>
+        <p:blipFill>
+          <a:blip r:embed="rId2">
+            <a:extLst>
+              <a:ext uri="{28A0092B-C50C-407E-A947-70E740481C1C}">
+                <a14:useLocalDpi xmlns:a14="http://schemas.microsoft.com/office/drawing/2010/main" val="0"/>
+              </a:ext>
+            </a:extLst>
+          </a:blip>
+          <a:stretch>
+            <a:fillRect/>
+          </a:stretch>
+        </p:blipFill>
+        <p:spPr>
+          <a:xfrm>
+            <a:off x="0" y="4376823"/>
+            <a:ext cx="12192000" cy="2481178"/>
+          </a:xfrm>
+          <a:prstGeom prst="rect">
+            <a:avLst/>
+          </a:prstGeom>
+        </p:spPr>
+      </p:pic>
     </p:spTree>
     <p:extLst>
       <p:ext uri="{BB962C8B-B14F-4D97-AF65-F5344CB8AC3E}">
         <p14:creationId xmlns:p14="http://schemas.microsoft.com/office/powerpoint/2010/main" val="3260276289"/>
+      </p:ext>
+    </p:extLst>
+  </p:cSld>
+  <p:clrMapOvr>
+    <a:masterClrMapping/>
+  </p:clrMapOvr>
+</p:sld>
+</file>
+
+<file path=ppt/slides/slide20.xml><?xml version="1.0" encoding="utf-8"?>
+<p:sld xmlns:a="http://schemas.openxmlformats.org/drawingml/2006/main" xmlns:r="http://schemas.openxmlformats.org/officeDocument/2006/relationships" xmlns:p="http://schemas.openxmlformats.org/presentationml/2006/main">
+  <p:cSld>
+    <p:spTree>
+      <p:nvGrpSpPr>
+        <p:cNvPr id="1" name=""/>
+        <p:cNvGrpSpPr/>
+        <p:nvPr/>
+      </p:nvGrpSpPr>
+      <p:grpSpPr>
+        <a:xfrm>
+          <a:off x="0" y="0"/>
+          <a:ext cx="0" cy="0"/>
+          <a:chOff x="0" y="0"/>
+          <a:chExt cx="0" cy="0"/>
+        </a:xfrm>
+      </p:grpSpPr>
+      <p:sp>
+        <p:nvSpPr>
+          <p:cNvPr id="5" name="Title 4">
+            <a:extLst>
+              <a:ext uri="{FF2B5EF4-FFF2-40B4-BE49-F238E27FC236}">
+                <a16:creationId xmlns:a16="http://schemas.microsoft.com/office/drawing/2014/main" id="{F16C0464-F84B-4E84-9C64-00C16118203B}"/>
+              </a:ext>
+            </a:extLst>
+          </p:cNvPr>
+          <p:cNvSpPr>
+            <a:spLocks noGrp="1"/>
+          </p:cNvSpPr>
+          <p:nvPr>
+            <p:ph type="title"/>
+          </p:nvPr>
+        </p:nvSpPr>
+        <p:spPr/>
+        <p:txBody>
+          <a:bodyPr/>
+          <a:lstStyle/>
+          <a:p>
+            <a:r>
+              <a:rPr lang="en-US" dirty="0"/>
+              <a:t>Logical Operators - &amp;&amp;</a:t>
+            </a:r>
+          </a:p>
+        </p:txBody>
+      </p:sp>
+      <p:sp>
+        <p:nvSpPr>
+          <p:cNvPr id="6" name="Content Placeholder 5">
+            <a:extLst>
+              <a:ext uri="{FF2B5EF4-FFF2-40B4-BE49-F238E27FC236}">
+                <a16:creationId xmlns:a16="http://schemas.microsoft.com/office/drawing/2014/main" id="{83976B41-708D-4EF1-BC15-D62376897837}"/>
+              </a:ext>
+            </a:extLst>
+          </p:cNvPr>
+          <p:cNvSpPr>
+            <a:spLocks noGrp="1"/>
+          </p:cNvSpPr>
+          <p:nvPr>
+            <p:ph idx="1"/>
+          </p:nvPr>
+        </p:nvSpPr>
+        <p:spPr/>
+        <p:txBody>
+          <a:bodyPr/>
+          <a:lstStyle/>
+          <a:p>
+            <a:r>
+              <a:rPr lang="en-US" dirty="0"/>
+              <a:t>&amp;&amp; = AND</a:t>
+            </a:r>
+          </a:p>
+          <a:p>
+            <a:r>
+              <a:rPr lang="en-US" dirty="0"/>
+              <a:t>Used to check if BOTH statements evaluates to true or false</a:t>
+            </a:r>
+          </a:p>
+        </p:txBody>
+      </p:sp>
+      <p:pic>
+        <p:nvPicPr>
+          <p:cNvPr id="3" name="Picture 2">
+            <a:extLst>
+              <a:ext uri="{FF2B5EF4-FFF2-40B4-BE49-F238E27FC236}">
+                <a16:creationId xmlns:a16="http://schemas.microsoft.com/office/drawing/2014/main" id="{95FDFE14-316F-42B9-B384-D97E1B231C4E}"/>
+              </a:ext>
+            </a:extLst>
+          </p:cNvPr>
+          <p:cNvPicPr>
+            <a:picLocks noChangeAspect="1"/>
+          </p:cNvPicPr>
+          <p:nvPr/>
+        </p:nvPicPr>
+        <p:blipFill>
+          <a:blip r:embed="rId2">
+            <a:extLst>
+              <a:ext uri="{28A0092B-C50C-407E-A947-70E740481C1C}">
+                <a14:useLocalDpi xmlns:a14="http://schemas.microsoft.com/office/drawing/2010/main" val="0"/>
+              </a:ext>
+            </a:extLst>
+          </a:blip>
+          <a:stretch>
+            <a:fillRect/>
+          </a:stretch>
+        </p:blipFill>
+        <p:spPr>
+          <a:xfrm>
+            <a:off x="0" y="4635176"/>
+            <a:ext cx="5395858" cy="2227647"/>
+          </a:xfrm>
+          <a:prstGeom prst="rect">
+            <a:avLst/>
+          </a:prstGeom>
+        </p:spPr>
+      </p:pic>
+      <p:pic>
+        <p:nvPicPr>
+          <p:cNvPr id="7" name="Picture 6">
+            <a:extLst>
+              <a:ext uri="{FF2B5EF4-FFF2-40B4-BE49-F238E27FC236}">
+                <a16:creationId xmlns:a16="http://schemas.microsoft.com/office/drawing/2014/main" id="{4AD66764-C49F-4E66-B339-1FBBD38FBA17}"/>
+              </a:ext>
+            </a:extLst>
+          </p:cNvPr>
+          <p:cNvPicPr>
+            <a:picLocks noChangeAspect="1"/>
+          </p:cNvPicPr>
+          <p:nvPr/>
+        </p:nvPicPr>
+        <p:blipFill>
+          <a:blip r:embed="rId3">
+            <a:extLst>
+              <a:ext uri="{28A0092B-C50C-407E-A947-70E740481C1C}">
+                <a14:useLocalDpi xmlns:a14="http://schemas.microsoft.com/office/drawing/2010/main" val="0"/>
+              </a:ext>
+            </a:extLst>
+          </a:blip>
+          <a:stretch>
+            <a:fillRect/>
+          </a:stretch>
+        </p:blipFill>
+        <p:spPr>
+          <a:xfrm>
+            <a:off x="5393034" y="4631020"/>
+            <a:ext cx="6798967" cy="2227647"/>
+          </a:xfrm>
+          <a:prstGeom prst="rect">
+            <a:avLst/>
+          </a:prstGeom>
+        </p:spPr>
+      </p:pic>
+    </p:spTree>
+    <p:extLst>
+      <p:ext uri="{BB962C8B-B14F-4D97-AF65-F5344CB8AC3E}">
+        <p14:creationId xmlns:p14="http://schemas.microsoft.com/office/powerpoint/2010/main" val="1910661"/>
+      </p:ext>
+    </p:extLst>
+  </p:cSld>
+  <p:clrMapOvr>
+    <a:masterClrMapping/>
+  </p:clrMapOvr>
+</p:sld>
+</file>
+
+<file path=ppt/slides/slide21.xml><?xml version="1.0" encoding="utf-8"?>
+<p:sld xmlns:a="http://schemas.openxmlformats.org/drawingml/2006/main" xmlns:r="http://schemas.openxmlformats.org/officeDocument/2006/relationships" xmlns:p="http://schemas.openxmlformats.org/presentationml/2006/main">
+  <p:cSld>
+    <p:spTree>
+      <p:nvGrpSpPr>
+        <p:cNvPr id="1" name=""/>
+        <p:cNvGrpSpPr/>
+        <p:nvPr/>
+      </p:nvGrpSpPr>
+      <p:grpSpPr>
+        <a:xfrm>
+          <a:off x="0" y="0"/>
+          <a:ext cx="0" cy="0"/>
+          <a:chOff x="0" y="0"/>
+          <a:chExt cx="0" cy="0"/>
+        </a:xfrm>
+      </p:grpSpPr>
+      <p:sp>
+        <p:nvSpPr>
+          <p:cNvPr id="2" name="Title 1">
+            <a:extLst>
+              <a:ext uri="{FF2B5EF4-FFF2-40B4-BE49-F238E27FC236}">
+                <a16:creationId xmlns:a16="http://schemas.microsoft.com/office/drawing/2014/main" id="{1836974B-FAC0-4157-962E-7099D396529B}"/>
+              </a:ext>
+            </a:extLst>
+          </p:cNvPr>
+          <p:cNvSpPr>
+            <a:spLocks noGrp="1"/>
+          </p:cNvSpPr>
+          <p:nvPr>
+            <p:ph type="title"/>
+          </p:nvPr>
+        </p:nvSpPr>
+        <p:spPr/>
+        <p:txBody>
+          <a:bodyPr/>
+          <a:lstStyle/>
+          <a:p>
+            <a:r>
+              <a:rPr lang="en-US" dirty="0"/>
+              <a:t>Logical Operators - ||</a:t>
+            </a:r>
+          </a:p>
+        </p:txBody>
+      </p:sp>
+      <p:sp>
+        <p:nvSpPr>
+          <p:cNvPr id="3" name="Content Placeholder 2">
+            <a:extLst>
+              <a:ext uri="{FF2B5EF4-FFF2-40B4-BE49-F238E27FC236}">
+                <a16:creationId xmlns:a16="http://schemas.microsoft.com/office/drawing/2014/main" id="{D11C73CF-E9B0-46B4-A808-F5C10FFFEB67}"/>
+              </a:ext>
+            </a:extLst>
+          </p:cNvPr>
+          <p:cNvSpPr>
+            <a:spLocks noGrp="1"/>
+          </p:cNvSpPr>
+          <p:nvPr>
+            <p:ph idx="1"/>
+          </p:nvPr>
+        </p:nvSpPr>
+        <p:spPr/>
+        <p:txBody>
+          <a:bodyPr/>
+          <a:lstStyle/>
+          <a:p>
+            <a:r>
+              <a:rPr lang="en-US" dirty="0"/>
+              <a:t>||</a:t>
+            </a:r>
+          </a:p>
+          <a:p>
+            <a:pPr lvl="1"/>
+            <a:r>
+              <a:rPr lang="en-US" dirty="0"/>
+              <a:t>OR</a:t>
+            </a:r>
+          </a:p>
+          <a:p>
+            <a:pPr lvl="1"/>
+            <a:r>
+              <a:rPr lang="en-US" dirty="0"/>
+              <a:t>Used to check if EITHER statement evaluates to true or false</a:t>
+            </a:r>
+          </a:p>
+          <a:p>
+            <a:endParaRPr lang="en-US" dirty="0"/>
+          </a:p>
+        </p:txBody>
+      </p:sp>
+      <p:pic>
+        <p:nvPicPr>
+          <p:cNvPr id="5" name="Picture 4">
+            <a:extLst>
+              <a:ext uri="{FF2B5EF4-FFF2-40B4-BE49-F238E27FC236}">
+                <a16:creationId xmlns:a16="http://schemas.microsoft.com/office/drawing/2014/main" id="{7A8193EE-4833-4506-B8E4-8F5A323B5719}"/>
+              </a:ext>
+            </a:extLst>
+          </p:cNvPr>
+          <p:cNvPicPr>
+            <a:picLocks noChangeAspect="1"/>
+          </p:cNvPicPr>
+          <p:nvPr/>
+        </p:nvPicPr>
+        <p:blipFill>
+          <a:blip r:embed="rId2">
+            <a:extLst>
+              <a:ext uri="{28A0092B-C50C-407E-A947-70E740481C1C}">
+                <a14:useLocalDpi xmlns:a14="http://schemas.microsoft.com/office/drawing/2010/main" val="0"/>
+              </a:ext>
+            </a:extLst>
+          </a:blip>
+          <a:stretch>
+            <a:fillRect/>
+          </a:stretch>
+        </p:blipFill>
+        <p:spPr>
+          <a:xfrm>
+            <a:off x="0" y="4641358"/>
+            <a:ext cx="5056094" cy="2213498"/>
+          </a:xfrm>
+          <a:prstGeom prst="rect">
+            <a:avLst/>
+          </a:prstGeom>
+        </p:spPr>
+      </p:pic>
+      <p:pic>
+        <p:nvPicPr>
+          <p:cNvPr id="7" name="Picture 6">
+            <a:extLst>
+              <a:ext uri="{FF2B5EF4-FFF2-40B4-BE49-F238E27FC236}">
+                <a16:creationId xmlns:a16="http://schemas.microsoft.com/office/drawing/2014/main" id="{D7246E14-B4BC-40DB-B5C0-579FD2D508C8}"/>
+              </a:ext>
+            </a:extLst>
+          </p:cNvPr>
+          <p:cNvPicPr>
+            <a:picLocks noChangeAspect="1"/>
+          </p:cNvPicPr>
+          <p:nvPr/>
+        </p:nvPicPr>
+        <p:blipFill>
+          <a:blip r:embed="rId3">
+            <a:extLst>
+              <a:ext uri="{28A0092B-C50C-407E-A947-70E740481C1C}">
+                <a14:useLocalDpi xmlns:a14="http://schemas.microsoft.com/office/drawing/2010/main" val="0"/>
+              </a:ext>
+            </a:extLst>
+          </a:blip>
+          <a:stretch>
+            <a:fillRect/>
+          </a:stretch>
+        </p:blipFill>
+        <p:spPr>
+          <a:xfrm>
+            <a:off x="5009160" y="4642445"/>
+            <a:ext cx="7182841" cy="2215724"/>
+          </a:xfrm>
+          <a:prstGeom prst="rect">
+            <a:avLst/>
+          </a:prstGeom>
+        </p:spPr>
+      </p:pic>
+    </p:spTree>
+    <p:extLst>
+      <p:ext uri="{BB962C8B-B14F-4D97-AF65-F5344CB8AC3E}">
+        <p14:creationId xmlns:p14="http://schemas.microsoft.com/office/powerpoint/2010/main" val="2896210509"/>
+      </p:ext>
+    </p:extLst>
+  </p:cSld>
+  <p:clrMapOvr>
+    <a:masterClrMapping/>
+  </p:clrMapOvr>
+</p:sld>
+</file>
+
+<file path=ppt/slides/slide22.xml><?xml version="1.0" encoding="utf-8"?>
+<p:sld xmlns:a="http://schemas.openxmlformats.org/drawingml/2006/main" xmlns:r="http://schemas.openxmlformats.org/officeDocument/2006/relationships" xmlns:p="http://schemas.openxmlformats.org/presentationml/2006/main">
+  <p:cSld>
+    <p:spTree>
+      <p:nvGrpSpPr>
+        <p:cNvPr id="1" name=""/>
+        <p:cNvGrpSpPr/>
+        <p:nvPr/>
+      </p:nvGrpSpPr>
+      <p:grpSpPr>
+        <a:xfrm>
+          <a:off x="0" y="0"/>
+          <a:ext cx="0" cy="0"/>
+          <a:chOff x="0" y="0"/>
+          <a:chExt cx="0" cy="0"/>
+        </a:xfrm>
+      </p:grpSpPr>
+      <p:sp>
+        <p:nvSpPr>
+          <p:cNvPr id="2" name="Title 1">
+            <a:extLst>
+              <a:ext uri="{FF2B5EF4-FFF2-40B4-BE49-F238E27FC236}">
+                <a16:creationId xmlns:a16="http://schemas.microsoft.com/office/drawing/2014/main" id="{B7CF9931-313A-4054-8FFA-66C8BA1512AD}"/>
+              </a:ext>
+            </a:extLst>
+          </p:cNvPr>
+          <p:cNvSpPr>
+            <a:spLocks noGrp="1"/>
+          </p:cNvSpPr>
+          <p:nvPr>
+            <p:ph type="title"/>
+          </p:nvPr>
+        </p:nvSpPr>
+        <p:spPr/>
+        <p:txBody>
+          <a:bodyPr/>
+          <a:lstStyle/>
+          <a:p>
+            <a:r>
+              <a:rPr lang="en-US" dirty="0"/>
+              <a:t>Logical Operators - !</a:t>
+            </a:r>
+          </a:p>
+        </p:txBody>
+      </p:sp>
+      <p:sp>
+        <p:nvSpPr>
+          <p:cNvPr id="3" name="Content Placeholder 2">
+            <a:extLst>
+              <a:ext uri="{FF2B5EF4-FFF2-40B4-BE49-F238E27FC236}">
+                <a16:creationId xmlns:a16="http://schemas.microsoft.com/office/drawing/2014/main" id="{20AEDF36-B8A8-48CE-B5C3-9A0E809A1458}"/>
+              </a:ext>
+            </a:extLst>
+          </p:cNvPr>
+          <p:cNvSpPr>
+            <a:spLocks noGrp="1"/>
+          </p:cNvSpPr>
+          <p:nvPr>
+            <p:ph idx="1"/>
+          </p:nvPr>
+        </p:nvSpPr>
+        <p:spPr/>
+        <p:txBody>
+          <a:bodyPr/>
+          <a:lstStyle/>
+          <a:p>
+            <a:r>
+              <a:rPr lang="en-US" dirty="0"/>
+              <a:t>!</a:t>
+            </a:r>
+          </a:p>
+          <a:p>
+            <a:pPr lvl="1"/>
+            <a:r>
+              <a:rPr lang="en-US" dirty="0"/>
+              <a:t>NOT</a:t>
+            </a:r>
+          </a:p>
+          <a:p>
+            <a:pPr lvl="1"/>
+            <a:r>
+              <a:rPr lang="en-US" dirty="0"/>
+              <a:t>Used to check if a statement is not True or not False</a:t>
+            </a:r>
+          </a:p>
+          <a:p>
+            <a:endParaRPr lang="en-US" dirty="0"/>
+          </a:p>
+        </p:txBody>
+      </p:sp>
+      <p:pic>
+        <p:nvPicPr>
+          <p:cNvPr id="5" name="Picture 4">
+            <a:extLst>
+              <a:ext uri="{FF2B5EF4-FFF2-40B4-BE49-F238E27FC236}">
+                <a16:creationId xmlns:a16="http://schemas.microsoft.com/office/drawing/2014/main" id="{DCAD6A2C-EB7C-49FC-9FD4-BABAFA8977CC}"/>
+              </a:ext>
+            </a:extLst>
+          </p:cNvPr>
+          <p:cNvPicPr>
+            <a:picLocks noChangeAspect="1"/>
+          </p:cNvPicPr>
+          <p:nvPr/>
+        </p:nvPicPr>
+        <p:blipFill>
+          <a:blip r:embed="rId2">
+            <a:extLst>
+              <a:ext uri="{28A0092B-C50C-407E-A947-70E740481C1C}">
+                <a14:useLocalDpi xmlns:a14="http://schemas.microsoft.com/office/drawing/2010/main" val="0"/>
+              </a:ext>
+            </a:extLst>
+          </a:blip>
+          <a:stretch>
+            <a:fillRect/>
+          </a:stretch>
+        </p:blipFill>
+        <p:spPr>
+          <a:xfrm>
+            <a:off x="0" y="3707929"/>
+            <a:ext cx="3496235" cy="3150071"/>
+          </a:xfrm>
+          <a:prstGeom prst="rect">
+            <a:avLst/>
+          </a:prstGeom>
+        </p:spPr>
+      </p:pic>
+      <p:pic>
+        <p:nvPicPr>
+          <p:cNvPr id="9" name="Picture 8">
+            <a:extLst>
+              <a:ext uri="{FF2B5EF4-FFF2-40B4-BE49-F238E27FC236}">
+                <a16:creationId xmlns:a16="http://schemas.microsoft.com/office/drawing/2014/main" id="{833BB9D2-F871-4B43-B70F-B45AFB4F5835}"/>
+              </a:ext>
+            </a:extLst>
+          </p:cNvPr>
+          <p:cNvPicPr>
+            <a:picLocks noChangeAspect="1"/>
+          </p:cNvPicPr>
+          <p:nvPr/>
+        </p:nvPicPr>
+        <p:blipFill>
+          <a:blip r:embed="rId3">
+            <a:extLst>
+              <a:ext uri="{28A0092B-C50C-407E-A947-70E740481C1C}">
+                <a14:useLocalDpi xmlns:a14="http://schemas.microsoft.com/office/drawing/2010/main" val="0"/>
+              </a:ext>
+            </a:extLst>
+          </a:blip>
+          <a:stretch>
+            <a:fillRect/>
+          </a:stretch>
+        </p:blipFill>
+        <p:spPr>
+          <a:xfrm>
+            <a:off x="6732494" y="3707085"/>
+            <a:ext cx="5459506" cy="3150915"/>
+          </a:xfrm>
+          <a:prstGeom prst="rect">
+            <a:avLst/>
+          </a:prstGeom>
+        </p:spPr>
+      </p:pic>
+    </p:spTree>
+    <p:extLst>
+      <p:ext uri="{BB962C8B-B14F-4D97-AF65-F5344CB8AC3E}">
+        <p14:creationId xmlns:p14="http://schemas.microsoft.com/office/powerpoint/2010/main" val="2578521293"/>
+      </p:ext>
+    </p:extLst>
+  </p:cSld>
+  <p:clrMapOvr>
+    <a:masterClrMapping/>
+  </p:clrMapOvr>
+</p:sld>
+</file>
+
+<file path=ppt/slides/slide23.xml><?xml version="1.0" encoding="utf-8"?>
+<p:sld xmlns:a="http://schemas.openxmlformats.org/drawingml/2006/main" xmlns:r="http://schemas.openxmlformats.org/officeDocument/2006/relationships" xmlns:p="http://schemas.openxmlformats.org/presentationml/2006/main">
+  <p:cSld>
+    <p:spTree>
+      <p:nvGrpSpPr>
+        <p:cNvPr id="1" name=""/>
+        <p:cNvGrpSpPr/>
+        <p:nvPr/>
+      </p:nvGrpSpPr>
+      <p:grpSpPr>
+        <a:xfrm>
+          <a:off x="0" y="0"/>
+          <a:ext cx="0" cy="0"/>
+          <a:chOff x="0" y="0"/>
+          <a:chExt cx="0" cy="0"/>
+        </a:xfrm>
+      </p:grpSpPr>
+      <p:sp>
+        <p:nvSpPr>
+          <p:cNvPr id="2" name="Title 1">
+            <a:extLst>
+              <a:ext uri="{FF2B5EF4-FFF2-40B4-BE49-F238E27FC236}">
+                <a16:creationId xmlns:a16="http://schemas.microsoft.com/office/drawing/2014/main" id="{5D21F95E-4BF4-4334-A292-92691F199659}"/>
+              </a:ext>
+            </a:extLst>
+          </p:cNvPr>
+          <p:cNvSpPr>
+            <a:spLocks noGrp="1"/>
+          </p:cNvSpPr>
+          <p:nvPr>
+            <p:ph type="title"/>
+          </p:nvPr>
+        </p:nvSpPr>
+        <p:spPr/>
+        <p:txBody>
+          <a:bodyPr/>
+          <a:lstStyle/>
+          <a:p>
+            <a:r>
+              <a:rPr lang="en-US" dirty="0"/>
+              <a:t>Bitwise Operators</a:t>
+            </a:r>
+          </a:p>
+        </p:txBody>
+      </p:sp>
+      <p:sp>
+        <p:nvSpPr>
+          <p:cNvPr id="3" name="Content Placeholder 2">
+            <a:extLst>
+              <a:ext uri="{FF2B5EF4-FFF2-40B4-BE49-F238E27FC236}">
+                <a16:creationId xmlns:a16="http://schemas.microsoft.com/office/drawing/2014/main" id="{FB410ACF-0B3B-49AE-8730-AB0569776EFB}"/>
+              </a:ext>
+            </a:extLst>
+          </p:cNvPr>
+          <p:cNvSpPr>
+            <a:spLocks noGrp="1"/>
+          </p:cNvSpPr>
+          <p:nvPr>
+            <p:ph idx="1"/>
+          </p:nvPr>
+        </p:nvSpPr>
+        <p:spPr/>
+        <p:txBody>
+          <a:bodyPr/>
+          <a:lstStyle/>
+          <a:p>
+            <a:r>
+              <a:rPr lang="en-US" dirty="0"/>
+              <a:t>Used when comparing 32 bit numbers </a:t>
+            </a:r>
+          </a:p>
+          <a:p>
+            <a:r>
+              <a:rPr lang="en-US" dirty="0"/>
+              <a:t>These are by far the most niche operators, as binary is quite rare to come across, particularly in high level programming like JavaScript</a:t>
+            </a:r>
+          </a:p>
+          <a:p>
+            <a:r>
+              <a:rPr lang="en-US" dirty="0"/>
+              <a:t>Bitwise Operators sometimes come up in machine code or in C|C++, which directly manage the Random Access Memory (RAM) of your computer</a:t>
+            </a:r>
+          </a:p>
+        </p:txBody>
+      </p:sp>
+    </p:spTree>
+    <p:extLst>
+      <p:ext uri="{BB962C8B-B14F-4D97-AF65-F5344CB8AC3E}">
+        <p14:creationId xmlns:p14="http://schemas.microsoft.com/office/powerpoint/2010/main" val="1136624965"/>
+      </p:ext>
+    </p:extLst>
+  </p:cSld>
+  <p:clrMapOvr>
+    <a:masterClrMapping/>
+  </p:clrMapOvr>
+</p:sld>
+</file>
+
+<file path=ppt/slides/slide24.xml><?xml version="1.0" encoding="utf-8"?>
+<p:sld xmlns:a="http://schemas.openxmlformats.org/drawingml/2006/main" xmlns:r="http://schemas.openxmlformats.org/officeDocument/2006/relationships" xmlns:p="http://schemas.openxmlformats.org/presentationml/2006/main">
+  <p:cSld>
+    <p:spTree>
+      <p:nvGrpSpPr>
+        <p:cNvPr id="1" name=""/>
+        <p:cNvGrpSpPr/>
+        <p:nvPr/>
+      </p:nvGrpSpPr>
+      <p:grpSpPr>
+        <a:xfrm>
+          <a:off x="0" y="0"/>
+          <a:ext cx="0" cy="0"/>
+          <a:chOff x="0" y="0"/>
+          <a:chExt cx="0" cy="0"/>
+        </a:xfrm>
+      </p:grpSpPr>
+      <p:sp>
+        <p:nvSpPr>
+          <p:cNvPr id="2" name="Title 1">
+            <a:extLst>
+              <a:ext uri="{FF2B5EF4-FFF2-40B4-BE49-F238E27FC236}">
+                <a16:creationId xmlns:a16="http://schemas.microsoft.com/office/drawing/2014/main" id="{421B26B2-8002-4888-B01A-1E7D81CE74AA}"/>
+              </a:ext>
+            </a:extLst>
+          </p:cNvPr>
+          <p:cNvSpPr>
+            <a:spLocks noGrp="1"/>
+          </p:cNvSpPr>
+          <p:nvPr>
+            <p:ph type="title"/>
+          </p:nvPr>
+        </p:nvSpPr>
+        <p:spPr/>
+        <p:txBody>
+          <a:bodyPr/>
+          <a:lstStyle/>
+          <a:p>
+            <a:r>
+              <a:rPr lang="en-US" dirty="0"/>
+              <a:t>Binary Numbers</a:t>
+            </a:r>
+          </a:p>
+        </p:txBody>
+      </p:sp>
+      <p:pic>
+        <p:nvPicPr>
+          <p:cNvPr id="4" name="Content Placeholder 3">
+            <a:extLst>
+              <a:ext uri="{FF2B5EF4-FFF2-40B4-BE49-F238E27FC236}">
+                <a16:creationId xmlns:a16="http://schemas.microsoft.com/office/drawing/2014/main" id="{048C9B4E-F0AE-44F1-8581-488E04DCBD49}"/>
+              </a:ext>
+            </a:extLst>
+          </p:cNvPr>
+          <p:cNvPicPr>
+            <a:picLocks noGrp="1" noChangeAspect="1"/>
+          </p:cNvPicPr>
+          <p:nvPr>
+            <p:ph idx="1"/>
+          </p:nvPr>
+        </p:nvPicPr>
+        <p:blipFill>
+          <a:blip r:embed="rId2"/>
+          <a:stretch>
+            <a:fillRect/>
+          </a:stretch>
+        </p:blipFill>
+        <p:spPr>
+          <a:xfrm>
+            <a:off x="2008094" y="1294755"/>
+            <a:ext cx="7413812" cy="5563245"/>
+          </a:xfrm>
+          <a:prstGeom prst="rect">
+            <a:avLst/>
+          </a:prstGeom>
+        </p:spPr>
+      </p:pic>
+    </p:spTree>
+    <p:extLst>
+      <p:ext uri="{BB962C8B-B14F-4D97-AF65-F5344CB8AC3E}">
+        <p14:creationId xmlns:p14="http://schemas.microsoft.com/office/powerpoint/2010/main" val="2121109701"/>
+      </p:ext>
+    </p:extLst>
+  </p:cSld>
+  <p:clrMapOvr>
+    <a:masterClrMapping/>
+  </p:clrMapOvr>
+</p:sld>
+</file>
+
+<file path=ppt/slides/slide25.xml><?xml version="1.0" encoding="utf-8"?>
+<p:sld xmlns:a="http://schemas.openxmlformats.org/drawingml/2006/main" xmlns:r="http://schemas.openxmlformats.org/officeDocument/2006/relationships" xmlns:p="http://schemas.openxmlformats.org/presentationml/2006/main">
+  <p:cSld>
+    <p:spTree>
+      <p:nvGrpSpPr>
+        <p:cNvPr id="1" name=""/>
+        <p:cNvGrpSpPr/>
+        <p:nvPr/>
+      </p:nvGrpSpPr>
+      <p:grpSpPr>
+        <a:xfrm>
+          <a:off x="0" y="0"/>
+          <a:ext cx="0" cy="0"/>
+          <a:chOff x="0" y="0"/>
+          <a:chExt cx="0" cy="0"/>
+        </a:xfrm>
+      </p:grpSpPr>
+      <p:sp>
+        <p:nvSpPr>
+          <p:cNvPr id="2" name="Title 1">
+            <a:extLst>
+              <a:ext uri="{FF2B5EF4-FFF2-40B4-BE49-F238E27FC236}">
+                <a16:creationId xmlns:a16="http://schemas.microsoft.com/office/drawing/2014/main" id="{AFEF3E0C-E054-413E-9543-0B2B3E0B923E}"/>
+              </a:ext>
+            </a:extLst>
+          </p:cNvPr>
+          <p:cNvSpPr>
+            <a:spLocks noGrp="1"/>
+          </p:cNvSpPr>
+          <p:nvPr>
+            <p:ph type="title"/>
+          </p:nvPr>
+        </p:nvSpPr>
+        <p:spPr/>
+        <p:txBody>
+          <a:bodyPr/>
+          <a:lstStyle/>
+          <a:p>
+            <a:r>
+              <a:rPr lang="en-US" dirty="0"/>
+              <a:t>Bitwise Operators</a:t>
+            </a:r>
+          </a:p>
+        </p:txBody>
+      </p:sp>
+      <p:sp>
+        <p:nvSpPr>
+          <p:cNvPr id="3" name="Content Placeholder 2">
+            <a:extLst>
+              <a:ext uri="{FF2B5EF4-FFF2-40B4-BE49-F238E27FC236}">
+                <a16:creationId xmlns:a16="http://schemas.microsoft.com/office/drawing/2014/main" id="{C0995471-0FF3-4260-AF10-BDBB372E814A}"/>
+              </a:ext>
+            </a:extLst>
+          </p:cNvPr>
+          <p:cNvSpPr>
+            <a:spLocks noGrp="1"/>
+          </p:cNvSpPr>
+          <p:nvPr>
+            <p:ph idx="1"/>
+          </p:nvPr>
+        </p:nvSpPr>
+        <p:spPr/>
+        <p:txBody>
+          <a:bodyPr/>
+          <a:lstStyle/>
+          <a:p>
+            <a:r>
+              <a:rPr lang="en-US" dirty="0"/>
+              <a:t>&amp;</a:t>
+            </a:r>
+          </a:p>
+          <a:p>
+            <a:pPr lvl="1"/>
+            <a:r>
+              <a:rPr lang="en-US" dirty="0"/>
+              <a:t>Bitwise AND</a:t>
+            </a:r>
+          </a:p>
+          <a:p>
+            <a:pPr lvl="1"/>
+            <a:r>
+              <a:rPr lang="en-US" dirty="0"/>
+              <a:t>Returns a new number where each bit is set to 1 if BOTH bits are in the same position are a 1</a:t>
+            </a:r>
+          </a:p>
+          <a:p>
+            <a:pPr lvl="1"/>
+            <a:r>
+              <a:rPr lang="en-US" dirty="0"/>
+              <a:t>5 in binary is 0101</a:t>
+            </a:r>
+          </a:p>
+          <a:p>
+            <a:pPr lvl="1"/>
+            <a:r>
+              <a:rPr lang="en-US" dirty="0"/>
+              <a:t>1 in binary is 0001 </a:t>
+            </a:r>
+          </a:p>
+          <a:p>
+            <a:pPr lvl="1"/>
+            <a:r>
+              <a:rPr lang="en-US" dirty="0"/>
+              <a:t>5 &amp; 1 =&gt; 0101 &amp; 0001 =&gt; Only the last bit has both numbers as a 1 =&gt; 0001, which equals 1</a:t>
+            </a:r>
+          </a:p>
+          <a:p>
+            <a:pPr lvl="1"/>
+            <a:endParaRPr lang="en-US" dirty="0"/>
+          </a:p>
+        </p:txBody>
+      </p:sp>
+      <p:pic>
+        <p:nvPicPr>
+          <p:cNvPr id="5" name="Picture 4">
+            <a:extLst>
+              <a:ext uri="{FF2B5EF4-FFF2-40B4-BE49-F238E27FC236}">
+                <a16:creationId xmlns:a16="http://schemas.microsoft.com/office/drawing/2014/main" id="{3BD5E98C-871B-4561-A5F4-F2F364FD905F}"/>
+              </a:ext>
+            </a:extLst>
+          </p:cNvPr>
+          <p:cNvPicPr>
+            <a:picLocks noChangeAspect="1"/>
+          </p:cNvPicPr>
+          <p:nvPr/>
+        </p:nvPicPr>
+        <p:blipFill>
+          <a:blip r:embed="rId2">
+            <a:extLst>
+              <a:ext uri="{28A0092B-C50C-407E-A947-70E740481C1C}">
+                <a14:useLocalDpi xmlns:a14="http://schemas.microsoft.com/office/drawing/2010/main" val="0"/>
+              </a:ext>
+            </a:extLst>
+          </a:blip>
+          <a:stretch>
+            <a:fillRect/>
+          </a:stretch>
+        </p:blipFill>
+        <p:spPr>
+          <a:xfrm>
+            <a:off x="0" y="4890433"/>
+            <a:ext cx="1927412" cy="1967568"/>
+          </a:xfrm>
+          <a:prstGeom prst="rect">
+            <a:avLst/>
+          </a:prstGeom>
+        </p:spPr>
+      </p:pic>
+    </p:spTree>
+    <p:extLst>
+      <p:ext uri="{BB962C8B-B14F-4D97-AF65-F5344CB8AC3E}">
+        <p14:creationId xmlns:p14="http://schemas.microsoft.com/office/powerpoint/2010/main" val="2885487162"/>
+      </p:ext>
+    </p:extLst>
+  </p:cSld>
+  <p:clrMapOvr>
+    <a:masterClrMapping/>
+  </p:clrMapOvr>
+</p:sld>
+</file>
+
+<file path=ppt/slides/slide26.xml><?xml version="1.0" encoding="utf-8"?>
+<p:sld xmlns:a="http://schemas.openxmlformats.org/drawingml/2006/main" xmlns:r="http://schemas.openxmlformats.org/officeDocument/2006/relationships" xmlns:p="http://schemas.openxmlformats.org/presentationml/2006/main">
+  <p:cSld>
+    <p:spTree>
+      <p:nvGrpSpPr>
+        <p:cNvPr id="1" name=""/>
+        <p:cNvGrpSpPr/>
+        <p:nvPr/>
+      </p:nvGrpSpPr>
+      <p:grpSpPr>
+        <a:xfrm>
+          <a:off x="0" y="0"/>
+          <a:ext cx="0" cy="0"/>
+          <a:chOff x="0" y="0"/>
+          <a:chExt cx="0" cy="0"/>
+        </a:xfrm>
+      </p:grpSpPr>
+      <p:sp>
+        <p:nvSpPr>
+          <p:cNvPr id="2" name="Title 1">
+            <a:extLst>
+              <a:ext uri="{FF2B5EF4-FFF2-40B4-BE49-F238E27FC236}">
+                <a16:creationId xmlns:a16="http://schemas.microsoft.com/office/drawing/2014/main" id="{C332C19D-F03F-4B1D-A70B-C5E84B2EAEC1}"/>
+              </a:ext>
+            </a:extLst>
+          </p:cNvPr>
+          <p:cNvSpPr>
+            <a:spLocks noGrp="1"/>
+          </p:cNvSpPr>
+          <p:nvPr>
+            <p:ph type="title"/>
+          </p:nvPr>
+        </p:nvSpPr>
+        <p:spPr/>
+        <p:txBody>
+          <a:bodyPr/>
+          <a:lstStyle/>
+          <a:p>
+            <a:r>
+              <a:rPr lang="en-US" dirty="0"/>
+              <a:t>Bitwise Operators</a:t>
+            </a:r>
+          </a:p>
+        </p:txBody>
+      </p:sp>
+      <p:sp>
+        <p:nvSpPr>
+          <p:cNvPr id="3" name="Content Placeholder 2">
+            <a:extLst>
+              <a:ext uri="{FF2B5EF4-FFF2-40B4-BE49-F238E27FC236}">
+                <a16:creationId xmlns:a16="http://schemas.microsoft.com/office/drawing/2014/main" id="{5C8ED473-B214-4888-9883-5B6D06ACA740}"/>
+              </a:ext>
+            </a:extLst>
+          </p:cNvPr>
+          <p:cNvSpPr>
+            <a:spLocks noGrp="1"/>
+          </p:cNvSpPr>
+          <p:nvPr>
+            <p:ph idx="1"/>
+          </p:nvPr>
+        </p:nvSpPr>
+        <p:spPr/>
+        <p:txBody>
+          <a:bodyPr/>
+          <a:lstStyle/>
+          <a:p>
+            <a:r>
+              <a:rPr lang="en-US" dirty="0"/>
+              <a:t>|</a:t>
+            </a:r>
+          </a:p>
+          <a:p>
+            <a:pPr lvl="1"/>
+            <a:r>
+              <a:rPr lang="en-US" dirty="0"/>
+              <a:t>OR</a:t>
+            </a:r>
+          </a:p>
+          <a:p>
+            <a:pPr lvl="1"/>
+            <a:r>
+              <a:rPr lang="en-US" dirty="0"/>
+              <a:t>Returns a new number where each bit is set to 1 if either bit in the same position is 1.</a:t>
+            </a:r>
+          </a:p>
+          <a:p>
+            <a:pPr lvl="1"/>
+            <a:r>
+              <a:rPr lang="en-US" dirty="0"/>
+              <a:t>5 | 1 =&gt; 0101 OR 0001 =&gt; 0101, which equals 5</a:t>
+            </a:r>
+          </a:p>
+        </p:txBody>
+      </p:sp>
+      <p:pic>
+        <p:nvPicPr>
+          <p:cNvPr id="5" name="Picture 4">
+            <a:extLst>
+              <a:ext uri="{FF2B5EF4-FFF2-40B4-BE49-F238E27FC236}">
+                <a16:creationId xmlns:a16="http://schemas.microsoft.com/office/drawing/2014/main" id="{BCDA6311-F8B3-4AC3-97AE-24A8FFF75A40}"/>
+              </a:ext>
+            </a:extLst>
+          </p:cNvPr>
+          <p:cNvPicPr>
+            <a:picLocks noChangeAspect="1"/>
+          </p:cNvPicPr>
+          <p:nvPr/>
+        </p:nvPicPr>
+        <p:blipFill>
+          <a:blip r:embed="rId2">
+            <a:extLst>
+              <a:ext uri="{28A0092B-C50C-407E-A947-70E740481C1C}">
+                <a14:useLocalDpi xmlns:a14="http://schemas.microsoft.com/office/drawing/2010/main" val="0"/>
+              </a:ext>
+            </a:extLst>
+          </a:blip>
+          <a:stretch>
+            <a:fillRect/>
+          </a:stretch>
+        </p:blipFill>
+        <p:spPr>
+          <a:xfrm>
+            <a:off x="-1" y="4616629"/>
+            <a:ext cx="2124635" cy="2241372"/>
+          </a:xfrm>
+          <a:prstGeom prst="rect">
+            <a:avLst/>
+          </a:prstGeom>
+        </p:spPr>
+      </p:pic>
+    </p:spTree>
+    <p:extLst>
+      <p:ext uri="{BB962C8B-B14F-4D97-AF65-F5344CB8AC3E}">
+        <p14:creationId xmlns:p14="http://schemas.microsoft.com/office/powerpoint/2010/main" val="3245692810"/>
+      </p:ext>
+    </p:extLst>
+  </p:cSld>
+  <p:clrMapOvr>
+    <a:masterClrMapping/>
+  </p:clrMapOvr>
+</p:sld>
+</file>
+
+<file path=ppt/slides/slide27.xml><?xml version="1.0" encoding="utf-8"?>
+<p:sld xmlns:a="http://schemas.openxmlformats.org/drawingml/2006/main" xmlns:r="http://schemas.openxmlformats.org/officeDocument/2006/relationships" xmlns:p="http://schemas.openxmlformats.org/presentationml/2006/main">
+  <p:cSld>
+    <p:spTree>
+      <p:nvGrpSpPr>
+        <p:cNvPr id="1" name=""/>
+        <p:cNvGrpSpPr/>
+        <p:nvPr/>
+      </p:nvGrpSpPr>
+      <p:grpSpPr>
+        <a:xfrm>
+          <a:off x="0" y="0"/>
+          <a:ext cx="0" cy="0"/>
+          <a:chOff x="0" y="0"/>
+          <a:chExt cx="0" cy="0"/>
+        </a:xfrm>
+      </p:grpSpPr>
+      <p:sp>
+        <p:nvSpPr>
+          <p:cNvPr id="2" name="Title 1">
+            <a:extLst>
+              <a:ext uri="{FF2B5EF4-FFF2-40B4-BE49-F238E27FC236}">
+                <a16:creationId xmlns:a16="http://schemas.microsoft.com/office/drawing/2014/main" id="{00362964-E4C2-445F-A460-0F243A6FAA6A}"/>
+              </a:ext>
+            </a:extLst>
+          </p:cNvPr>
+          <p:cNvSpPr>
+            <a:spLocks noGrp="1"/>
+          </p:cNvSpPr>
+          <p:nvPr>
+            <p:ph type="title"/>
+          </p:nvPr>
+        </p:nvSpPr>
+        <p:spPr/>
+        <p:txBody>
+          <a:bodyPr/>
+          <a:lstStyle/>
+          <a:p>
+            <a:r>
+              <a:rPr lang="en-US" dirty="0"/>
+              <a:t>Bitwise Operators</a:t>
+            </a:r>
+          </a:p>
+        </p:txBody>
+      </p:sp>
+      <p:sp>
+        <p:nvSpPr>
+          <p:cNvPr id="3" name="Content Placeholder 2">
+            <a:extLst>
+              <a:ext uri="{FF2B5EF4-FFF2-40B4-BE49-F238E27FC236}">
+                <a16:creationId xmlns:a16="http://schemas.microsoft.com/office/drawing/2014/main" id="{03426887-39B9-4B8D-97B2-C73B05D273BB}"/>
+              </a:ext>
+            </a:extLst>
+          </p:cNvPr>
+          <p:cNvSpPr>
+            <a:spLocks noGrp="1"/>
+          </p:cNvSpPr>
+          <p:nvPr>
+            <p:ph idx="1"/>
+          </p:nvPr>
+        </p:nvSpPr>
+        <p:spPr/>
+        <p:txBody>
+          <a:bodyPr/>
+          <a:lstStyle/>
+          <a:p>
+            <a:r>
+              <a:rPr lang="en-US" dirty="0"/>
+              <a:t>^ </a:t>
+            </a:r>
+          </a:p>
+          <a:p>
+            <a:pPr lvl="1"/>
+            <a:r>
+              <a:rPr lang="en-US" dirty="0"/>
+              <a:t>XOR (Exclusive OR)</a:t>
+            </a:r>
+          </a:p>
+          <a:p>
+            <a:pPr lvl="1"/>
+            <a:r>
+              <a:rPr lang="en-US" dirty="0"/>
+              <a:t>Returns a new number where each bit is set to 1 only if the bits in each position are different</a:t>
+            </a:r>
+          </a:p>
+          <a:p>
+            <a:pPr lvl="1"/>
+            <a:r>
+              <a:rPr lang="en-US" dirty="0"/>
+              <a:t>5 ^ 3 =&gt; 0101 XOR 0011 =&gt; The second and third bits are opposites =&gt; 0110 =&gt; 6</a:t>
+            </a:r>
+          </a:p>
+        </p:txBody>
+      </p:sp>
+      <p:pic>
+        <p:nvPicPr>
+          <p:cNvPr id="5" name="Picture 4">
+            <a:extLst>
+              <a:ext uri="{FF2B5EF4-FFF2-40B4-BE49-F238E27FC236}">
+                <a16:creationId xmlns:a16="http://schemas.microsoft.com/office/drawing/2014/main" id="{5AC45470-BA83-40F9-A147-4B1B0EB9577D}"/>
+              </a:ext>
+            </a:extLst>
+          </p:cNvPr>
+          <p:cNvPicPr>
+            <a:picLocks noChangeAspect="1"/>
+          </p:cNvPicPr>
+          <p:nvPr/>
+        </p:nvPicPr>
+        <p:blipFill>
+          <a:blip r:embed="rId2">
+            <a:extLst>
+              <a:ext uri="{28A0092B-C50C-407E-A947-70E740481C1C}">
+                <a14:useLocalDpi xmlns:a14="http://schemas.microsoft.com/office/drawing/2010/main" val="0"/>
+              </a:ext>
+            </a:extLst>
+          </a:blip>
+          <a:stretch>
+            <a:fillRect/>
+          </a:stretch>
+        </p:blipFill>
+        <p:spPr>
+          <a:xfrm>
+            <a:off x="-1" y="4409053"/>
+            <a:ext cx="2420471" cy="2448948"/>
+          </a:xfrm>
+          <a:prstGeom prst="rect">
+            <a:avLst/>
+          </a:prstGeom>
+        </p:spPr>
+      </p:pic>
+    </p:spTree>
+    <p:extLst>
+      <p:ext uri="{BB962C8B-B14F-4D97-AF65-F5344CB8AC3E}">
+        <p14:creationId xmlns:p14="http://schemas.microsoft.com/office/powerpoint/2010/main" val="2472310060"/>
+      </p:ext>
+    </p:extLst>
+  </p:cSld>
+  <p:clrMapOvr>
+    <a:masterClrMapping/>
+  </p:clrMapOvr>
+</p:sld>
+</file>
+
+<file path=ppt/slides/slide28.xml><?xml version="1.0" encoding="utf-8"?>
+<p:sld xmlns:a="http://schemas.openxmlformats.org/drawingml/2006/main" xmlns:r="http://schemas.openxmlformats.org/officeDocument/2006/relationships" xmlns:p="http://schemas.openxmlformats.org/presentationml/2006/main">
+  <p:cSld>
+    <p:spTree>
+      <p:nvGrpSpPr>
+        <p:cNvPr id="1" name=""/>
+        <p:cNvGrpSpPr/>
+        <p:nvPr/>
+      </p:nvGrpSpPr>
+      <p:grpSpPr>
+        <a:xfrm>
+          <a:off x="0" y="0"/>
+          <a:ext cx="0" cy="0"/>
+          <a:chOff x="0" y="0"/>
+          <a:chExt cx="0" cy="0"/>
+        </a:xfrm>
+      </p:grpSpPr>
+      <p:sp>
+        <p:nvSpPr>
+          <p:cNvPr id="2" name="Title 1">
+            <a:extLst>
+              <a:ext uri="{FF2B5EF4-FFF2-40B4-BE49-F238E27FC236}">
+                <a16:creationId xmlns:a16="http://schemas.microsoft.com/office/drawing/2014/main" id="{6C8C371A-99DE-44CD-83E2-01ED2C314391}"/>
+              </a:ext>
+            </a:extLst>
+          </p:cNvPr>
+          <p:cNvSpPr>
+            <a:spLocks noGrp="1"/>
+          </p:cNvSpPr>
+          <p:nvPr>
+            <p:ph type="title"/>
+          </p:nvPr>
+        </p:nvSpPr>
+        <p:spPr/>
+        <p:txBody>
+          <a:bodyPr/>
+          <a:lstStyle/>
+          <a:p>
+            <a:r>
+              <a:rPr lang="en-US" dirty="0"/>
+              <a:t>Bitwise Operators</a:t>
+            </a:r>
+          </a:p>
+        </p:txBody>
+      </p:sp>
+      <p:sp>
+        <p:nvSpPr>
+          <p:cNvPr id="3" name="Content Placeholder 2">
+            <a:extLst>
+              <a:ext uri="{FF2B5EF4-FFF2-40B4-BE49-F238E27FC236}">
+                <a16:creationId xmlns:a16="http://schemas.microsoft.com/office/drawing/2014/main" id="{33226C20-3C29-40FF-B3DE-75AB19D044EE}"/>
+              </a:ext>
+            </a:extLst>
+          </p:cNvPr>
+          <p:cNvSpPr>
+            <a:spLocks noGrp="1"/>
+          </p:cNvSpPr>
+          <p:nvPr>
+            <p:ph idx="1"/>
+          </p:nvPr>
+        </p:nvSpPr>
+        <p:spPr/>
+        <p:txBody>
+          <a:bodyPr/>
+          <a:lstStyle/>
+          <a:p>
+            <a:r>
+              <a:rPr lang="en-US" dirty="0"/>
+              <a:t>~</a:t>
+            </a:r>
+          </a:p>
+          <a:p>
+            <a:pPr lvl="1"/>
+            <a:r>
+              <a:rPr lang="en-US" dirty="0"/>
+              <a:t>NOT</a:t>
+            </a:r>
+          </a:p>
+          <a:p>
+            <a:pPr lvl="1"/>
+            <a:r>
+              <a:rPr lang="en-US" dirty="0"/>
+              <a:t>Only bitwise operator that operates on a single number (~5)</a:t>
+            </a:r>
+          </a:p>
+          <a:p>
+            <a:pPr lvl="1"/>
+            <a:r>
+              <a:rPr lang="en-US" dirty="0"/>
+              <a:t>Returns a new number where each bit is the opposite of the original binary number</a:t>
+            </a:r>
+          </a:p>
+          <a:p>
+            <a:pPr lvl="1"/>
+            <a:r>
+              <a:rPr lang="en-US" dirty="0"/>
+              <a:t>~5 =&gt; NOT 0101 =&gt; 1010 =&gt; 10</a:t>
+            </a:r>
+          </a:p>
+        </p:txBody>
+      </p:sp>
+      <p:pic>
+        <p:nvPicPr>
+          <p:cNvPr id="5" name="Picture 4">
+            <a:extLst>
+              <a:ext uri="{FF2B5EF4-FFF2-40B4-BE49-F238E27FC236}">
+                <a16:creationId xmlns:a16="http://schemas.microsoft.com/office/drawing/2014/main" id="{BBD4A7AE-750E-490F-B9F1-DABAF47B250C}"/>
+              </a:ext>
+            </a:extLst>
+          </p:cNvPr>
+          <p:cNvPicPr>
+            <a:picLocks noChangeAspect="1"/>
+          </p:cNvPicPr>
+          <p:nvPr/>
+        </p:nvPicPr>
+        <p:blipFill>
+          <a:blip r:embed="rId2">
+            <a:extLst>
+              <a:ext uri="{28A0092B-C50C-407E-A947-70E740481C1C}">
+                <a14:useLocalDpi xmlns:a14="http://schemas.microsoft.com/office/drawing/2010/main" val="0"/>
+              </a:ext>
+            </a:extLst>
+          </a:blip>
+          <a:stretch>
+            <a:fillRect/>
+          </a:stretch>
+        </p:blipFill>
+        <p:spPr>
+          <a:xfrm>
+            <a:off x="0" y="4355487"/>
+            <a:ext cx="2635624" cy="2502513"/>
+          </a:xfrm>
+          <a:prstGeom prst="rect">
+            <a:avLst/>
+          </a:prstGeom>
+        </p:spPr>
+      </p:pic>
+    </p:spTree>
+    <p:extLst>
+      <p:ext uri="{BB962C8B-B14F-4D97-AF65-F5344CB8AC3E}">
+        <p14:creationId xmlns:p14="http://schemas.microsoft.com/office/powerpoint/2010/main" val="394897875"/>
+      </p:ext>
+    </p:extLst>
+  </p:cSld>
+  <p:clrMapOvr>
+    <a:masterClrMapping/>
+  </p:clrMapOvr>
+</p:sld>
+</file>
+
+<file path=ppt/slides/slide29.xml><?xml version="1.0" encoding="utf-8"?>
+<p:sld xmlns:a="http://schemas.openxmlformats.org/drawingml/2006/main" xmlns:r="http://schemas.openxmlformats.org/officeDocument/2006/relationships" xmlns:p="http://schemas.openxmlformats.org/presentationml/2006/main">
+  <p:cSld>
+    <p:spTree>
+      <p:nvGrpSpPr>
+        <p:cNvPr id="1" name=""/>
+        <p:cNvGrpSpPr/>
+        <p:nvPr/>
+      </p:nvGrpSpPr>
+      <p:grpSpPr>
+        <a:xfrm>
+          <a:off x="0" y="0"/>
+          <a:ext cx="0" cy="0"/>
+          <a:chOff x="0" y="0"/>
+          <a:chExt cx="0" cy="0"/>
+        </a:xfrm>
+      </p:grpSpPr>
+      <p:sp>
+        <p:nvSpPr>
+          <p:cNvPr id="2" name="Title 1">
+            <a:extLst>
+              <a:ext uri="{FF2B5EF4-FFF2-40B4-BE49-F238E27FC236}">
+                <a16:creationId xmlns:a16="http://schemas.microsoft.com/office/drawing/2014/main" id="{24495BA8-D354-48DF-91B6-0E0A3573F127}"/>
+              </a:ext>
+            </a:extLst>
+          </p:cNvPr>
+          <p:cNvSpPr>
+            <a:spLocks noGrp="1"/>
+          </p:cNvSpPr>
+          <p:nvPr>
+            <p:ph type="title"/>
+          </p:nvPr>
+        </p:nvSpPr>
+        <p:spPr/>
+        <p:txBody>
+          <a:bodyPr/>
+          <a:lstStyle/>
+          <a:p>
+            <a:r>
+              <a:rPr lang="en-US" dirty="0"/>
+              <a:t>Bitwise Operators</a:t>
+            </a:r>
+          </a:p>
+        </p:txBody>
+      </p:sp>
+      <p:sp>
+        <p:nvSpPr>
+          <p:cNvPr id="3" name="Content Placeholder 2">
+            <a:extLst>
+              <a:ext uri="{FF2B5EF4-FFF2-40B4-BE49-F238E27FC236}">
+                <a16:creationId xmlns:a16="http://schemas.microsoft.com/office/drawing/2014/main" id="{765FB212-58FE-4E72-9A16-D4099D78425B}"/>
+              </a:ext>
+            </a:extLst>
+          </p:cNvPr>
+          <p:cNvSpPr>
+            <a:spLocks noGrp="1"/>
+          </p:cNvSpPr>
+          <p:nvPr>
+            <p:ph idx="1"/>
+          </p:nvPr>
+        </p:nvSpPr>
+        <p:spPr/>
+        <p:txBody>
+          <a:bodyPr/>
+          <a:lstStyle/>
+          <a:p>
+            <a:r>
+              <a:rPr lang="en-US" dirty="0"/>
+              <a:t>&lt;&lt;</a:t>
+            </a:r>
+          </a:p>
+          <a:p>
+            <a:pPr lvl="1"/>
+            <a:r>
+              <a:rPr lang="en-US" dirty="0"/>
+              <a:t>Left Shift</a:t>
+            </a:r>
+          </a:p>
+          <a:p>
+            <a:pPr lvl="1"/>
+            <a:r>
+              <a:rPr lang="en-US" dirty="0"/>
+              <a:t>Shifts each bit of a number to the left by a specified number of positions</a:t>
+            </a:r>
+          </a:p>
+          <a:p>
+            <a:pPr lvl="1"/>
+            <a:r>
+              <a:rPr lang="en-US" dirty="0"/>
+              <a:t>5 &lt;&lt; 1 =&gt; Shifts the bits of 5 by 1 position =&gt; 0101 =&gt; 1010 =&gt; 10</a:t>
+            </a:r>
+          </a:p>
+          <a:p>
+            <a:pPr lvl="1"/>
+            <a:endParaRPr lang="en-US" dirty="0"/>
+          </a:p>
+        </p:txBody>
+      </p:sp>
+      <p:pic>
+        <p:nvPicPr>
+          <p:cNvPr id="5" name="Picture 4">
+            <a:extLst>
+              <a:ext uri="{FF2B5EF4-FFF2-40B4-BE49-F238E27FC236}">
+                <a16:creationId xmlns:a16="http://schemas.microsoft.com/office/drawing/2014/main" id="{C2D378A2-F634-4D8D-A021-D65CC32D6D17}"/>
+              </a:ext>
+            </a:extLst>
+          </p:cNvPr>
+          <p:cNvPicPr>
+            <a:picLocks noChangeAspect="1"/>
+          </p:cNvPicPr>
+          <p:nvPr/>
+        </p:nvPicPr>
+        <p:blipFill>
+          <a:blip r:embed="rId2">
+            <a:extLst>
+              <a:ext uri="{28A0092B-C50C-407E-A947-70E740481C1C}">
+                <a14:useLocalDpi xmlns:a14="http://schemas.microsoft.com/office/drawing/2010/main" val="0"/>
+              </a:ext>
+            </a:extLst>
+          </a:blip>
+          <a:stretch>
+            <a:fillRect/>
+          </a:stretch>
+        </p:blipFill>
+        <p:spPr>
+          <a:xfrm>
+            <a:off x="-74" y="3775055"/>
+            <a:ext cx="3460449" cy="3082946"/>
+          </a:xfrm>
+          <a:prstGeom prst="rect">
+            <a:avLst/>
+          </a:prstGeom>
+        </p:spPr>
+      </p:pic>
+    </p:spTree>
+    <p:extLst>
+      <p:ext uri="{BB962C8B-B14F-4D97-AF65-F5344CB8AC3E}">
+        <p14:creationId xmlns:p14="http://schemas.microsoft.com/office/powerpoint/2010/main" val="1797629338"/>
       </p:ext>
     </p:extLst>
   </p:cSld>
@@ -4901,7 +6555,7 @@
           <p:cNvPr id="2" name="Title 1">
             <a:extLst>
               <a:ext uri="{FF2B5EF4-FFF2-40B4-BE49-F238E27FC236}">
-                <a16:creationId xmlns:a16="http://schemas.microsoft.com/office/drawing/2014/main" id="{2ADBD612-A790-4C1A-91E1-67C62AE12919}"/>
+                <a16:creationId xmlns:a16="http://schemas.microsoft.com/office/drawing/2014/main" id="{BABB0ED9-E5C9-432F-9E97-9835FD06EA90}"/>
               </a:ext>
             </a:extLst>
           </p:cNvPr>
@@ -4929,7 +6583,7 @@
           <p:cNvPr id="3" name="Content Placeholder 2">
             <a:extLst>
               <a:ext uri="{FF2B5EF4-FFF2-40B4-BE49-F238E27FC236}">
-                <a16:creationId xmlns:a16="http://schemas.microsoft.com/office/drawing/2014/main" id="{C33302E7-22FE-4DA2-B2B6-2008898FCE8D}"/>
+                <a16:creationId xmlns:a16="http://schemas.microsoft.com/office/drawing/2014/main" id="{B55A2069-0AC9-4E22-A028-D1F938A50964}"/>
               </a:ext>
             </a:extLst>
           </p:cNvPr>
@@ -4947,33 +6601,378 @@
           <a:p>
             <a:r>
               <a:rPr lang="en-US" dirty="0"/>
-              <a:t>You can declare multiple variables on the same line</a:t>
-            </a:r>
-          </a:p>
-          <a:p>
-            <a:pPr lvl="1"/>
-            <a:r>
-              <a:rPr lang="en-US" dirty="0"/>
-              <a:t>Ex: let x = 10, y, z = “zebra”;</a:t>
-            </a:r>
-          </a:p>
-          <a:p>
-            <a:r>
-              <a:rPr lang="en-US" dirty="0"/>
-              <a:t>You can declare a variable without any value at all as long as it is not a constant (which cannot </a:t>
-            </a:r>
-            <a:r>
-              <a:rPr lang="en-US"/>
-              <a:t>be reassigned)</a:t>
-            </a:r>
+              <a:t>Var – Creates a standard variable</a:t>
+            </a:r>
+          </a:p>
+          <a:p>
+            <a:r>
+              <a:rPr lang="en-US" dirty="0"/>
+              <a:t>This method comes from an older version of JS that </a:t>
+            </a:r>
+            <a:r>
+              <a:rPr lang="en-US" i="1" dirty="0"/>
+              <a:t>should not be used</a:t>
+            </a:r>
+          </a:p>
+          <a:p>
+            <a:r>
+              <a:rPr lang="en-US" dirty="0"/>
+              <a:t>Although this method is obsolete (we’ll discuss why later), you will see it often in old code</a:t>
+            </a:r>
+          </a:p>
+          <a:p>
             <a:endParaRPr lang="en-US" dirty="0"/>
           </a:p>
         </p:txBody>
       </p:sp>
+      <p:pic>
+        <p:nvPicPr>
+          <p:cNvPr id="5" name="Picture 4">
+            <a:extLst>
+              <a:ext uri="{FF2B5EF4-FFF2-40B4-BE49-F238E27FC236}">
+                <a16:creationId xmlns:a16="http://schemas.microsoft.com/office/drawing/2014/main" id="{714458C1-BA85-4F26-959D-0A6313EFC215}"/>
+              </a:ext>
+            </a:extLst>
+          </p:cNvPr>
+          <p:cNvPicPr>
+            <a:picLocks noChangeAspect="1"/>
+          </p:cNvPicPr>
+          <p:nvPr/>
+        </p:nvPicPr>
+        <p:blipFill>
+          <a:blip r:embed="rId2">
+            <a:extLst>
+              <a:ext uri="{28A0092B-C50C-407E-A947-70E740481C1C}">
+                <a14:useLocalDpi xmlns:a14="http://schemas.microsoft.com/office/drawing/2010/main" val="0"/>
+              </a:ext>
+            </a:extLst>
+          </a:blip>
+          <a:stretch>
+            <a:fillRect/>
+          </a:stretch>
+        </p:blipFill>
+        <p:spPr>
+          <a:xfrm>
+            <a:off x="0" y="5655058"/>
+            <a:ext cx="12192000" cy="1202942"/>
+          </a:xfrm>
+          <a:prstGeom prst="rect">
+            <a:avLst/>
+          </a:prstGeom>
+        </p:spPr>
+      </p:pic>
     </p:spTree>
     <p:extLst>
       <p:ext uri="{BB962C8B-B14F-4D97-AF65-F5344CB8AC3E}">
-        <p14:creationId xmlns:p14="http://schemas.microsoft.com/office/powerpoint/2010/main" val="3629898389"/>
+        <p14:creationId xmlns:p14="http://schemas.microsoft.com/office/powerpoint/2010/main" val="3406109863"/>
+      </p:ext>
+    </p:extLst>
+  </p:cSld>
+  <p:clrMapOvr>
+    <a:masterClrMapping/>
+  </p:clrMapOvr>
+</p:sld>
+</file>
+
+<file path=ppt/slides/slide30.xml><?xml version="1.0" encoding="utf-8"?>
+<p:sld xmlns:a="http://schemas.openxmlformats.org/drawingml/2006/main" xmlns:r="http://schemas.openxmlformats.org/officeDocument/2006/relationships" xmlns:p="http://schemas.openxmlformats.org/presentationml/2006/main">
+  <p:cSld>
+    <p:spTree>
+      <p:nvGrpSpPr>
+        <p:cNvPr id="1" name=""/>
+        <p:cNvGrpSpPr/>
+        <p:nvPr/>
+      </p:nvGrpSpPr>
+      <p:grpSpPr>
+        <a:xfrm>
+          <a:off x="0" y="0"/>
+          <a:ext cx="0" cy="0"/>
+          <a:chOff x="0" y="0"/>
+          <a:chExt cx="0" cy="0"/>
+        </a:xfrm>
+      </p:grpSpPr>
+      <p:sp>
+        <p:nvSpPr>
+          <p:cNvPr id="2" name="Title 1">
+            <a:extLst>
+              <a:ext uri="{FF2B5EF4-FFF2-40B4-BE49-F238E27FC236}">
+                <a16:creationId xmlns:a16="http://schemas.microsoft.com/office/drawing/2014/main" id="{B160D1EF-F574-41CD-8062-B2EAF986BAA6}"/>
+              </a:ext>
+            </a:extLst>
+          </p:cNvPr>
+          <p:cNvSpPr>
+            <a:spLocks noGrp="1"/>
+          </p:cNvSpPr>
+          <p:nvPr>
+            <p:ph type="title"/>
+          </p:nvPr>
+        </p:nvSpPr>
+        <p:spPr/>
+        <p:txBody>
+          <a:bodyPr/>
+          <a:lstStyle/>
+          <a:p>
+            <a:r>
+              <a:rPr lang="en-US" dirty="0"/>
+              <a:t>Bitwise Operators</a:t>
+            </a:r>
+          </a:p>
+        </p:txBody>
+      </p:sp>
+      <p:sp>
+        <p:nvSpPr>
+          <p:cNvPr id="3" name="Content Placeholder 2">
+            <a:extLst>
+              <a:ext uri="{FF2B5EF4-FFF2-40B4-BE49-F238E27FC236}">
+                <a16:creationId xmlns:a16="http://schemas.microsoft.com/office/drawing/2014/main" id="{1A0A1B8F-3D45-4403-B183-12BCC3FCCF8E}"/>
+              </a:ext>
+            </a:extLst>
+          </p:cNvPr>
+          <p:cNvSpPr>
+            <a:spLocks noGrp="1"/>
+          </p:cNvSpPr>
+          <p:nvPr>
+            <p:ph idx="1"/>
+          </p:nvPr>
+        </p:nvSpPr>
+        <p:spPr/>
+        <p:txBody>
+          <a:bodyPr/>
+          <a:lstStyle/>
+          <a:p>
+            <a:r>
+              <a:rPr lang="en-US" dirty="0"/>
+              <a:t>&gt;&gt;</a:t>
+            </a:r>
+          </a:p>
+          <a:p>
+            <a:pPr lvl="1"/>
+            <a:r>
+              <a:rPr lang="en-US" dirty="0"/>
+              <a:t>Right Shift</a:t>
+            </a:r>
+          </a:p>
+          <a:p>
+            <a:pPr lvl="1"/>
+            <a:r>
+              <a:rPr lang="en-US" dirty="0"/>
+              <a:t>Shifts each bit to the right by a specified number of positions.</a:t>
+            </a:r>
+          </a:p>
+          <a:p>
+            <a:pPr lvl="1"/>
+            <a:r>
+              <a:rPr lang="en-US" dirty="0"/>
+              <a:t>Fills the left side with 0s if positive, 1s if negative.</a:t>
+            </a:r>
+          </a:p>
+          <a:p>
+            <a:pPr lvl="1"/>
+            <a:r>
+              <a:rPr lang="en-US" dirty="0"/>
+              <a:t>Discards bits shifted off the right side</a:t>
+            </a:r>
+          </a:p>
+          <a:p>
+            <a:pPr lvl="1"/>
+            <a:r>
+              <a:rPr lang="en-US" dirty="0"/>
+              <a:t>5 &gt;&gt; 1 =&gt; Shifts the bits of 5 to the right by 1 position =&gt; 0101 =&gt; 0010 =&gt; 2</a:t>
+            </a:r>
+          </a:p>
+          <a:p>
+            <a:endParaRPr lang="en-US" dirty="0"/>
+          </a:p>
+        </p:txBody>
+      </p:sp>
+      <p:pic>
+        <p:nvPicPr>
+          <p:cNvPr id="5" name="Picture 4">
+            <a:extLst>
+              <a:ext uri="{FF2B5EF4-FFF2-40B4-BE49-F238E27FC236}">
+                <a16:creationId xmlns:a16="http://schemas.microsoft.com/office/drawing/2014/main" id="{1DEDE4F3-3D69-414A-A372-F403D6E21220}"/>
+              </a:ext>
+            </a:extLst>
+          </p:cNvPr>
+          <p:cNvPicPr>
+            <a:picLocks noChangeAspect="1"/>
+          </p:cNvPicPr>
+          <p:nvPr/>
+        </p:nvPicPr>
+        <p:blipFill>
+          <a:blip r:embed="rId2">
+            <a:extLst>
+              <a:ext uri="{28A0092B-C50C-407E-A947-70E740481C1C}">
+                <a14:useLocalDpi xmlns:a14="http://schemas.microsoft.com/office/drawing/2010/main" val="0"/>
+              </a:ext>
+            </a:extLst>
+          </a:blip>
+          <a:stretch>
+            <a:fillRect/>
+          </a:stretch>
+        </p:blipFill>
+        <p:spPr>
+          <a:xfrm>
+            <a:off x="0" y="4393131"/>
+            <a:ext cx="3003176" cy="2464869"/>
+          </a:xfrm>
+          <a:prstGeom prst="rect">
+            <a:avLst/>
+          </a:prstGeom>
+        </p:spPr>
+      </p:pic>
+    </p:spTree>
+    <p:extLst>
+      <p:ext uri="{BB962C8B-B14F-4D97-AF65-F5344CB8AC3E}">
+        <p14:creationId xmlns:p14="http://schemas.microsoft.com/office/powerpoint/2010/main" val="275117635"/>
+      </p:ext>
+    </p:extLst>
+  </p:cSld>
+  <p:clrMapOvr>
+    <a:masterClrMapping/>
+  </p:clrMapOvr>
+</p:sld>
+</file>
+
+<file path=ppt/slides/slide31.xml><?xml version="1.0" encoding="utf-8"?>
+<p:sld xmlns:a="http://schemas.openxmlformats.org/drawingml/2006/main" xmlns:r="http://schemas.openxmlformats.org/officeDocument/2006/relationships" xmlns:p="http://schemas.openxmlformats.org/presentationml/2006/main">
+  <p:cSld>
+    <p:spTree>
+      <p:nvGrpSpPr>
+        <p:cNvPr id="1" name=""/>
+        <p:cNvGrpSpPr/>
+        <p:nvPr/>
+      </p:nvGrpSpPr>
+      <p:grpSpPr>
+        <a:xfrm>
+          <a:off x="0" y="0"/>
+          <a:ext cx="0" cy="0"/>
+          <a:chOff x="0" y="0"/>
+          <a:chExt cx="0" cy="0"/>
+        </a:xfrm>
+      </p:grpSpPr>
+      <p:sp>
+        <p:nvSpPr>
+          <p:cNvPr id="2" name="Title 1">
+            <a:extLst>
+              <a:ext uri="{FF2B5EF4-FFF2-40B4-BE49-F238E27FC236}">
+                <a16:creationId xmlns:a16="http://schemas.microsoft.com/office/drawing/2014/main" id="{4338B291-7984-4C69-B7FE-773A92C283FD}"/>
+              </a:ext>
+            </a:extLst>
+          </p:cNvPr>
+          <p:cNvSpPr>
+            <a:spLocks noGrp="1"/>
+          </p:cNvSpPr>
+          <p:nvPr>
+            <p:ph type="title"/>
+          </p:nvPr>
+        </p:nvSpPr>
+        <p:spPr/>
+        <p:txBody>
+          <a:bodyPr/>
+          <a:lstStyle/>
+          <a:p>
+            <a:r>
+              <a:rPr lang="en-US" dirty="0"/>
+              <a:t>Bitwise Operators</a:t>
+            </a:r>
+          </a:p>
+        </p:txBody>
+      </p:sp>
+      <p:sp>
+        <p:nvSpPr>
+          <p:cNvPr id="3" name="Content Placeholder 2">
+            <a:extLst>
+              <a:ext uri="{FF2B5EF4-FFF2-40B4-BE49-F238E27FC236}">
+                <a16:creationId xmlns:a16="http://schemas.microsoft.com/office/drawing/2014/main" id="{B163D1D1-0DD7-4C89-87F3-E28CBE55DCEC}"/>
+              </a:ext>
+            </a:extLst>
+          </p:cNvPr>
+          <p:cNvSpPr>
+            <a:spLocks noGrp="1"/>
+          </p:cNvSpPr>
+          <p:nvPr>
+            <p:ph idx="1"/>
+          </p:nvPr>
+        </p:nvSpPr>
+        <p:spPr/>
+        <p:txBody>
+          <a:bodyPr/>
+          <a:lstStyle/>
+          <a:p>
+            <a:r>
+              <a:rPr lang="en-US" dirty="0"/>
+              <a:t>&gt;&gt;&gt;</a:t>
+            </a:r>
+          </a:p>
+          <a:p>
+            <a:pPr lvl="1"/>
+            <a:r>
+              <a:rPr lang="en-US" dirty="0"/>
+              <a:t>Unsigned Right Shift</a:t>
+            </a:r>
+          </a:p>
+          <a:p>
+            <a:pPr lvl="1"/>
+            <a:r>
+              <a:rPr lang="en-US" dirty="0"/>
+              <a:t>Shifts bits to the right a specified number of positions.</a:t>
+            </a:r>
+          </a:p>
+          <a:p>
+            <a:pPr lvl="1"/>
+            <a:r>
+              <a:rPr lang="en-US" dirty="0"/>
+              <a:t>Will </a:t>
+            </a:r>
+            <a:r>
+              <a:rPr lang="en-US" i="1" dirty="0"/>
+              <a:t>always fill the left side with 0s regardless of whether the number was positive or negative</a:t>
+            </a:r>
+            <a:endParaRPr lang="en-US" dirty="0"/>
+          </a:p>
+        </p:txBody>
+      </p:sp>
+      <p:pic>
+        <p:nvPicPr>
+          <p:cNvPr id="5" name="Picture 4">
+            <a:extLst>
+              <a:ext uri="{FF2B5EF4-FFF2-40B4-BE49-F238E27FC236}">
+                <a16:creationId xmlns:a16="http://schemas.microsoft.com/office/drawing/2014/main" id="{73F730D3-92C7-4DFA-B3F2-F4F4B9C8DF4A}"/>
+              </a:ext>
+            </a:extLst>
+          </p:cNvPr>
+          <p:cNvPicPr>
+            <a:picLocks noChangeAspect="1"/>
+          </p:cNvPicPr>
+          <p:nvPr/>
+        </p:nvPicPr>
+        <p:blipFill>
+          <a:blip r:embed="rId2">
+            <a:extLst>
+              <a:ext uri="{28A0092B-C50C-407E-A947-70E740481C1C}">
+                <a14:useLocalDpi xmlns:a14="http://schemas.microsoft.com/office/drawing/2010/main" val="0"/>
+              </a:ext>
+            </a:extLst>
+          </a:blip>
+          <a:stretch>
+            <a:fillRect/>
+          </a:stretch>
+        </p:blipFill>
+        <p:spPr>
+          <a:xfrm>
+            <a:off x="0" y="3957668"/>
+            <a:ext cx="4007224" cy="2917257"/>
+          </a:xfrm>
+          <a:prstGeom prst="rect">
+            <a:avLst/>
+          </a:prstGeom>
+        </p:spPr>
+      </p:pic>
+    </p:spTree>
+    <p:extLst>
+      <p:ext uri="{BB962C8B-B14F-4D97-AF65-F5344CB8AC3E}">
+        <p14:creationId xmlns:p14="http://schemas.microsoft.com/office/powerpoint/2010/main" val="3087782687"/>
       </p:ext>
     </p:extLst>
   </p:cSld>
@@ -5005,7 +7004,7 @@
           <p:cNvPr id="2" name="Title 1">
             <a:extLst>
               <a:ext uri="{FF2B5EF4-FFF2-40B4-BE49-F238E27FC236}">
-                <a16:creationId xmlns:a16="http://schemas.microsoft.com/office/drawing/2014/main" id="{A074167C-6E1A-4C18-92D8-F721A4D098D0}"/>
+                <a16:creationId xmlns:a16="http://schemas.microsoft.com/office/drawing/2014/main" id="{2ADBD612-A790-4C1A-91E1-67C62AE12919}"/>
               </a:ext>
             </a:extLst>
           </p:cNvPr>
@@ -5023,7 +7022,7 @@
           <a:p>
             <a:r>
               <a:rPr lang="en-US" dirty="0"/>
-              <a:t>Identifiers (Names)</a:t>
+              <a:t>Variables</a:t>
             </a:r>
           </a:p>
         </p:txBody>
@@ -5033,7 +7032,7 @@
           <p:cNvPr id="3" name="Content Placeholder 2">
             <a:extLst>
               <a:ext uri="{FF2B5EF4-FFF2-40B4-BE49-F238E27FC236}">
-                <a16:creationId xmlns:a16="http://schemas.microsoft.com/office/drawing/2014/main" id="{CFA1EA4F-D712-4AE4-927F-FA2211772F9C}"/>
+                <a16:creationId xmlns:a16="http://schemas.microsoft.com/office/drawing/2014/main" id="{C33302E7-22FE-4DA2-B2B6-2008898FCE8D}"/>
               </a:ext>
             </a:extLst>
           </p:cNvPr>
@@ -5051,88 +7050,57 @@
           <a:p>
             <a:r>
               <a:rPr lang="en-US" dirty="0"/>
-              <a:t>All variables, functions, methods, and Classes must have unique names </a:t>
-            </a:r>
-          </a:p>
-          <a:p>
-            <a:r>
-              <a:rPr lang="en-US" dirty="0"/>
-              <a:t>Naming Rules and Conventions:</a:t>
-            </a:r>
-          </a:p>
-          <a:p>
-            <a:pPr lvl="1"/>
-            <a:r>
-              <a:rPr lang="en-US" dirty="0"/>
-              <a:t>Make your names as descriptive and concise as possible to describe the data in them</a:t>
-            </a:r>
-          </a:p>
-          <a:p>
-            <a:pPr lvl="1"/>
-            <a:r>
-              <a:rPr lang="en-US" dirty="0"/>
-              <a:t>Names may </a:t>
-            </a:r>
-            <a:r>
-              <a:rPr lang="en-US" i="1" dirty="0"/>
-              <a:t>never</a:t>
-            </a:r>
-            <a:r>
-              <a:rPr lang="en-US" dirty="0"/>
-              <a:t> start with a number, but </a:t>
-            </a:r>
-            <a:r>
-              <a:rPr lang="en-US" i="1" dirty="0"/>
-              <a:t>may</a:t>
-            </a:r>
-            <a:r>
-              <a:rPr lang="en-US" dirty="0"/>
-              <a:t> contain numbers in the</a:t>
-            </a:r>
-          </a:p>
-          <a:p>
-            <a:pPr lvl="1"/>
-            <a:r>
-              <a:rPr lang="en-US" dirty="0"/>
-              <a:t>Names are Case sensitive</a:t>
-            </a:r>
-          </a:p>
-          <a:p>
-            <a:pPr lvl="1"/>
-            <a:r>
-              <a:rPr lang="en-US" dirty="0"/>
-              <a:t>Names </a:t>
-            </a:r>
-            <a:r>
-              <a:rPr lang="en-US" i="1" dirty="0"/>
-              <a:t>can</a:t>
-            </a:r>
-            <a:r>
-              <a:rPr lang="en-US" dirty="0"/>
-              <a:t> begin with an underscore (_), but this practice is reserved for </a:t>
-            </a:r>
-            <a:r>
-              <a:rPr lang="en-US" i="1" dirty="0"/>
-              <a:t>private variables </a:t>
-            </a:r>
-            <a:r>
-              <a:rPr lang="en-US" dirty="0"/>
-              <a:t>(More on this later)</a:t>
-            </a:r>
-          </a:p>
-          <a:p>
-            <a:pPr lvl="1"/>
-            <a:r>
-              <a:rPr lang="en-US" dirty="0"/>
-              <a:t>You may not use keywords as variable names </a:t>
-            </a:r>
-          </a:p>
-        </p:txBody>
-      </p:sp>
+              <a:t>You can declare multiple variables on the same line</a:t>
+            </a:r>
+          </a:p>
+          <a:p>
+            <a:r>
+              <a:rPr lang="en-US" dirty="0"/>
+              <a:t>You can declare a variable without any value at all as long as it is not a constant (which cannot be reassigned)</a:t>
+            </a:r>
+          </a:p>
+        </p:txBody>
+      </p:sp>
+      <p:pic>
+        <p:nvPicPr>
+          <p:cNvPr id="5" name="Picture 4">
+            <a:extLst>
+              <a:ext uri="{FF2B5EF4-FFF2-40B4-BE49-F238E27FC236}">
+                <a16:creationId xmlns:a16="http://schemas.microsoft.com/office/drawing/2014/main" id="{27461F98-F91E-42AD-9516-643F4286E629}"/>
+              </a:ext>
+            </a:extLst>
+          </p:cNvPr>
+          <p:cNvPicPr>
+            <a:picLocks noChangeAspect="1"/>
+          </p:cNvPicPr>
+          <p:nvPr/>
+        </p:nvPicPr>
+        <p:blipFill>
+          <a:blip r:embed="rId2">
+            <a:extLst>
+              <a:ext uri="{28A0092B-C50C-407E-A947-70E740481C1C}">
+                <a14:useLocalDpi xmlns:a14="http://schemas.microsoft.com/office/drawing/2010/main" val="0"/>
+              </a:ext>
+            </a:extLst>
+          </a:blip>
+          <a:stretch>
+            <a:fillRect/>
+          </a:stretch>
+        </p:blipFill>
+        <p:spPr>
+          <a:xfrm>
+            <a:off x="6096001" y="5412156"/>
+            <a:ext cx="6096000" cy="1445844"/>
+          </a:xfrm>
+          <a:prstGeom prst="rect">
+            <a:avLst/>
+          </a:prstGeom>
+        </p:spPr>
+      </p:pic>
     </p:spTree>
     <p:extLst>
       <p:ext uri="{BB962C8B-B14F-4D97-AF65-F5344CB8AC3E}">
-        <p14:creationId xmlns:p14="http://schemas.microsoft.com/office/powerpoint/2010/main" val="3709724158"/>
+        <p14:creationId xmlns:p14="http://schemas.microsoft.com/office/powerpoint/2010/main" val="3629898389"/>
       </p:ext>
     </p:extLst>
   </p:cSld>
@@ -5164,7 +7132,7 @@
           <p:cNvPr id="2" name="Title 1">
             <a:extLst>
               <a:ext uri="{FF2B5EF4-FFF2-40B4-BE49-F238E27FC236}">
-                <a16:creationId xmlns:a16="http://schemas.microsoft.com/office/drawing/2014/main" id="{7911E7E9-CD0B-47FB-B56D-E7F6C5453BCD}"/>
+                <a16:creationId xmlns:a16="http://schemas.microsoft.com/office/drawing/2014/main" id="{A074167C-6E1A-4C18-92D8-F721A4D098D0}"/>
               </a:ext>
             </a:extLst>
           </p:cNvPr>
@@ -5182,7 +7150,7 @@
           <a:p>
             <a:r>
               <a:rPr lang="en-US" dirty="0"/>
-              <a:t>Assignment</a:t>
+              <a:t>Naming Conventions and Rules</a:t>
             </a:r>
           </a:p>
         </p:txBody>
@@ -5192,7 +7160,7 @@
           <p:cNvPr id="3" name="Content Placeholder 2">
             <a:extLst>
               <a:ext uri="{FF2B5EF4-FFF2-40B4-BE49-F238E27FC236}">
-                <a16:creationId xmlns:a16="http://schemas.microsoft.com/office/drawing/2014/main" id="{97C7CDE6-06F8-4CE8-88F2-0F21BE7310E5}"/>
+                <a16:creationId xmlns:a16="http://schemas.microsoft.com/office/drawing/2014/main" id="{CFA1EA4F-D712-4AE4-927F-FA2211772F9C}"/>
               </a:ext>
             </a:extLst>
           </p:cNvPr>
@@ -5210,62 +7178,115 @@
           <a:p>
             <a:r>
               <a:rPr lang="en-US" dirty="0"/>
-              <a:t>Assignment expressions always read from left to right</a:t>
-            </a:r>
-          </a:p>
-          <a:p>
-            <a:r>
-              <a:rPr lang="en-US" dirty="0"/>
-              <a:t>Variables are assigned using an equals (=)</a:t>
-            </a:r>
-          </a:p>
-          <a:p>
-            <a:pPr lvl="1"/>
-            <a:r>
-              <a:rPr lang="en-US" dirty="0"/>
-              <a:t>Ex: let </a:t>
-            </a:r>
-            <a:r>
-              <a:rPr lang="en-US" dirty="0" err="1"/>
-              <a:t>testVariable</a:t>
-            </a:r>
-            <a:r>
-              <a:rPr lang="en-US" dirty="0"/>
-              <a:t> = 100; (Reads as </a:t>
-            </a:r>
-            <a:r>
-              <a:rPr lang="en-US" dirty="0" err="1"/>
-              <a:t>testVariable</a:t>
-            </a:r>
-            <a:r>
-              <a:rPr lang="en-US" dirty="0"/>
-              <a:t> “gets” 100)</a:t>
-            </a:r>
-          </a:p>
-          <a:p>
-            <a:r>
-              <a:rPr lang="en-US" dirty="0"/>
-              <a:t>Variables work similar to Algebra, but assignment does not</a:t>
-            </a:r>
-          </a:p>
-          <a:p>
-            <a:r>
-              <a:rPr lang="en-US" dirty="0"/>
-              <a:t>Variables can add to themselves</a:t>
-            </a:r>
-          </a:p>
-          <a:p>
-            <a:r>
-              <a:rPr lang="en-US" dirty="0"/>
-              <a:t>In JavaScript, = is different from ==, which is different from ===</a:t>
-            </a:r>
-          </a:p>
-        </p:txBody>
-      </p:sp>
+              <a:t>All variables, functions, methods, and Classes must have unique names </a:t>
+            </a:r>
+          </a:p>
+          <a:p>
+            <a:r>
+              <a:rPr lang="en-US" dirty="0"/>
+              <a:t>Names </a:t>
+            </a:r>
+            <a:r>
+              <a:rPr lang="en-US" i="1" dirty="0"/>
+              <a:t>can</a:t>
+            </a:r>
+            <a:r>
+              <a:rPr lang="en-US" dirty="0"/>
+              <a:t> begin with an underscore (_), but this practice is reserved for </a:t>
+            </a:r>
+            <a:r>
+              <a:rPr lang="en-US" i="1" dirty="0"/>
+              <a:t>private variables </a:t>
+            </a:r>
+            <a:r>
+              <a:rPr lang="en-US" dirty="0"/>
+              <a:t>(More on this later)</a:t>
+            </a:r>
+          </a:p>
+          <a:p>
+            <a:r>
+              <a:rPr lang="en-US" dirty="0"/>
+              <a:t>You may not use keywords as variable names </a:t>
+            </a:r>
+          </a:p>
+        </p:txBody>
+      </p:sp>
+      <p:pic>
+        <p:nvPicPr>
+          <p:cNvPr id="5" name="Picture 4">
+            <a:extLst>
+              <a:ext uri="{FF2B5EF4-FFF2-40B4-BE49-F238E27FC236}">
+                <a16:creationId xmlns:a16="http://schemas.microsoft.com/office/drawing/2014/main" id="{ADDC0667-AD7E-43CA-91C7-F99A415E0973}"/>
+              </a:ext>
+            </a:extLst>
+          </p:cNvPr>
+          <p:cNvPicPr>
+            <a:picLocks noChangeAspect="1"/>
+          </p:cNvPicPr>
+          <p:nvPr/>
+        </p:nvPicPr>
+        <p:blipFill>
+          <a:blip r:embed="rId2">
+            <a:extLst>
+              <a:ext uri="{28A0092B-C50C-407E-A947-70E740481C1C}">
+                <a14:useLocalDpi xmlns:a14="http://schemas.microsoft.com/office/drawing/2010/main" val="0"/>
+              </a:ext>
+            </a:extLst>
+          </a:blip>
+          <a:stretch>
+            <a:fillRect/>
+          </a:stretch>
+        </p:blipFill>
+        <p:spPr>
+          <a:xfrm>
+            <a:off x="0" y="5806586"/>
+            <a:ext cx="6651812" cy="1051414"/>
+          </a:xfrm>
+          <a:prstGeom prst="rect">
+            <a:avLst/>
+          </a:prstGeom>
+        </p:spPr>
+      </p:pic>
+      <p:pic>
+        <p:nvPicPr>
+          <p:cNvPr id="7" name="Picture 6">
+            <a:extLst>
+              <a:ext uri="{FF2B5EF4-FFF2-40B4-BE49-F238E27FC236}">
+                <a16:creationId xmlns:a16="http://schemas.microsoft.com/office/drawing/2014/main" id="{C192FC8B-0A1C-4554-AC01-7F26D6B253EA}"/>
+              </a:ext>
+            </a:extLst>
+          </p:cNvPr>
+          <p:cNvPicPr>
+            <a:picLocks noChangeAspect="1"/>
+          </p:cNvPicPr>
+          <p:nvPr/>
+        </p:nvPicPr>
+        <p:blipFill>
+          <a:blip r:embed="rId3">
+            <a:extLst>
+              <a:ext uri="{28A0092B-C50C-407E-A947-70E740481C1C}">
+                <a14:useLocalDpi xmlns:a14="http://schemas.microsoft.com/office/drawing/2010/main" val="0"/>
+              </a:ext>
+            </a:extLst>
+          </a:blip>
+          <a:stretch>
+            <a:fillRect/>
+          </a:stretch>
+        </p:blipFill>
+        <p:spPr>
+          <a:xfrm>
+            <a:off x="6651812" y="4034191"/>
+            <a:ext cx="5540188" cy="2823809"/>
+          </a:xfrm>
+          <a:prstGeom prst="rect">
+            <a:avLst/>
+          </a:prstGeom>
+        </p:spPr>
+      </p:pic>
     </p:spTree>
     <p:extLst>
       <p:ext uri="{BB962C8B-B14F-4D97-AF65-F5344CB8AC3E}">
-        <p14:creationId xmlns:p14="http://schemas.microsoft.com/office/powerpoint/2010/main" val="3328016111"/>
+        <p14:creationId xmlns:p14="http://schemas.microsoft.com/office/powerpoint/2010/main" val="3709724158"/>
       </p:ext>
     </p:extLst>
   </p:cSld>
@@ -5297,7 +7318,7 @@
           <p:cNvPr id="2" name="Title 1">
             <a:extLst>
               <a:ext uri="{FF2B5EF4-FFF2-40B4-BE49-F238E27FC236}">
-                <a16:creationId xmlns:a16="http://schemas.microsoft.com/office/drawing/2014/main" id="{35645E2A-1600-4B6A-B096-A674BCA9D5FE}"/>
+                <a16:creationId xmlns:a16="http://schemas.microsoft.com/office/drawing/2014/main" id="{A92524DE-B470-4C27-936D-05D31AF0B17F}"/>
               </a:ext>
             </a:extLst>
           </p:cNvPr>
@@ -5315,7 +7336,7 @@
           <a:p>
             <a:r>
               <a:rPr lang="en-US" dirty="0"/>
-              <a:t>Operators</a:t>
+              <a:t>Naming Conventions and Rules</a:t>
             </a:r>
           </a:p>
         </p:txBody>
@@ -5325,7 +7346,7 @@
           <p:cNvPr id="3" name="Content Placeholder 2">
             <a:extLst>
               <a:ext uri="{FF2B5EF4-FFF2-40B4-BE49-F238E27FC236}">
-                <a16:creationId xmlns:a16="http://schemas.microsoft.com/office/drawing/2014/main" id="{1A4BC9FA-2A78-443F-A57D-677324C41F93}"/>
+                <a16:creationId xmlns:a16="http://schemas.microsoft.com/office/drawing/2014/main" id="{D6736CA3-9EC0-4C5E-A4E8-189FDD6CCD22}"/>
               </a:ext>
             </a:extLst>
           </p:cNvPr>
@@ -5343,61 +7364,82 @@
           <a:p>
             <a:r>
               <a:rPr lang="en-US" dirty="0"/>
-              <a:t>Most operators work the way they do in Math, but JS has some exceptions</a:t>
-            </a:r>
-          </a:p>
-          <a:p>
-            <a:r>
-              <a:rPr lang="en-US" dirty="0"/>
-              <a:t>=: Used for assignment</a:t>
-            </a:r>
-          </a:p>
-          <a:p>
-            <a:r>
-              <a:rPr lang="en-US" dirty="0"/>
-              <a:t>%: Used for Remainder division (called a Modulus)</a:t>
-            </a:r>
-          </a:p>
-          <a:p>
-            <a:r>
-              <a:rPr lang="en-US" dirty="0"/>
-              <a:t>**: Used for exponents </a:t>
-            </a:r>
-          </a:p>
-          <a:p>
-            <a:r>
-              <a:rPr lang="en-US" dirty="0"/>
-              <a:t>++: Used to </a:t>
+              <a:t>Make your names as descriptive and concise as possible to describe the data in them</a:t>
+            </a:r>
+          </a:p>
+          <a:p>
+            <a:r>
+              <a:rPr lang="en-US" dirty="0"/>
+              <a:t>Names may </a:t>
             </a:r>
             <a:r>
               <a:rPr lang="en-US" i="1" dirty="0"/>
-              <a:t>Increment </a:t>
-            </a:r>
-            <a:r>
-              <a:rPr lang="en-US" dirty="0"/>
-              <a:t>(Increase by One)</a:t>
-            </a:r>
-          </a:p>
-          <a:p>
-            <a:r>
-              <a:rPr lang="en-US" dirty="0"/>
-              <a:t>--: Used to </a:t>
+              <a:t>never</a:t>
+            </a:r>
+            <a:r>
+              <a:rPr lang="en-US" dirty="0"/>
+              <a:t> start with a number, but </a:t>
             </a:r>
             <a:r>
               <a:rPr lang="en-US" i="1" dirty="0"/>
-              <a:t>Decrement</a:t>
-            </a:r>
-            <a:r>
-              <a:rPr lang="en-US" dirty="0"/>
-              <a:t> (Decrease by One)</a:t>
-            </a:r>
-          </a:p>
-        </p:txBody>
-      </p:sp>
+              <a:t>may</a:t>
+            </a:r>
+            <a:r>
+              <a:rPr lang="en-US" dirty="0"/>
+              <a:t> contain numbers in the</a:t>
+            </a:r>
+          </a:p>
+          <a:p>
+            <a:r>
+              <a:rPr lang="en-US" dirty="0"/>
+              <a:t>Names are Case sensitive</a:t>
+            </a:r>
+          </a:p>
+          <a:p>
+            <a:endParaRPr lang="en-US" dirty="0"/>
+          </a:p>
+        </p:txBody>
+      </p:sp>
+      <p:pic>
+        <p:nvPicPr>
+          <p:cNvPr id="5" name="Picture 4">
+            <a:extLst>
+              <a:ext uri="{FF2B5EF4-FFF2-40B4-BE49-F238E27FC236}">
+                <a16:creationId xmlns:a16="http://schemas.microsoft.com/office/drawing/2014/main" id="{430CE2B3-755F-4422-82C5-559AA8F4CB4F}"/>
+              </a:ext>
+            </a:extLst>
+          </p:cNvPr>
+          <p:cNvPicPr>
+            <a:picLocks noChangeAspect="1"/>
+          </p:cNvPicPr>
+          <p:nvPr/>
+        </p:nvPicPr>
+        <p:blipFill>
+          <a:blip r:embed="rId2">
+            <a:extLst>
+              <a:ext uri="{28A0092B-C50C-407E-A947-70E740481C1C}">
+                <a14:useLocalDpi xmlns:a14="http://schemas.microsoft.com/office/drawing/2010/main" val="0"/>
+              </a:ext>
+            </a:extLst>
+          </a:blip>
+          <a:stretch>
+            <a:fillRect/>
+          </a:stretch>
+        </p:blipFill>
+        <p:spPr>
+          <a:xfrm>
+            <a:off x="1147482" y="4288334"/>
+            <a:ext cx="9897035" cy="2569666"/>
+          </a:xfrm>
+          <a:prstGeom prst="rect">
+            <a:avLst/>
+          </a:prstGeom>
+        </p:spPr>
+      </p:pic>
     </p:spTree>
     <p:extLst>
       <p:ext uri="{BB962C8B-B14F-4D97-AF65-F5344CB8AC3E}">
-        <p14:creationId xmlns:p14="http://schemas.microsoft.com/office/powerpoint/2010/main" val="1830946384"/>
+        <p14:creationId xmlns:p14="http://schemas.microsoft.com/office/powerpoint/2010/main" val="778820467"/>
       </p:ext>
     </p:extLst>
   </p:cSld>
@@ -5429,7 +7471,7 @@
           <p:cNvPr id="2" name="Title 1">
             <a:extLst>
               <a:ext uri="{FF2B5EF4-FFF2-40B4-BE49-F238E27FC236}">
-                <a16:creationId xmlns:a16="http://schemas.microsoft.com/office/drawing/2014/main" id="{FB392829-285F-4BCF-B306-9E69BE443F55}"/>
+                <a16:creationId xmlns:a16="http://schemas.microsoft.com/office/drawing/2014/main" id="{7911E7E9-CD0B-47FB-B56D-E7F6C5453BCD}"/>
               </a:ext>
             </a:extLst>
           </p:cNvPr>
@@ -5447,7 +7489,7 @@
           <a:p>
             <a:r>
               <a:rPr lang="en-US" dirty="0"/>
-              <a:t>Assignment Operators</a:t>
+              <a:t>Assignment</a:t>
             </a:r>
           </a:p>
         </p:txBody>
@@ -5457,7 +7499,7 @@
           <p:cNvPr id="3" name="Content Placeholder 2">
             <a:extLst>
               <a:ext uri="{FF2B5EF4-FFF2-40B4-BE49-F238E27FC236}">
-                <a16:creationId xmlns:a16="http://schemas.microsoft.com/office/drawing/2014/main" id="{6E83ABD1-D129-4191-9F8A-76D02A5B3080}"/>
+                <a16:creationId xmlns:a16="http://schemas.microsoft.com/office/drawing/2014/main" id="{97C7CDE6-06F8-4CE8-88F2-0F21BE7310E5}"/>
               </a:ext>
             </a:extLst>
           </p:cNvPr>
@@ -5475,51 +7517,63 @@
           <a:p>
             <a:r>
               <a:rPr lang="en-US" dirty="0"/>
-              <a:t>You can do math on a variable and assign it to that variable in the same step</a:t>
-            </a:r>
-          </a:p>
-          <a:p>
-            <a:r>
-              <a:rPr lang="en-US" dirty="0"/>
-              <a:t>+=: x += 5 is the same as x = x + 5</a:t>
-            </a:r>
-          </a:p>
-          <a:p>
-            <a:r>
-              <a:rPr lang="en-US" dirty="0"/>
-              <a:t>-=: x -= 10 is the same as x = x – 10</a:t>
-            </a:r>
-          </a:p>
-          <a:p>
-            <a:r>
-              <a:rPr lang="en-US" dirty="0"/>
-              <a:t>*=: x *= 15 is the same as x = x * 15</a:t>
-            </a:r>
-          </a:p>
-          <a:p>
-            <a:r>
-              <a:rPr lang="en-US" dirty="0"/>
-              <a:t>/=: x /= 20 is the same as x = x / 20</a:t>
-            </a:r>
-          </a:p>
-          <a:p>
-            <a:r>
-              <a:rPr lang="en-US" dirty="0"/>
-              <a:t>%=: x %= 25 is the same as x = x % 20</a:t>
-            </a:r>
-          </a:p>
-          <a:p>
-            <a:r>
-              <a:rPr lang="en-US" dirty="0"/>
-              <a:t>**=: x **= 30 is the same as x = x ** 30</a:t>
-            </a:r>
-          </a:p>
-        </p:txBody>
-      </p:sp>
+              <a:t>Assignment expressions always read from left to right</a:t>
+            </a:r>
+          </a:p>
+          <a:p>
+            <a:r>
+              <a:rPr lang="en-US" dirty="0"/>
+              <a:t>Variables are assigned using an equals (=)</a:t>
+            </a:r>
+          </a:p>
+          <a:p>
+            <a:pPr marL="457200" lvl="1" indent="0">
+              <a:buNone/>
+            </a:pPr>
+            <a:endParaRPr lang="en-US" dirty="0"/>
+          </a:p>
+        </p:txBody>
+      </p:sp>
+      <p:pic>
+        <p:nvPicPr>
+          <p:cNvPr id="5" name="Picture 4">
+            <a:extLst>
+              <a:ext uri="{FF2B5EF4-FFF2-40B4-BE49-F238E27FC236}">
+                <a16:creationId xmlns:a16="http://schemas.microsoft.com/office/drawing/2014/main" id="{094FE324-BCAC-4038-B5CA-FB383B7E04AB}"/>
+              </a:ext>
+            </a:extLst>
+          </p:cNvPr>
+          <p:cNvPicPr>
+            <a:picLocks noChangeAspect="1"/>
+          </p:cNvPicPr>
+          <p:nvPr/>
+        </p:nvPicPr>
+        <p:blipFill>
+          <a:blip r:embed="rId2">
+            <a:extLst>
+              <a:ext uri="{28A0092B-C50C-407E-A947-70E740481C1C}">
+                <a14:useLocalDpi xmlns:a14="http://schemas.microsoft.com/office/drawing/2010/main" val="0"/>
+              </a:ext>
+            </a:extLst>
+          </a:blip>
+          <a:stretch>
+            <a:fillRect/>
+          </a:stretch>
+        </p:blipFill>
+        <p:spPr>
+          <a:xfrm>
+            <a:off x="0" y="3633021"/>
+            <a:ext cx="12192000" cy="3224980"/>
+          </a:xfrm>
+          <a:prstGeom prst="rect">
+            <a:avLst/>
+          </a:prstGeom>
+        </p:spPr>
+      </p:pic>
     </p:spTree>
     <p:extLst>
       <p:ext uri="{BB962C8B-B14F-4D97-AF65-F5344CB8AC3E}">
-        <p14:creationId xmlns:p14="http://schemas.microsoft.com/office/powerpoint/2010/main" val="3795286238"/>
+        <p14:creationId xmlns:p14="http://schemas.microsoft.com/office/powerpoint/2010/main" val="3328016111"/>
       </p:ext>
     </p:extLst>
   </p:cSld>
@@ -5551,7 +7605,7 @@
           <p:cNvPr id="2" name="Title 1">
             <a:extLst>
               <a:ext uri="{FF2B5EF4-FFF2-40B4-BE49-F238E27FC236}">
-                <a16:creationId xmlns:a16="http://schemas.microsoft.com/office/drawing/2014/main" id="{BB4B1E85-AB14-4C71-9FA2-55E58F6C66CF}"/>
+                <a16:creationId xmlns:a16="http://schemas.microsoft.com/office/drawing/2014/main" id="{2F206C2E-C51B-4798-BAF2-BA1EA1756D35}"/>
               </a:ext>
             </a:extLst>
           </p:cNvPr>
@@ -5569,7 +7623,7 @@
           <a:p>
             <a:r>
               <a:rPr lang="en-US" dirty="0"/>
-              <a:t>Boolean Logic</a:t>
+              <a:t>Assignment</a:t>
             </a:r>
           </a:p>
         </p:txBody>
@@ -5579,7 +7633,7 @@
           <p:cNvPr id="3" name="Content Placeholder 2">
             <a:extLst>
               <a:ext uri="{FF2B5EF4-FFF2-40B4-BE49-F238E27FC236}">
-                <a16:creationId xmlns:a16="http://schemas.microsoft.com/office/drawing/2014/main" id="{C594594A-B94F-4722-BD06-0CC067011EE3}"/>
+                <a16:creationId xmlns:a16="http://schemas.microsoft.com/office/drawing/2014/main" id="{D1E09421-A6A9-42AC-B098-127E11A4CE08}"/>
               </a:ext>
             </a:extLst>
           </p:cNvPr>
@@ -5597,66 +7651,102 @@
           <a:p>
             <a:r>
               <a:rPr lang="en-US" dirty="0"/>
-              <a:t>In programming, all comparisons evaluate to either True or False</a:t>
-            </a:r>
-          </a:p>
-          <a:p>
-            <a:r>
-              <a:rPr lang="en-US" dirty="0"/>
-              <a:t>This is the basis for most of programming and computer science</a:t>
-            </a:r>
-          </a:p>
-          <a:p>
-            <a:r>
-              <a:rPr lang="en-US" dirty="0"/>
-              <a:t>You will frequently want to compare two statements to each other</a:t>
-            </a:r>
-          </a:p>
-          <a:p>
-            <a:pPr lvl="1"/>
-            <a:r>
-              <a:rPr lang="en-US" dirty="0"/>
-              <a:t>When we cover conditionals, they will all use Booleans</a:t>
-            </a:r>
-          </a:p>
-          <a:p>
-            <a:r>
-              <a:rPr lang="en-US" dirty="0"/>
-              <a:t>Ex: 10 === 10 evaluates as True</a:t>
-            </a:r>
-          </a:p>
-          <a:p>
-            <a:r>
-              <a:rPr lang="en-US" dirty="0"/>
-              <a:t>Ex: 10 === 0 evaluates as False</a:t>
-            </a:r>
-          </a:p>
-          <a:p>
-            <a:r>
-              <a:rPr lang="en-US" dirty="0"/>
-              <a:t>Ex: 50 &gt; 0 -&gt; True, “Howdy” === “</a:t>
-            </a:r>
-            <a:r>
-              <a:rPr lang="en-US" dirty="0" err="1"/>
-              <a:t>YdwoH</a:t>
-            </a:r>
-            <a:r>
-              <a:rPr lang="en-US" dirty="0"/>
-              <a:t>” -&gt; False</a:t>
-            </a:r>
-          </a:p>
-          <a:p>
-            <a:pPr marL="0" indent="0">
-              <a:buNone/>
-            </a:pPr>
+              <a:t>Variables work similar to Algebra, but assignment does not</a:t>
+            </a:r>
+          </a:p>
+          <a:p>
+            <a:r>
+              <a:rPr lang="en-US" dirty="0"/>
+              <a:t>Variables can add to themselves</a:t>
+            </a:r>
+          </a:p>
+          <a:p>
+            <a:r>
+              <a:rPr lang="en-US" dirty="0"/>
+              <a:t>In JavaScript, = is different from ==, which is different from ===</a:t>
+            </a:r>
+          </a:p>
+          <a:p>
             <a:endParaRPr lang="en-US" dirty="0"/>
           </a:p>
         </p:txBody>
       </p:sp>
+      <p:pic>
+        <p:nvPicPr>
+          <p:cNvPr id="5" name="Picture 4">
+            <a:extLst>
+              <a:ext uri="{FF2B5EF4-FFF2-40B4-BE49-F238E27FC236}">
+                <a16:creationId xmlns:a16="http://schemas.microsoft.com/office/drawing/2014/main" id="{17BE01F9-9D72-46E4-A0C5-DADEAE7EFFAA}"/>
+              </a:ext>
+            </a:extLst>
+          </p:cNvPr>
+          <p:cNvPicPr>
+            <a:picLocks noChangeAspect="1"/>
+          </p:cNvPicPr>
+          <p:nvPr/>
+        </p:nvPicPr>
+        <p:blipFill>
+          <a:blip r:embed="rId2">
+            <a:extLst>
+              <a:ext uri="{28A0092B-C50C-407E-A947-70E740481C1C}">
+                <a14:useLocalDpi xmlns:a14="http://schemas.microsoft.com/office/drawing/2010/main" val="0"/>
+              </a:ext>
+            </a:extLst>
+          </a:blip>
+          <a:stretch>
+            <a:fillRect/>
+          </a:stretch>
+        </p:blipFill>
+        <p:spPr>
+          <a:xfrm>
+            <a:off x="0" y="3446393"/>
+            <a:ext cx="3818965" cy="3411608"/>
+          </a:xfrm>
+          <a:prstGeom prst="rect">
+            <a:avLst/>
+          </a:prstGeom>
+        </p:spPr>
+      </p:pic>
+      <p:pic>
+        <p:nvPicPr>
+          <p:cNvPr id="7" name="Picture 6">
+            <a:extLst>
+              <a:ext uri="{FF2B5EF4-FFF2-40B4-BE49-F238E27FC236}">
+                <a16:creationId xmlns:a16="http://schemas.microsoft.com/office/drawing/2014/main" id="{123CBF37-E812-47FC-8168-94BB6D3DE092}"/>
+              </a:ext>
+            </a:extLst>
+          </p:cNvPr>
+          <p:cNvPicPr>
+            <a:picLocks noChangeAspect="1"/>
+          </p:cNvPicPr>
+          <p:nvPr/>
+        </p:nvPicPr>
+        <p:blipFill>
+          <a:blip r:embed="rId3">
+            <a:extLst>
+              <a:ext uri="{28A0092B-C50C-407E-A947-70E740481C1C}">
+                <a14:useLocalDpi xmlns:a14="http://schemas.microsoft.com/office/drawing/2010/main" val="0"/>
+              </a:ext>
+            </a:extLst>
+          </a:blip>
+          <a:stretch>
+            <a:fillRect/>
+          </a:stretch>
+        </p:blipFill>
+        <p:spPr>
+          <a:xfrm>
+            <a:off x="9457765" y="3431553"/>
+            <a:ext cx="2734235" cy="3426448"/>
+          </a:xfrm>
+          <a:prstGeom prst="rect">
+            <a:avLst/>
+          </a:prstGeom>
+        </p:spPr>
+      </p:pic>
     </p:spTree>
     <p:extLst>
       <p:ext uri="{BB962C8B-B14F-4D97-AF65-F5344CB8AC3E}">
-        <p14:creationId xmlns:p14="http://schemas.microsoft.com/office/powerpoint/2010/main" val="3534466963"/>
+        <p14:creationId xmlns:p14="http://schemas.microsoft.com/office/powerpoint/2010/main" val="3102031358"/>
       </p:ext>
     </p:extLst>
   </p:cSld>
@@ -5688,7 +7778,7 @@
           <p:cNvPr id="2" name="Title 1">
             <a:extLst>
               <a:ext uri="{FF2B5EF4-FFF2-40B4-BE49-F238E27FC236}">
-                <a16:creationId xmlns:a16="http://schemas.microsoft.com/office/drawing/2014/main" id="{442EC616-6009-451D-BD6B-73626CF35B14}"/>
+                <a16:creationId xmlns:a16="http://schemas.microsoft.com/office/drawing/2014/main" id="{35645E2A-1600-4B6A-B096-A674BCA9D5FE}"/>
               </a:ext>
             </a:extLst>
           </p:cNvPr>
@@ -5706,7 +7796,7 @@
           <a:p>
             <a:r>
               <a:rPr lang="en-US" dirty="0"/>
-              <a:t>Comparison Operators</a:t>
+              <a:t>Operators</a:t>
             </a:r>
           </a:p>
         </p:txBody>
@@ -5716,7 +7806,7 @@
           <p:cNvPr id="3" name="Content Placeholder 2">
             <a:extLst>
               <a:ext uri="{FF2B5EF4-FFF2-40B4-BE49-F238E27FC236}">
-                <a16:creationId xmlns:a16="http://schemas.microsoft.com/office/drawing/2014/main" id="{187D5E43-0FA5-44EB-83DE-D25469F21995}"/>
+                <a16:creationId xmlns:a16="http://schemas.microsoft.com/office/drawing/2014/main" id="{1A4BC9FA-2A78-443F-A57D-677324C41F93}"/>
               </a:ext>
             </a:extLst>
           </p:cNvPr>
@@ -5734,49 +7824,19 @@
           <a:p>
             <a:r>
               <a:rPr lang="en-US" dirty="0"/>
-              <a:t>==: Equal to</a:t>
-            </a:r>
-          </a:p>
-          <a:p>
-            <a:r>
-              <a:rPr lang="en-US" dirty="0"/>
-              <a:t>===: Equal value and Equal type</a:t>
-            </a:r>
-          </a:p>
-          <a:p>
-            <a:r>
-              <a:rPr lang="en-US" dirty="0"/>
-              <a:t>!=: Not equal to</a:t>
-            </a:r>
-          </a:p>
-          <a:p>
-            <a:r>
-              <a:rPr lang="en-US" dirty="0"/>
-              <a:t>!==: Not equal value or not equal type</a:t>
-            </a:r>
-          </a:p>
-          <a:p>
-            <a:r>
-              <a:rPr lang="en-US" dirty="0"/>
-              <a:t>&gt;: Greater than</a:t>
-            </a:r>
-          </a:p>
-          <a:p>
-            <a:r>
-              <a:rPr lang="en-US" dirty="0"/>
-              <a:t>&lt;: Less than</a:t>
-            </a:r>
-          </a:p>
-          <a:p>
-            <a:r>
-              <a:rPr lang="en-US" dirty="0"/>
-              <a:t>&gt;=: Greater or equal to</a:t>
-            </a:r>
-          </a:p>
-          <a:p>
-            <a:r>
-              <a:rPr lang="en-US" dirty="0"/>
-              <a:t>&lt;=: Less than or equal to</a:t>
+              <a:t>Most operators work the way they do in Math, but JS has some exceptions</a:t>
+            </a:r>
+          </a:p>
+          <a:p>
+            <a:r>
+              <a:rPr lang="en-US" dirty="0"/>
+              <a:t>=: Used for assignment</a:t>
+            </a:r>
+          </a:p>
+          <a:p>
+            <a:r>
+              <a:rPr lang="en-US" dirty="0"/>
+              <a:t>%: Used for Remainder division (called a Modulus)</a:t>
             </a:r>
           </a:p>
         </p:txBody>
@@ -5784,7 +7844,7 @@
     </p:spTree>
     <p:extLst>
       <p:ext uri="{BB962C8B-B14F-4D97-AF65-F5344CB8AC3E}">
-        <p14:creationId xmlns:p14="http://schemas.microsoft.com/office/powerpoint/2010/main" val="1949209288"/>
+        <p14:creationId xmlns:p14="http://schemas.microsoft.com/office/powerpoint/2010/main" val="1830946384"/>
       </p:ext>
     </p:extLst>
   </p:cSld>
